--- a/resources/softuniada/Softuniada-Project-Documentation.pptx
+++ b/resources/softuniada/Softuniada-Project-Documentation.pptx
@@ -6,7 +6,13 @@
   </p:sldMasterIdLst>
   <p:sldIdLst>
     <p:sldId id="256" r:id="rId2"/>
-    <p:sldId id="257" r:id="rId3"/>
+    <p:sldId id="259" r:id="rId3"/>
+    <p:sldId id="257" r:id="rId4"/>
+    <p:sldId id="258" r:id="rId5"/>
+    <p:sldId id="261" r:id="rId6"/>
+    <p:sldId id="260" r:id="rId7"/>
+    <p:sldId id="262" r:id="rId8"/>
+    <p:sldId id="263" r:id="rId9"/>
   </p:sldIdLst>
   <p:sldSz cx="7556500" cy="10693400"/>
   <p:notesSz cx="7556500" cy="10693400"/>
@@ -1658,8 +1664,8 @@
         </p:nvSpPr>
         <p:spPr>
           <a:xfrm>
-            <a:off x="886764" y="1001013"/>
-            <a:ext cx="5759450" cy="2888615"/>
+            <a:off x="882650" y="393700"/>
+            <a:ext cx="5759450" cy="2133918"/>
           </a:xfrm>
           <a:prstGeom prst="rect">
             <a:avLst/>
@@ -1680,44 +1686,24 @@
               </a:spcBef>
             </a:pPr>
             <a:r>
-              <a:rPr sz="2000" b="1" i="1" spc="-135" dirty="0">
+              <a:rPr lang="en-US" sz="2000" b="1" i="1" spc="-135" dirty="0">
                 <a:solidFill>
                   <a:srgbClr val="FF9F00"/>
                 </a:solidFill>
                 <a:latin typeface="Trebuchet MS"/>
                 <a:cs typeface="Trebuchet MS"/>
               </a:rPr>
-              <a:t>Заглавие </a:t>
-            </a:r>
-            <a:r>
-              <a:rPr sz="2000" b="1" i="1" spc="-110" dirty="0">
+              <a:t>#YOUNG </a:t>
+            </a:r>
+            <a:r>
+              <a:rPr lang="en-US" sz="2000" b="1" i="1" spc="-135" dirty="0" smtClean="0">
                 <a:solidFill>
                   <a:srgbClr val="FF9F00"/>
                 </a:solidFill>
                 <a:latin typeface="Trebuchet MS"/>
                 <a:cs typeface="Trebuchet MS"/>
               </a:rPr>
-              <a:t>на</a:t>
-            </a:r>
-            <a:r>
-              <a:rPr sz="2000" b="1" i="1" spc="-190" dirty="0">
-                <a:solidFill>
-                  <a:srgbClr val="FF9F00"/>
-                </a:solidFill>
-                <a:latin typeface="Trebuchet MS"/>
-                <a:cs typeface="Trebuchet MS"/>
-              </a:rPr>
-              <a:t> </a:t>
-            </a:r>
-            <a:r>
-              <a:rPr sz="2000" b="1" i="1" spc="-220" dirty="0">
-                <a:solidFill>
-                  <a:srgbClr val="FF9F00"/>
-                </a:solidFill>
-                <a:latin typeface="Trebuchet MS"/>
-                <a:cs typeface="Trebuchet MS"/>
-              </a:rPr>
-              <a:t>проекта</a:t>
+              <a:t>STARS</a:t>
             </a:r>
             <a:endParaRPr sz="2000" dirty="0">
               <a:latin typeface="Trebuchet MS"/>
@@ -1734,72 +1720,19 @@
               </a:spcBef>
             </a:pPr>
             <a:r>
-              <a:rPr sz="1100" spc="-60" dirty="0">
-                <a:latin typeface="Arial"/>
-                <a:cs typeface="Arial"/>
-              </a:rPr>
-              <a:t>Два </a:t>
-            </a:r>
-            <a:r>
-              <a:rPr sz="1100" spc="-55" dirty="0">
-                <a:latin typeface="Arial"/>
-                <a:cs typeface="Arial"/>
-              </a:rPr>
-              <a:t>реда </a:t>
-            </a:r>
-            <a:r>
-              <a:rPr sz="1100" spc="-45" dirty="0">
-                <a:latin typeface="Arial"/>
-                <a:cs typeface="Arial"/>
-              </a:rPr>
-              <a:t>резюме (1-2 изречения </a:t>
-            </a:r>
-            <a:r>
-              <a:rPr sz="1100" spc="-65" dirty="0">
-                <a:latin typeface="Arial"/>
-                <a:cs typeface="Arial"/>
-              </a:rPr>
-              <a:t>за </a:t>
-            </a:r>
-            <a:r>
-              <a:rPr sz="1100" spc="-25" dirty="0">
-                <a:latin typeface="Arial"/>
-                <a:cs typeface="Arial"/>
-              </a:rPr>
-              <a:t>какво </a:t>
-            </a:r>
-            <a:r>
-              <a:rPr sz="1100" spc="-80" dirty="0">
-                <a:latin typeface="Arial"/>
-                <a:cs typeface="Arial"/>
-              </a:rPr>
-              <a:t>става</a:t>
-            </a:r>
-            <a:r>
-              <a:rPr sz="1100" spc="-155" dirty="0">
-                <a:latin typeface="Arial"/>
-                <a:cs typeface="Arial"/>
-              </a:rPr>
-              <a:t> </a:t>
-            </a:r>
-            <a:r>
-              <a:rPr sz="1100" spc="-45" dirty="0">
-                <a:latin typeface="Arial"/>
-                <a:cs typeface="Arial"/>
-              </a:rPr>
-              <a:t>дума).</a:t>
-            </a:r>
-            <a:endParaRPr sz="1100" dirty="0">
-              <a:latin typeface="Arial"/>
-              <a:cs typeface="Arial"/>
-            </a:endParaRPr>
-          </a:p>
-          <a:p>
-            <a:pPr>
-              <a:lnSpc>
-                <a:spcPct val="100000"/>
-              </a:lnSpc>
-            </a:pPr>
+              <a:rPr lang="ru-RU" sz="1100" spc="-60" dirty="0">
+                <a:latin typeface="Arial"/>
+                <a:cs typeface="Arial"/>
+              </a:rPr>
+              <a:t>Бърз и лесен начин за ангажиране и привличане на млади хора</a:t>
+            </a:r>
+            <a:r>
+              <a:rPr lang="ru-RU" sz="1100" spc="-60" dirty="0" smtClean="0">
+                <a:latin typeface="Arial"/>
+                <a:cs typeface="Arial"/>
+              </a:rPr>
+              <a:t>.</a:t>
+            </a:r>
             <a:endParaRPr sz="1050" dirty="0">
               <a:latin typeface="Arial"/>
               <a:cs typeface="Arial"/>
@@ -1836,153 +1769,34 @@
               </a:spcBef>
             </a:pPr>
             <a:r>
-              <a:rPr sz="1100" spc="-60" dirty="0">
-                <a:latin typeface="Arial"/>
-                <a:cs typeface="Arial"/>
-              </a:rPr>
-              <a:t>Изберете </a:t>
-            </a:r>
-            <a:r>
-              <a:rPr sz="1100" spc="-45" dirty="0">
-                <a:latin typeface="Arial"/>
-                <a:cs typeface="Arial"/>
-              </a:rPr>
-              <a:t>категория:</a:t>
-            </a:r>
-            <a:r>
-              <a:rPr sz="1100" spc="-60" dirty="0">
+              <a:rPr lang="bg-BG" sz="1100" spc="-55" dirty="0">
+                <a:latin typeface="Arial"/>
+                <a:cs typeface="Arial"/>
+              </a:rPr>
+              <a:t>У</a:t>
+            </a:r>
+            <a:r>
+              <a:rPr sz="1100" spc="-55" dirty="0" err="1" smtClean="0">
+                <a:latin typeface="Arial"/>
+                <a:cs typeface="Arial"/>
+              </a:rPr>
+              <a:t>еб</a:t>
+            </a:r>
+            <a:r>
+              <a:rPr sz="1100" spc="-75" dirty="0" smtClean="0">
                 <a:latin typeface="Arial"/>
                 <a:cs typeface="Arial"/>
               </a:rPr>
               <a:t> </a:t>
             </a:r>
             <a:r>
-              <a:rPr sz="1100" spc="-55" dirty="0">
-                <a:latin typeface="Arial"/>
-                <a:cs typeface="Arial"/>
-              </a:rPr>
-              <a:t>уеб</a:t>
-            </a:r>
-            <a:r>
-              <a:rPr sz="1100" spc="-75" dirty="0">
-                <a:latin typeface="Arial"/>
-                <a:cs typeface="Arial"/>
-              </a:rPr>
-              <a:t> </a:t>
-            </a:r>
-            <a:r>
-              <a:rPr sz="1100" spc="-35" dirty="0">
+              <a:rPr sz="1100" spc="-35" dirty="0" err="1" smtClean="0">
                 <a:latin typeface="Arial"/>
                 <a:cs typeface="Arial"/>
               </a:rPr>
               <a:t>приложение</a:t>
             </a:r>
-            <a:r>
-              <a:rPr sz="1100" spc="-60" dirty="0">
-                <a:latin typeface="Arial"/>
-                <a:cs typeface="Arial"/>
-              </a:rPr>
-              <a:t> </a:t>
-            </a:r>
-            <a:r>
-              <a:rPr sz="1100" spc="120" dirty="0">
-                <a:latin typeface="Arial"/>
-                <a:cs typeface="Arial"/>
-              </a:rPr>
-              <a:t>/</a:t>
-            </a:r>
-            <a:r>
-              <a:rPr sz="1100" spc="-55" dirty="0">
-                <a:latin typeface="Arial"/>
-                <a:cs typeface="Arial"/>
-              </a:rPr>
-              <a:t> </a:t>
-            </a:r>
-            <a:r>
-              <a:rPr sz="1100" spc="-40" dirty="0">
-                <a:latin typeface="Arial"/>
-                <a:cs typeface="Arial"/>
-              </a:rPr>
-              <a:t>мобилно</a:t>
-            </a:r>
-            <a:r>
-              <a:rPr sz="1100" spc="-45" dirty="0">
-                <a:latin typeface="Arial"/>
-                <a:cs typeface="Arial"/>
-              </a:rPr>
-              <a:t> </a:t>
-            </a:r>
-            <a:r>
-              <a:rPr sz="1100" spc="-35" dirty="0">
-                <a:latin typeface="Arial"/>
-                <a:cs typeface="Arial"/>
-              </a:rPr>
-              <a:t>приложение</a:t>
-            </a:r>
-            <a:r>
-              <a:rPr sz="1100" spc="-60" dirty="0">
-                <a:latin typeface="Arial"/>
-                <a:cs typeface="Arial"/>
-              </a:rPr>
-              <a:t> </a:t>
-            </a:r>
-            <a:r>
-              <a:rPr sz="1100" spc="120" dirty="0">
-                <a:latin typeface="Arial"/>
-                <a:cs typeface="Arial"/>
-              </a:rPr>
-              <a:t>/</a:t>
-            </a:r>
-            <a:r>
-              <a:rPr sz="1100" spc="-50" dirty="0">
-                <a:latin typeface="Arial"/>
-                <a:cs typeface="Arial"/>
-              </a:rPr>
-              <a:t> </a:t>
-            </a:r>
-            <a:r>
-              <a:rPr sz="1100" spc="-60" dirty="0">
-                <a:latin typeface="Arial"/>
-                <a:cs typeface="Arial"/>
-              </a:rPr>
-              <a:t>настолно</a:t>
-            </a:r>
-            <a:r>
-              <a:rPr sz="1100" spc="-50" dirty="0">
-                <a:latin typeface="Arial"/>
-                <a:cs typeface="Arial"/>
-              </a:rPr>
-              <a:t> </a:t>
-            </a:r>
-            <a:r>
-              <a:rPr sz="1100" spc="-35" dirty="0">
-                <a:latin typeface="Arial"/>
-                <a:cs typeface="Arial"/>
-              </a:rPr>
-              <a:t>приложение</a:t>
-            </a:r>
-            <a:r>
-              <a:rPr sz="1100" spc="-55" dirty="0">
-                <a:latin typeface="Arial"/>
-                <a:cs typeface="Arial"/>
-              </a:rPr>
-              <a:t> </a:t>
-            </a:r>
-            <a:r>
-              <a:rPr sz="1100" spc="120" dirty="0">
-                <a:latin typeface="Arial"/>
-                <a:cs typeface="Arial"/>
-              </a:rPr>
-              <a:t>/</a:t>
-            </a:r>
-            <a:r>
-              <a:rPr sz="1100" spc="-55" dirty="0">
-                <a:latin typeface="Arial"/>
-                <a:cs typeface="Arial"/>
-              </a:rPr>
-              <a:t> хардуер</a:t>
-            </a:r>
-            <a:endParaRPr sz="1100" dirty="0">
+            <a:endParaRPr sz="1000" dirty="0">
               <a:latin typeface="Arial"/>
               <a:cs typeface="Arial"/>
             </a:endParaRPr>
@@ -1993,29 +1807,73 @@
                 <a:spcPct val="100000"/>
               </a:lnSpc>
               <a:spcBef>
-                <a:spcPts val="225"/>
+                <a:spcPts val="5"/>
               </a:spcBef>
             </a:pPr>
             <a:r>
-              <a:rPr sz="1100" spc="120" dirty="0">
-                <a:latin typeface="Arial"/>
-                <a:cs typeface="Arial"/>
-              </a:rPr>
-              <a:t>/</a:t>
-            </a:r>
-            <a:r>
-              <a:rPr sz="1100" spc="-60" dirty="0">
-                <a:latin typeface="Arial"/>
-                <a:cs typeface="Arial"/>
+              <a:rPr sz="1800" b="1" i="1" spc="-180" dirty="0">
+                <a:solidFill>
+                  <a:srgbClr val="FF9F00"/>
+                </a:solidFill>
+                <a:latin typeface="Trebuchet MS"/>
+                <a:cs typeface="Trebuchet MS"/>
+              </a:rPr>
+              <a:t>Възрастова</a:t>
+            </a:r>
+            <a:r>
+              <a:rPr sz="1800" b="1" i="1" spc="-140" dirty="0">
+                <a:solidFill>
+                  <a:srgbClr val="FF9F00"/>
+                </a:solidFill>
+                <a:latin typeface="Trebuchet MS"/>
+                <a:cs typeface="Trebuchet MS"/>
               </a:rPr>
               <a:t> </a:t>
             </a:r>
             <a:r>
-              <a:rPr sz="1100" spc="-35" dirty="0">
-                <a:latin typeface="Arial"/>
-                <a:cs typeface="Arial"/>
-              </a:rPr>
-              <a:t>друго.</a:t>
+              <a:rPr sz="1800" b="1" i="1" spc="-135" dirty="0">
+                <a:solidFill>
+                  <a:srgbClr val="FF9F00"/>
+                </a:solidFill>
+                <a:latin typeface="Trebuchet MS"/>
+                <a:cs typeface="Trebuchet MS"/>
+              </a:rPr>
+              <a:t>група</a:t>
+            </a:r>
+            <a:endParaRPr sz="1800" dirty="0">
+              <a:latin typeface="Trebuchet MS"/>
+              <a:cs typeface="Trebuchet MS"/>
+            </a:endParaRPr>
+          </a:p>
+          <a:p>
+            <a:pPr marL="12700">
+              <a:lnSpc>
+                <a:spcPct val="100000"/>
+              </a:lnSpc>
+              <a:spcBef>
+                <a:spcPts val="795"/>
+              </a:spcBef>
+            </a:pPr>
+            <a:r>
+              <a:rPr lang="bg-BG" sz="1100" spc="-35" dirty="0" smtClean="0">
+                <a:latin typeface="Arial"/>
+                <a:cs typeface="Arial"/>
+              </a:rPr>
+              <a:t>Над </a:t>
+            </a:r>
+            <a:r>
+              <a:rPr sz="1100" spc="-55" dirty="0" smtClean="0">
+                <a:latin typeface="Arial"/>
+                <a:cs typeface="Arial"/>
+              </a:rPr>
+              <a:t>16 </a:t>
+            </a:r>
+            <a:r>
+              <a:rPr sz="1100" spc="-25" dirty="0">
+                <a:latin typeface="Arial"/>
+                <a:cs typeface="Arial"/>
+              </a:rPr>
+              <a:t>години.</a:t>
             </a:r>
             <a:endParaRPr sz="1100" dirty="0">
               <a:latin typeface="Arial"/>
@@ -2046,202 +1904,18 @@
               </a:spcBef>
             </a:pPr>
             <a:r>
-              <a:rPr sz="1800" b="1" i="1" spc="-180" dirty="0">
+              <a:rPr sz="1800" b="1" i="1" spc="-80" dirty="0" err="1" smtClean="0">
                 <a:solidFill>
                   <a:srgbClr val="FF9F00"/>
                 </a:solidFill>
                 <a:latin typeface="Trebuchet MS"/>
                 <a:cs typeface="Trebuchet MS"/>
               </a:rPr>
-              <a:t>Възрастова</a:t>
-            </a:r>
-            <a:r>
-              <a:rPr sz="1800" b="1" i="1" spc="-140" dirty="0">
-                <a:solidFill>
-                  <a:srgbClr val="FF9F00"/>
-                </a:solidFill>
-                <a:latin typeface="Trebuchet MS"/>
-                <a:cs typeface="Trebuchet MS"/>
-              </a:rPr>
-              <a:t> </a:t>
-            </a:r>
-            <a:r>
-              <a:rPr sz="1800" b="1" i="1" spc="-135" dirty="0">
-                <a:solidFill>
-                  <a:srgbClr val="FF9F00"/>
-                </a:solidFill>
-                <a:latin typeface="Trebuchet MS"/>
-                <a:cs typeface="Trebuchet MS"/>
-              </a:rPr>
-              <a:t>група</a:t>
+              <a:t>Описание</a:t>
             </a:r>
             <a:endParaRPr sz="1800" dirty="0">
               <a:latin typeface="Trebuchet MS"/>
               <a:cs typeface="Trebuchet MS"/>
-            </a:endParaRPr>
-          </a:p>
-          <a:p>
-            <a:pPr marL="12700">
-              <a:lnSpc>
-                <a:spcPct val="100000"/>
-              </a:lnSpc>
-              <a:spcBef>
-                <a:spcPts val="795"/>
-              </a:spcBef>
-            </a:pPr>
-            <a:r>
-              <a:rPr sz="1100" spc="-35" dirty="0">
-                <a:latin typeface="Arial"/>
-                <a:cs typeface="Arial"/>
-              </a:rPr>
-              <a:t>До </a:t>
-            </a:r>
-            <a:r>
-              <a:rPr sz="1100" spc="-60" dirty="0">
-                <a:latin typeface="Arial"/>
-                <a:cs typeface="Arial"/>
-              </a:rPr>
-              <a:t>16 </a:t>
-            </a:r>
-            <a:r>
-              <a:rPr sz="1100" spc="-25" dirty="0">
-                <a:latin typeface="Arial"/>
-                <a:cs typeface="Arial"/>
-              </a:rPr>
-              <a:t>години </a:t>
-            </a:r>
-            <a:r>
-              <a:rPr sz="1100" spc="120" dirty="0">
-                <a:latin typeface="Arial"/>
-                <a:cs typeface="Arial"/>
-              </a:rPr>
-              <a:t>/</a:t>
-            </a:r>
-            <a:r>
-              <a:rPr sz="1100" spc="-165" dirty="0">
-                <a:latin typeface="Arial"/>
-                <a:cs typeface="Arial"/>
-              </a:rPr>
-              <a:t> </a:t>
-            </a:r>
-            <a:r>
-              <a:rPr sz="1100" spc="-45" dirty="0">
-                <a:latin typeface="Arial"/>
-                <a:cs typeface="Arial"/>
-              </a:rPr>
-              <a:t>над </a:t>
-            </a:r>
-            <a:r>
-              <a:rPr sz="1100" spc="-55" dirty="0">
-                <a:latin typeface="Arial"/>
-                <a:cs typeface="Arial"/>
-              </a:rPr>
-              <a:t>16 </a:t>
-            </a:r>
-            <a:r>
-              <a:rPr sz="1100" spc="-25" dirty="0">
-                <a:latin typeface="Arial"/>
-                <a:cs typeface="Arial"/>
-              </a:rPr>
-              <a:t>години.</a:t>
-            </a:r>
-            <a:endParaRPr sz="1100" dirty="0">
-              <a:latin typeface="Arial"/>
-              <a:cs typeface="Arial"/>
-            </a:endParaRPr>
-          </a:p>
-          <a:p>
-            <a:pPr>
-              <a:lnSpc>
-                <a:spcPct val="100000"/>
-              </a:lnSpc>
-              <a:spcBef>
-                <a:spcPts val="45"/>
-              </a:spcBef>
-            </a:pPr>
-            <a:endParaRPr sz="1000" dirty="0">
-              <a:latin typeface="Arial"/>
-              <a:cs typeface="Arial"/>
-            </a:endParaRPr>
-          </a:p>
-          <a:p>
-            <a:pPr marL="12700">
-              <a:lnSpc>
-                <a:spcPct val="100000"/>
-              </a:lnSpc>
-              <a:spcBef>
-                <a:spcPts val="5"/>
-              </a:spcBef>
-            </a:pPr>
-            <a:r>
-              <a:rPr sz="1800" b="1" i="1" spc="-80" dirty="0">
-                <a:solidFill>
-                  <a:srgbClr val="FF9F00"/>
-                </a:solidFill>
-                <a:latin typeface="Trebuchet MS"/>
-                <a:cs typeface="Trebuchet MS"/>
-              </a:rPr>
-              <a:t>Описание</a:t>
-            </a:r>
-            <a:endParaRPr sz="1800" dirty="0">
-              <a:latin typeface="Trebuchet MS"/>
-              <a:cs typeface="Trebuchet MS"/>
-            </a:endParaRPr>
-          </a:p>
-          <a:p>
-            <a:pPr marL="12700">
-              <a:lnSpc>
-                <a:spcPct val="100000"/>
-              </a:lnSpc>
-              <a:spcBef>
-                <a:spcPts val="795"/>
-              </a:spcBef>
-            </a:pPr>
-            <a:r>
-              <a:rPr sz="1100" spc="-90" dirty="0">
-                <a:latin typeface="Arial"/>
-                <a:cs typeface="Arial"/>
-              </a:rPr>
-              <a:t>Следва </a:t>
-            </a:r>
-            <a:r>
-              <a:rPr sz="1100" spc="-35" dirty="0">
-                <a:latin typeface="Arial"/>
-                <a:cs typeface="Arial"/>
-              </a:rPr>
-              <a:t>кратко </a:t>
-            </a:r>
-            <a:r>
-              <a:rPr sz="1100" spc="-45" dirty="0">
-                <a:latin typeface="Arial"/>
-                <a:cs typeface="Arial"/>
-              </a:rPr>
-              <a:t>описание </a:t>
-            </a:r>
-            <a:r>
-              <a:rPr sz="1100" spc="-55" dirty="0">
-                <a:latin typeface="Arial"/>
-                <a:cs typeface="Arial"/>
-              </a:rPr>
-              <a:t>на</a:t>
-            </a:r>
-            <a:r>
-              <a:rPr sz="1100" spc="-85" dirty="0">
-                <a:latin typeface="Arial"/>
-                <a:cs typeface="Arial"/>
-              </a:rPr>
-              <a:t> </a:t>
-            </a:r>
-            <a:r>
-              <a:rPr sz="1100" spc="-40" dirty="0">
-                <a:latin typeface="Arial"/>
-                <a:cs typeface="Arial"/>
-              </a:rPr>
-              <a:t>проекта.</a:t>
-            </a:r>
-            <a:endParaRPr sz="1100" dirty="0">
-              <a:latin typeface="Arial"/>
-              <a:cs typeface="Arial"/>
             </a:endParaRPr>
           </a:p>
         </p:txBody>
@@ -2254,8 +1928,8 @@
         </p:nvSpPr>
         <p:spPr>
           <a:xfrm>
-            <a:off x="1115364" y="3938752"/>
-            <a:ext cx="3562350" cy="840740"/>
+            <a:off x="882650" y="2575980"/>
+            <a:ext cx="6244286" cy="2260234"/>
           </a:xfrm>
           <a:prstGeom prst="rect">
             <a:avLst/>
@@ -2267,7 +1941,7 @@
           </a:bodyPr>
           <a:lstStyle/>
           <a:p>
-            <a:pPr marL="240665" indent="-228600">
+            <a:pPr marL="240665" indent="-228600" algn="just">
               <a:lnSpc>
                 <a:spcPct val="100000"/>
               </a:lnSpc>
@@ -2282,61 +1956,421 @@
               </a:tabLst>
             </a:pPr>
             <a:r>
-              <a:rPr sz="1100" spc="-50" dirty="0">
-                <a:latin typeface="Arial"/>
-                <a:cs typeface="Arial"/>
-              </a:rPr>
-              <a:t>Какъв </a:t>
-            </a:r>
-            <a:r>
-              <a:rPr sz="1100" spc="-45" dirty="0">
-                <a:latin typeface="Arial"/>
-                <a:cs typeface="Arial"/>
-              </a:rPr>
-              <a:t>проблем </a:t>
-            </a:r>
-            <a:r>
-              <a:rPr sz="1100" spc="-75" dirty="0">
-                <a:latin typeface="Arial"/>
-                <a:cs typeface="Arial"/>
-              </a:rPr>
-              <a:t>решава </a:t>
-            </a:r>
-            <a:r>
-              <a:rPr sz="1100" spc="-60" dirty="0">
-                <a:latin typeface="Arial"/>
-                <a:cs typeface="Arial"/>
-              </a:rPr>
-              <a:t>(с </a:t>
-            </a:r>
-            <a:r>
-              <a:rPr sz="1100" spc="-50" dirty="0">
-                <a:latin typeface="Arial"/>
-                <a:cs typeface="Arial"/>
-              </a:rPr>
-              <a:t>5-10</a:t>
-            </a:r>
-            <a:r>
-              <a:rPr sz="1100" spc="-90" dirty="0">
+              <a:rPr lang="ru-RU" sz="1100" spc="-50" dirty="0" smtClean="0">
+                <a:latin typeface="Arial"/>
+                <a:cs typeface="Arial"/>
+              </a:rPr>
+              <a:t>Прилож</a:t>
+            </a:r>
+            <a:r>
+              <a:rPr lang="bg-BG" sz="1100" spc="-50" dirty="0" smtClean="0">
+                <a:latin typeface="Arial"/>
+                <a:cs typeface="Arial"/>
+              </a:rPr>
+              <a:t>ението има</a:t>
+            </a:r>
+            <a:r>
+              <a:rPr lang="ru-RU" sz="1100" spc="-50" dirty="0" smtClean="0">
                 <a:latin typeface="Arial"/>
                 <a:cs typeface="Arial"/>
               </a:rPr>
               <a:t> </a:t>
             </a:r>
             <a:r>
-              <a:rPr sz="1100" spc="-50" dirty="0">
-                <a:latin typeface="Arial"/>
-                <a:cs typeface="Arial"/>
-              </a:rPr>
-              <a:t>изречения)?</a:t>
-            </a:r>
-            <a:endParaRPr sz="1100">
+              <a:rPr lang="ru-RU" sz="1100" spc="-50" dirty="0">
+                <a:latin typeface="Arial"/>
+                <a:cs typeface="Arial"/>
+              </a:rPr>
+              <a:t>социална цел : Да помогне за кариерната ориентация на </a:t>
+            </a:r>
+            <a:r>
+              <a:rPr lang="ru-RU" sz="1100" spc="-50" dirty="0" smtClean="0">
+                <a:latin typeface="Arial"/>
+                <a:cs typeface="Arial"/>
+              </a:rPr>
+              <a:t>ученици/студенти,</a:t>
+            </a:r>
+            <a:r>
+              <a:rPr lang="en-US" sz="1100" spc="-50" dirty="0">
+                <a:latin typeface="Arial"/>
+                <a:cs typeface="Arial"/>
+              </a:rPr>
+              <a:t/>
+            </a:r>
+            <a:br>
+              <a:rPr lang="en-US" sz="1100" spc="-50" dirty="0">
+                <a:latin typeface="Arial"/>
+                <a:cs typeface="Arial"/>
+              </a:rPr>
+            </a:br>
+            <a:r>
+              <a:rPr lang="ru-RU" sz="1100" spc="-50" dirty="0" smtClean="0">
+                <a:latin typeface="Arial"/>
+                <a:cs typeface="Arial"/>
+              </a:rPr>
+              <a:t>по </a:t>
+            </a:r>
+            <a:r>
+              <a:rPr lang="ru-RU" sz="1100" spc="-50" dirty="0">
+                <a:latin typeface="Arial"/>
+                <a:cs typeface="Arial"/>
+              </a:rPr>
+              <a:t>атрактивен и познат начин за тях, да покаже къде биха развили потенциала </a:t>
+            </a:r>
+            <a:r>
+              <a:rPr lang="ru-RU" sz="1100" spc="-50" dirty="0" smtClean="0">
+                <a:latin typeface="Arial"/>
+                <a:cs typeface="Arial"/>
+              </a:rPr>
+              <a:t>на</a:t>
+            </a:r>
+            <a:r>
+              <a:rPr lang="en-US" sz="1100" spc="-50" dirty="0" smtClean="0">
+                <a:latin typeface="Arial"/>
+                <a:cs typeface="Arial"/>
+              </a:rPr>
+              <a:t> </a:t>
+            </a:r>
+            <a:r>
+              <a:rPr lang="ru-RU" sz="1100" spc="-50" dirty="0" smtClean="0">
+                <a:latin typeface="Arial"/>
+                <a:cs typeface="Arial"/>
+              </a:rPr>
+              <a:t>характера си.</a:t>
+            </a:r>
+            <a:r>
+              <a:rPr lang="en-US" sz="1100" spc="-50" dirty="0" smtClean="0">
+                <a:latin typeface="Arial"/>
+                <a:cs typeface="Arial"/>
+              </a:rPr>
+              <a:t/>
+            </a:r>
+            <a:br>
+              <a:rPr lang="en-US" sz="1100" spc="-50" dirty="0" smtClean="0">
+                <a:latin typeface="Arial"/>
+                <a:cs typeface="Arial"/>
+              </a:rPr>
+            </a:br>
+            <a:r>
+              <a:rPr lang="ru-RU" sz="1100" spc="-50" dirty="0" smtClean="0">
+                <a:latin typeface="Arial"/>
+                <a:cs typeface="Arial"/>
+              </a:rPr>
+              <a:t>Да </a:t>
+            </a:r>
+            <a:r>
+              <a:rPr lang="ru-RU" sz="1100" spc="-50" dirty="0">
+                <a:latin typeface="Arial"/>
+                <a:cs typeface="Arial"/>
+              </a:rPr>
+              <a:t>привлече вниманието им и да събере информация за техните личности (виждания, </a:t>
+            </a:r>
+            <a:r>
+              <a:rPr lang="ru-RU" sz="1100" spc="-50" dirty="0" smtClean="0">
+                <a:latin typeface="Arial"/>
+                <a:cs typeface="Arial"/>
+              </a:rPr>
+              <a:t>познания).</a:t>
+            </a:r>
+            <a:r>
+              <a:rPr lang="en-US" sz="1100" spc="-50" dirty="0" smtClean="0">
+                <a:latin typeface="Arial"/>
+                <a:cs typeface="Arial"/>
+              </a:rPr>
+              <a:t/>
+            </a:r>
+            <a:br>
+              <a:rPr lang="en-US" sz="1100" spc="-50" dirty="0" smtClean="0">
+                <a:latin typeface="Arial"/>
+                <a:cs typeface="Arial"/>
+              </a:rPr>
+            </a:br>
+            <a:r>
+              <a:rPr lang="ru-RU" sz="1100" spc="-50" dirty="0" smtClean="0">
+                <a:latin typeface="Arial"/>
+                <a:cs typeface="Arial"/>
+              </a:rPr>
+              <a:t>Да </a:t>
+            </a:r>
+            <a:r>
+              <a:rPr lang="ru-RU" sz="1100" spc="-50" dirty="0">
+                <a:latin typeface="Arial"/>
+                <a:cs typeface="Arial"/>
+              </a:rPr>
+              <a:t>се </a:t>
+            </a:r>
+            <a:r>
+              <a:rPr lang="ru-RU" sz="1100" spc="-50" dirty="0" smtClean="0">
+                <a:latin typeface="Arial"/>
+                <a:cs typeface="Arial"/>
+              </a:rPr>
+              <a:t>опита</a:t>
+            </a:r>
+            <a:r>
+              <a:rPr lang="en-US" sz="1100" spc="-50" dirty="0" smtClean="0">
+                <a:latin typeface="Arial"/>
+                <a:cs typeface="Arial"/>
+              </a:rPr>
+              <a:t> </a:t>
+            </a:r>
+            <a:r>
+              <a:rPr lang="ru-RU" sz="1100" spc="-50" dirty="0" smtClean="0">
+                <a:latin typeface="Arial"/>
+                <a:cs typeface="Arial"/>
+              </a:rPr>
+              <a:t>да </a:t>
+            </a:r>
+            <a:r>
+              <a:rPr lang="ru-RU" sz="1100" spc="-50" dirty="0">
+                <a:latin typeface="Arial"/>
+                <a:cs typeface="Arial"/>
+              </a:rPr>
+              <a:t>ги категоризира по определен начин</a:t>
+            </a:r>
+            <a:r>
+              <a:rPr lang="ru-RU" sz="1100" spc="-50" dirty="0" smtClean="0">
+                <a:latin typeface="Arial"/>
+                <a:cs typeface="Arial"/>
+              </a:rPr>
+              <a:t>. </a:t>
+            </a:r>
+            <a:endParaRPr lang="en-US" sz="1100" spc="-50" dirty="0" smtClean="0">
               <a:latin typeface="Arial"/>
               <a:cs typeface="Arial"/>
             </a:endParaRPr>
           </a:p>
           <a:p>
-            <a:pPr marL="240665" indent="-228600">
+            <a:pPr marL="240665" indent="-228600" algn="just">
+              <a:lnSpc>
+                <a:spcPct val="100000"/>
+              </a:lnSpc>
+              <a:spcBef>
+                <a:spcPts val="385"/>
+              </a:spcBef>
+              <a:buFont typeface="Symbol"/>
+              <a:buChar char=""/>
+              <a:tabLst>
+                <a:tab pos="240665" algn="l"/>
+                <a:tab pos="241300" algn="l"/>
+              </a:tabLst>
+            </a:pPr>
+            <a:r>
+              <a:rPr lang="ru-RU" sz="1100" spc="-50" dirty="0" smtClean="0">
+                <a:latin typeface="Arial"/>
+                <a:cs typeface="Arial"/>
+              </a:rPr>
+              <a:t>Проектът</a:t>
+            </a:r>
+            <a:r>
+              <a:rPr lang="en-US" sz="1100" spc="-50" dirty="0" smtClean="0">
+                <a:latin typeface="Arial"/>
+                <a:cs typeface="Arial"/>
+              </a:rPr>
+              <a:t> </a:t>
+            </a:r>
+            <a:r>
+              <a:rPr lang="ru-RU" sz="1100" spc="-50" dirty="0" smtClean="0">
+                <a:latin typeface="Arial"/>
+                <a:cs typeface="Arial"/>
+              </a:rPr>
+              <a:t>е</a:t>
+            </a:r>
+            <a:r>
+              <a:rPr lang="en-US" sz="1100" spc="-50" dirty="0" smtClean="0">
+                <a:latin typeface="Arial"/>
+                <a:cs typeface="Arial"/>
+              </a:rPr>
+              <a:t> </a:t>
+            </a:r>
+            <a:r>
+              <a:rPr lang="ru-RU" sz="1100" spc="-50" dirty="0" smtClean="0">
+                <a:latin typeface="Arial"/>
+                <a:cs typeface="Arial"/>
+              </a:rPr>
+              <a:t>предназначен</a:t>
+            </a:r>
+            <a:r>
+              <a:rPr lang="en-US" sz="1100" spc="-50" dirty="0" smtClean="0">
+                <a:latin typeface="Arial"/>
+                <a:cs typeface="Arial"/>
+              </a:rPr>
+              <a:t> </a:t>
+            </a:r>
+            <a:r>
+              <a:rPr lang="ru-RU" sz="1100" spc="-50" dirty="0" smtClean="0">
+                <a:latin typeface="Arial"/>
+                <a:cs typeface="Arial"/>
+              </a:rPr>
+              <a:t>за</a:t>
+            </a:r>
+            <a:r>
+              <a:rPr lang="en-US" sz="1100" spc="-50" dirty="0" smtClean="0">
+                <a:latin typeface="Arial"/>
+                <a:cs typeface="Arial"/>
+              </a:rPr>
+              <a:t> </a:t>
+            </a:r>
+            <a:r>
+              <a:rPr lang="ru-RU" sz="1100" spc="-50" dirty="0" smtClean="0">
+                <a:latin typeface="Arial"/>
+                <a:cs typeface="Arial"/>
+              </a:rPr>
+              <a:t>завършили </a:t>
+            </a:r>
+            <a:r>
+              <a:rPr lang="ru-RU" sz="1100" spc="-50" dirty="0">
+                <a:latin typeface="Arial"/>
+                <a:cs typeface="Arial"/>
+              </a:rPr>
+              <a:t>гимназисти, студенти (1 – </a:t>
+            </a:r>
+            <a:r>
+              <a:rPr lang="ru-RU" sz="1100" spc="-50" dirty="0" smtClean="0">
+                <a:latin typeface="Arial"/>
+                <a:cs typeface="Arial"/>
+              </a:rPr>
+              <a:t>4</a:t>
+            </a:r>
+            <a:r>
+              <a:rPr lang="ru-RU" sz="1100" spc="-50" baseline="30000" dirty="0" smtClean="0">
+                <a:latin typeface="Arial"/>
+                <a:cs typeface="Arial"/>
+              </a:rPr>
+              <a:t>ти </a:t>
+            </a:r>
+            <a:r>
+              <a:rPr lang="ru-RU" sz="1100" spc="-50" dirty="0" smtClean="0">
+                <a:latin typeface="Arial"/>
+                <a:cs typeface="Arial"/>
+              </a:rPr>
+              <a:t>курс</a:t>
+            </a:r>
+            <a:r>
+              <a:rPr lang="ru-RU" sz="1100" spc="-50" dirty="0">
+                <a:latin typeface="Arial"/>
+                <a:cs typeface="Arial"/>
+              </a:rPr>
+              <a:t>), </a:t>
+            </a:r>
+            <a:r>
+              <a:rPr lang="ru-RU" sz="1100" spc="-50" dirty="0" smtClean="0">
+                <a:latin typeface="Arial"/>
+                <a:cs typeface="Arial"/>
+              </a:rPr>
+              <a:t>магистри</a:t>
+            </a:r>
+            <a:r>
+              <a:rPr lang="en-US" sz="1100" spc="-50" dirty="0" smtClean="0">
+                <a:latin typeface="Arial"/>
+                <a:cs typeface="Arial"/>
+              </a:rPr>
+              <a:t>.</a:t>
+            </a:r>
+          </a:p>
+          <a:p>
+            <a:pPr marL="240665" indent="-228600" algn="just">
+              <a:lnSpc>
+                <a:spcPct val="100000"/>
+              </a:lnSpc>
+              <a:spcBef>
+                <a:spcPts val="385"/>
+              </a:spcBef>
+              <a:buFont typeface="Symbol"/>
+              <a:buChar char=""/>
+              <a:tabLst>
+                <a:tab pos="240665" algn="l"/>
+                <a:tab pos="241300" algn="l"/>
+              </a:tabLst>
+            </a:pPr>
+            <a:r>
+              <a:rPr lang="bg-BG" sz="1100" dirty="0" smtClean="0">
+                <a:latin typeface="Arial"/>
+                <a:cs typeface="Arial"/>
+              </a:rPr>
+              <a:t>Зад управлението на </a:t>
+            </a:r>
+            <a:r>
+              <a:rPr lang="en-US" sz="1100" dirty="0">
+                <a:latin typeface="Arial"/>
+                <a:cs typeface="Arial"/>
+              </a:rPr>
+              <a:t>#YOUNG </a:t>
+            </a:r>
+            <a:r>
+              <a:rPr lang="en-US" sz="1100" dirty="0" smtClean="0">
+                <a:latin typeface="Arial"/>
+                <a:cs typeface="Arial"/>
+              </a:rPr>
+              <a:t>STARS</a:t>
+            </a:r>
+            <a:r>
+              <a:rPr lang="bg-BG" sz="1100" dirty="0" smtClean="0">
+                <a:latin typeface="Arial"/>
+                <a:cs typeface="Arial"/>
+              </a:rPr>
+              <a:t> може да стои</a:t>
+            </a:r>
+            <a:r>
+              <a:rPr lang="en-US" sz="1100" dirty="0" smtClean="0">
+                <a:latin typeface="Arial"/>
+                <a:cs typeface="Arial"/>
+              </a:rPr>
+              <a:t>(</a:t>
+            </a:r>
+            <a:r>
+              <a:rPr lang="bg-BG" sz="1100" dirty="0" smtClean="0">
+                <a:latin typeface="Arial"/>
+                <a:cs typeface="Arial"/>
+              </a:rPr>
+              <a:t>ят</a:t>
+            </a:r>
+            <a:r>
+              <a:rPr lang="en-US" sz="1100" dirty="0" smtClean="0">
+                <a:latin typeface="Arial"/>
+                <a:cs typeface="Arial"/>
+              </a:rPr>
+              <a:t>)</a:t>
+            </a:r>
+            <a:r>
+              <a:rPr lang="bg-BG" sz="1100" dirty="0" smtClean="0">
+                <a:latin typeface="Arial"/>
+                <a:cs typeface="Arial"/>
+              </a:rPr>
+              <a:t> компании, кариерни центрове и/или младежки организации. Ползата за тях ще бъде да намерят </a:t>
+            </a:r>
+            <a:br>
+              <a:rPr lang="bg-BG" sz="1100" dirty="0" smtClean="0">
+                <a:latin typeface="Arial"/>
+                <a:cs typeface="Arial"/>
+              </a:rPr>
+            </a:br>
+            <a:r>
+              <a:rPr lang="bg-BG" sz="1100" dirty="0" smtClean="0">
+                <a:latin typeface="Arial"/>
+                <a:cs typeface="Arial"/>
+              </a:rPr>
+              <a:t>„възможно най-подходящите“ хора, които да искат да израстнат на работното място.</a:t>
+            </a:r>
+            <a:br>
+              <a:rPr lang="bg-BG" sz="1100" dirty="0" smtClean="0">
+                <a:latin typeface="Arial"/>
+                <a:cs typeface="Arial"/>
+              </a:rPr>
+            </a:br>
+            <a:r>
+              <a:rPr lang="bg-BG" sz="1100" dirty="0" smtClean="0">
+                <a:latin typeface="Arial"/>
+                <a:cs typeface="Arial"/>
+              </a:rPr>
+              <a:t>Чрез категоризирането на потребителите, компаниите може да съберат екипите със хора, които имат сходен или допълващ се характер.  </a:t>
+            </a:r>
+            <a:endParaRPr sz="1100" dirty="0" smtClean="0">
+              <a:latin typeface="Arial"/>
+              <a:cs typeface="Arial"/>
+            </a:endParaRPr>
+          </a:p>
+          <a:p>
+            <a:pPr marL="240665" indent="-228600" algn="just">
               <a:lnSpc>
                 <a:spcPct val="100000"/>
               </a:lnSpc>
@@ -2351,116 +2385,47 @@
               </a:tabLst>
             </a:pPr>
             <a:r>
-              <a:rPr sz="1100" spc="-114" dirty="0">
-                <a:latin typeface="Arial"/>
-                <a:cs typeface="Arial"/>
-              </a:rPr>
-              <a:t>За </a:t>
-            </a:r>
-            <a:r>
-              <a:rPr sz="1100" spc="-20" dirty="0">
-                <a:latin typeface="Arial"/>
-                <a:cs typeface="Arial"/>
-              </a:rPr>
-              <a:t>кого </a:t>
-            </a:r>
-            <a:r>
-              <a:rPr sz="1100" spc="-65" dirty="0">
+              <a:rPr sz="1100" spc="-75" dirty="0" err="1" smtClean="0">
+                <a:latin typeface="Arial"/>
+                <a:cs typeface="Arial"/>
+              </a:rPr>
+              <a:t>Завършен</a:t>
+            </a:r>
+            <a:r>
+              <a:rPr sz="1100" spc="-75" dirty="0" smtClean="0">
+                <a:latin typeface="Arial"/>
+                <a:cs typeface="Arial"/>
+              </a:rPr>
+              <a:t> </a:t>
+            </a:r>
+            <a:r>
+              <a:rPr sz="1100" spc="-65" dirty="0" smtClean="0">
                 <a:latin typeface="Arial"/>
                 <a:cs typeface="Arial"/>
               </a:rPr>
               <a:t>е </a:t>
             </a:r>
             <a:r>
-              <a:rPr sz="1100" spc="-50" dirty="0">
-                <a:latin typeface="Arial"/>
-                <a:cs typeface="Arial"/>
-              </a:rPr>
-              <a:t>предназначен проектът </a:t>
-            </a:r>
-            <a:r>
-              <a:rPr sz="1100" spc="-15" dirty="0">
-                <a:latin typeface="Arial"/>
-                <a:cs typeface="Arial"/>
-              </a:rPr>
-              <a:t>(кой </a:t>
-            </a:r>
-            <a:r>
-              <a:rPr sz="1100" spc="-65" dirty="0">
-                <a:latin typeface="Arial"/>
-                <a:cs typeface="Arial"/>
-              </a:rPr>
-              <a:t>е потребителят)?</a:t>
-            </a:r>
-            <a:endParaRPr sz="1100">
+              <a:rPr lang="bg-BG" sz="1100" spc="-65" dirty="0" smtClean="0">
+                <a:latin typeface="Arial"/>
+                <a:cs typeface="Arial"/>
+              </a:rPr>
+              <a:t>на „97.9%</a:t>
+            </a:r>
+            <a:r>
+              <a:rPr lang="bg-BG" sz="1100" spc="-50" dirty="0" smtClean="0">
+                <a:latin typeface="Arial"/>
+                <a:cs typeface="Arial"/>
+              </a:rPr>
+              <a:t>“!</a:t>
+            </a:r>
+            <a:endParaRPr lang="bg-BG" sz="1100" spc="-50" dirty="0" smtClean="0">
               <a:latin typeface="Arial"/>
               <a:cs typeface="Arial"/>
             </a:endParaRPr>
           </a:p>
           <a:p>
-            <a:pPr marL="240665" indent="-228600">
-              <a:lnSpc>
-                <a:spcPct val="100000"/>
-              </a:lnSpc>
-              <a:spcBef>
-                <a:spcPts val="275"/>
-              </a:spcBef>
-              <a:buFont typeface="Symbol"/>
-              <a:buChar char=""/>
-              <a:tabLst>
-                <a:tab pos="240665" algn="l"/>
-                <a:tab pos="241300" algn="l"/>
-              </a:tabLst>
-            </a:pPr>
-            <a:r>
-              <a:rPr sz="1100" spc="-210" dirty="0">
-                <a:latin typeface="Arial"/>
-                <a:cs typeface="Arial"/>
-              </a:rPr>
-              <a:t>С </a:t>
-            </a:r>
-            <a:r>
-              <a:rPr sz="1100" spc="-25" dirty="0">
-                <a:latin typeface="Arial"/>
-                <a:cs typeface="Arial"/>
-              </a:rPr>
-              <a:t>какво </a:t>
-            </a:r>
-            <a:r>
-              <a:rPr sz="1100" spc="-65" dirty="0">
-                <a:latin typeface="Arial"/>
-                <a:cs typeface="Arial"/>
-              </a:rPr>
-              <a:t>е </a:t>
-            </a:r>
-            <a:r>
-              <a:rPr sz="1100" spc="-40" dirty="0">
-                <a:latin typeface="Arial"/>
-                <a:cs typeface="Arial"/>
-              </a:rPr>
-              <a:t>уникален</a:t>
-            </a:r>
-            <a:r>
-              <a:rPr sz="1100" spc="-160" dirty="0">
-                <a:latin typeface="Arial"/>
-                <a:cs typeface="Arial"/>
-              </a:rPr>
-              <a:t> </a:t>
-            </a:r>
-            <a:r>
-              <a:rPr sz="1100" spc="-55" dirty="0">
-                <a:latin typeface="Arial"/>
-                <a:cs typeface="Arial"/>
-              </a:rPr>
-              <a:t>проектът?</a:t>
-            </a:r>
-            <a:endParaRPr sz="1100">
-              <a:latin typeface="Arial"/>
-              <a:cs typeface="Arial"/>
-            </a:endParaRPr>
-          </a:p>
-          <a:p>
-            <a:pPr marL="240665" indent="-228600">
+            <a:pPr marL="240665" indent="-228600" algn="just">
               <a:lnSpc>
                 <a:spcPct val="100000"/>
               </a:lnSpc>
@@ -2475,213 +2440,13 @@
               </a:tabLst>
             </a:pPr>
             <a:r>
-              <a:rPr sz="1100" spc="-75" dirty="0">
-                <a:latin typeface="Arial"/>
-                <a:cs typeface="Arial"/>
-              </a:rPr>
-              <a:t>Завършен </a:t>
-            </a:r>
-            <a:r>
-              <a:rPr sz="1100" spc="-55" dirty="0">
-                <a:latin typeface="Arial"/>
-                <a:cs typeface="Arial"/>
-              </a:rPr>
-              <a:t>ли </a:t>
-            </a:r>
-            <a:r>
-              <a:rPr sz="1100" spc="-65" dirty="0">
-                <a:latin typeface="Arial"/>
-                <a:cs typeface="Arial"/>
-              </a:rPr>
-              <a:t>е </a:t>
-            </a:r>
-            <a:r>
-              <a:rPr sz="1100" spc="-50" dirty="0">
-                <a:latin typeface="Arial"/>
-                <a:cs typeface="Arial"/>
-              </a:rPr>
-              <a:t>проектът </a:t>
-            </a:r>
-            <a:r>
-              <a:rPr sz="1100" spc="-45" dirty="0">
-                <a:latin typeface="Arial"/>
-                <a:cs typeface="Arial"/>
-              </a:rPr>
-              <a:t>или </a:t>
-            </a:r>
-            <a:r>
-              <a:rPr sz="1100" spc="-65" dirty="0">
-                <a:latin typeface="Arial"/>
-                <a:cs typeface="Arial"/>
-              </a:rPr>
-              <a:t>е </a:t>
-            </a:r>
-            <a:r>
-              <a:rPr sz="1100" spc="-60" dirty="0">
-                <a:latin typeface="Arial"/>
-                <a:cs typeface="Arial"/>
-              </a:rPr>
-              <a:t>само</a:t>
-            </a:r>
-            <a:r>
-              <a:rPr sz="1100" spc="-85" dirty="0">
-                <a:latin typeface="Arial"/>
-                <a:cs typeface="Arial"/>
-              </a:rPr>
-              <a:t> </a:t>
-            </a:r>
-            <a:r>
-              <a:rPr sz="1100" spc="-50" dirty="0">
-                <a:latin typeface="Arial"/>
-                <a:cs typeface="Arial"/>
-              </a:rPr>
-              <a:t>прототип?</a:t>
-            </a:r>
-            <a:endParaRPr sz="1100">
-              <a:latin typeface="Arial"/>
-              <a:cs typeface="Arial"/>
-            </a:endParaRPr>
-          </a:p>
-        </p:txBody>
-      </p:sp>
-      <p:sp>
-        <p:nvSpPr>
-          <p:cNvPr id="4" name="object 4"/>
-          <p:cNvSpPr txBox="1"/>
-          <p:nvPr/>
-        </p:nvSpPr>
-        <p:spPr>
-          <a:xfrm>
-            <a:off x="886764" y="4694079"/>
-            <a:ext cx="5335270" cy="925194"/>
-          </a:xfrm>
-          <a:prstGeom prst="rect">
-            <a:avLst/>
-          </a:prstGeom>
-        </p:spPr>
-        <p:txBody>
-          <a:bodyPr vert="horz" wrap="square" lIns="0" tIns="173990" rIns="0" bIns="0" rtlCol="0">
-            <a:spAutoFit/>
-          </a:bodyPr>
-          <a:lstStyle/>
-          <a:p>
-            <a:pPr marL="12700">
-              <a:lnSpc>
-                <a:spcPct val="100000"/>
-              </a:lnSpc>
-              <a:spcBef>
-                <a:spcPts val="1370"/>
-              </a:spcBef>
-            </a:pPr>
-            <a:r>
-              <a:rPr sz="1800" b="1" spc="-100" dirty="0">
-                <a:solidFill>
-                  <a:srgbClr val="FF9F00"/>
-                </a:solidFill>
-                <a:latin typeface="Trebuchet MS"/>
-                <a:cs typeface="Trebuchet MS"/>
-              </a:rPr>
-              <a:t>Screenshots</a:t>
-            </a:r>
-            <a:endParaRPr sz="1800">
-              <a:latin typeface="Trebuchet MS"/>
-              <a:cs typeface="Trebuchet MS"/>
-            </a:endParaRPr>
-          </a:p>
-          <a:p>
-            <a:pPr marL="12700" marR="5080">
-              <a:lnSpc>
-                <a:spcPct val="117300"/>
-              </a:lnSpc>
-              <a:spcBef>
-                <a:spcPts val="555"/>
-              </a:spcBef>
-            </a:pPr>
-            <a:r>
-              <a:rPr sz="1100" spc="-75" dirty="0">
-                <a:latin typeface="Arial"/>
-                <a:cs typeface="Arial"/>
-              </a:rPr>
-              <a:t>Силно </a:t>
-            </a:r>
-            <a:r>
-              <a:rPr sz="1100" spc="-50" dirty="0">
-                <a:latin typeface="Arial"/>
-                <a:cs typeface="Arial"/>
-              </a:rPr>
-              <a:t>препоръчително </a:t>
-            </a:r>
-            <a:r>
-              <a:rPr sz="1100" spc="-65" dirty="0">
-                <a:latin typeface="Arial"/>
-                <a:cs typeface="Arial"/>
-              </a:rPr>
-              <a:t>е </a:t>
-            </a:r>
-            <a:r>
-              <a:rPr sz="1100" spc="-60" dirty="0">
-                <a:latin typeface="Arial"/>
-                <a:cs typeface="Arial"/>
-              </a:rPr>
-              <a:t>да </a:t>
-            </a:r>
-            <a:r>
-              <a:rPr sz="1100" spc="-40" dirty="0">
-                <a:latin typeface="Arial"/>
-                <a:cs typeface="Arial"/>
-              </a:rPr>
-              <a:t>приложите </a:t>
-            </a:r>
-            <a:r>
-              <a:rPr sz="1100" spc="-50" dirty="0">
-                <a:latin typeface="Arial"/>
-                <a:cs typeface="Arial"/>
-              </a:rPr>
-              <a:t>подходящи </a:t>
-            </a:r>
-            <a:r>
-              <a:rPr sz="1100" b="1" spc="-65" dirty="0">
-                <a:latin typeface="Trebuchet MS"/>
-                <a:cs typeface="Trebuchet MS"/>
-              </a:rPr>
-              <a:t>screenshots </a:t>
-            </a:r>
-            <a:r>
-              <a:rPr sz="1100" spc="-55" dirty="0">
-                <a:latin typeface="Arial"/>
-                <a:cs typeface="Arial"/>
-              </a:rPr>
-              <a:t>от </a:t>
-            </a:r>
-            <a:r>
-              <a:rPr sz="1100" spc="-70" dirty="0">
-                <a:latin typeface="Arial"/>
-                <a:cs typeface="Arial"/>
-              </a:rPr>
-              <a:t>вашето </a:t>
-            </a:r>
-            <a:r>
-              <a:rPr sz="1100" spc="-35" dirty="0">
-                <a:latin typeface="Arial"/>
-                <a:cs typeface="Arial"/>
-              </a:rPr>
-              <a:t>приложение </a:t>
-            </a:r>
-            <a:r>
-              <a:rPr sz="1100" spc="-60" dirty="0">
-                <a:latin typeface="Arial"/>
-                <a:cs typeface="Arial"/>
-              </a:rPr>
-              <a:t>в  </a:t>
-            </a:r>
-            <a:r>
-              <a:rPr sz="1100" spc="-50" dirty="0">
-                <a:latin typeface="Arial"/>
-                <a:cs typeface="Arial"/>
-              </a:rPr>
-              <a:t>действие.</a:t>
-            </a:r>
-            <a:endParaRPr sz="1100">
+              <a:rPr lang="bg-BG" sz="1100" spc="-50" dirty="0" smtClean="0">
+                <a:latin typeface="Arial"/>
+                <a:cs typeface="Arial"/>
+              </a:rPr>
+              <a:t>Вярвам, че на презентацията във СофтУни ще мога да дам по ясна представа по горните точки !</a:t>
+            </a:r>
+            <a:endParaRPr sz="1100" dirty="0">
               <a:latin typeface="Arial"/>
               <a:cs typeface="Arial"/>
             </a:endParaRPr>
@@ -2696,7 +2461,7 @@
         </p:nvSpPr>
         <p:spPr>
           <a:xfrm>
-            <a:off x="886764" y="5747384"/>
+            <a:off x="790258" y="4901263"/>
             <a:ext cx="499745" cy="299720"/>
           </a:xfrm>
           <a:prstGeom prst="rect">
@@ -2747,7 +2512,7 @@
               </a:rPr>
               <a:t>п</a:t>
             </a:r>
-            <a:endParaRPr sz="1800">
+            <a:endParaRPr sz="1800" dirty="0">
               <a:latin typeface="Trebuchet MS"/>
               <a:cs typeface="Trebuchet MS"/>
             </a:endParaRPr>
@@ -2762,8 +2527,8 @@
         </p:nvSpPr>
         <p:spPr>
           <a:xfrm>
-            <a:off x="1115364" y="6101562"/>
-            <a:ext cx="5422265" cy="816610"/>
+            <a:off x="958850" y="5194300"/>
+            <a:ext cx="6075694" cy="404598"/>
           </a:xfrm>
           <a:prstGeom prst="rect">
             <a:avLst/>
@@ -2790,261 +2555,62 @@
               </a:tabLst>
             </a:pPr>
             <a:r>
-              <a:rPr sz="1100" b="1" i="1" spc="-65" dirty="0">
+              <a:rPr lang="ru-RU" sz="1100" b="1" i="1" spc="-65" dirty="0" smtClean="0">
                 <a:latin typeface="Trebuchet MS"/>
                 <a:cs typeface="Trebuchet MS"/>
               </a:rPr>
-              <a:t>Иван Иванов </a:t>
-            </a:r>
-            <a:r>
-              <a:rPr sz="1100" spc="-65" dirty="0">
-                <a:latin typeface="Arial"/>
-                <a:cs typeface="Arial"/>
-              </a:rPr>
-              <a:t>– </a:t>
-            </a:r>
-            <a:r>
-              <a:rPr sz="1100" spc="-60" dirty="0">
-                <a:latin typeface="Arial"/>
-                <a:cs typeface="Arial"/>
-              </a:rPr>
-              <a:t>разработил основата </a:t>
-            </a:r>
-            <a:r>
-              <a:rPr sz="1100" spc="-55" dirty="0">
-                <a:latin typeface="Arial"/>
-                <a:cs typeface="Arial"/>
-              </a:rPr>
-              <a:t>на </a:t>
-            </a:r>
-            <a:r>
-              <a:rPr sz="1100" spc="-45" dirty="0">
-                <a:latin typeface="Arial"/>
-                <a:cs typeface="Arial"/>
-              </a:rPr>
-              <a:t>проекта </a:t>
-            </a:r>
-            <a:r>
-              <a:rPr sz="1100" spc="-20" dirty="0">
-                <a:latin typeface="Arial"/>
-                <a:cs typeface="Arial"/>
-              </a:rPr>
-              <a:t>и </a:t>
-            </a:r>
-            <a:r>
-              <a:rPr sz="1100" spc="-70" dirty="0">
-                <a:latin typeface="Arial"/>
-                <a:cs typeface="Arial"/>
-              </a:rPr>
-              <a:t>базата</a:t>
-            </a:r>
-            <a:r>
-              <a:rPr sz="1100" spc="-155" dirty="0">
-                <a:latin typeface="Arial"/>
-                <a:cs typeface="Arial"/>
-              </a:rPr>
-              <a:t> </a:t>
-            </a:r>
-            <a:r>
-              <a:rPr sz="1100" spc="-40" dirty="0">
-                <a:latin typeface="Arial"/>
-                <a:cs typeface="Arial"/>
-              </a:rPr>
-              <a:t>данни</a:t>
-            </a:r>
-            <a:endParaRPr sz="1100">
-              <a:latin typeface="Arial"/>
-              <a:cs typeface="Arial"/>
-            </a:endParaRPr>
-          </a:p>
-          <a:p>
-            <a:pPr marL="697865" lvl="1" indent="-229235">
-              <a:lnSpc>
-                <a:spcPct val="100000"/>
-              </a:lnSpc>
-              <a:spcBef>
-                <a:spcPts val="215"/>
-              </a:spcBef>
-              <a:buFont typeface="Courier New"/>
-              <a:buChar char="o"/>
-              <a:tabLst>
-                <a:tab pos="697865" algn="l"/>
-                <a:tab pos="698500" algn="l"/>
-              </a:tabLst>
-            </a:pPr>
-            <a:r>
-              <a:rPr sz="1100" spc="-45" dirty="0">
-                <a:latin typeface="Arial"/>
-                <a:cs typeface="Arial"/>
-              </a:rPr>
-              <a:t>SoftUni </a:t>
-            </a:r>
-            <a:r>
-              <a:rPr sz="1100" spc="-55" dirty="0">
-                <a:latin typeface="Arial"/>
-                <a:cs typeface="Arial"/>
-              </a:rPr>
-              <a:t>username: </a:t>
-            </a:r>
-            <a:r>
-              <a:rPr sz="1100" b="1" spc="-60" dirty="0">
+              <a:t>Йордан </a:t>
+            </a:r>
+            <a:r>
+              <a:rPr lang="ru-RU" sz="1100" b="1" i="1" spc="-65" dirty="0">
                 <a:latin typeface="Trebuchet MS"/>
                 <a:cs typeface="Trebuchet MS"/>
               </a:rPr>
-              <a:t>ivan_ivanov</a:t>
-            </a:r>
-            <a:r>
-              <a:rPr sz="1100" spc="-60" dirty="0">
-                <a:latin typeface="Arial"/>
-                <a:cs typeface="Arial"/>
-              </a:rPr>
-              <a:t>, </a:t>
-            </a:r>
-            <a:r>
-              <a:rPr sz="1100" spc="-55" dirty="0">
-                <a:latin typeface="Arial"/>
-                <a:cs typeface="Arial"/>
-              </a:rPr>
-              <a:t>Tel. 0888 </a:t>
-            </a:r>
-            <a:r>
-              <a:rPr sz="1100" spc="-60" dirty="0">
-                <a:latin typeface="Arial"/>
-                <a:cs typeface="Arial"/>
-              </a:rPr>
-              <a:t>123 </a:t>
-            </a:r>
-            <a:r>
-              <a:rPr sz="1100" spc="-50" dirty="0">
-                <a:latin typeface="Arial"/>
-                <a:cs typeface="Arial"/>
-              </a:rPr>
-              <a:t>456, </a:t>
-            </a:r>
-            <a:r>
-              <a:rPr sz="1100" spc="-55" dirty="0">
-                <a:latin typeface="Arial"/>
-                <a:cs typeface="Arial"/>
-              </a:rPr>
-              <a:t>E-mail:</a:t>
-            </a:r>
-            <a:r>
-              <a:rPr sz="1100" spc="-30" dirty="0">
-                <a:solidFill>
-                  <a:srgbClr val="0462C1"/>
-                </a:solidFill>
-                <a:latin typeface="Arial"/>
-                <a:cs typeface="Arial"/>
-              </a:rPr>
-              <a:t> </a:t>
-            </a:r>
-            <a:r>
-              <a:rPr sz="1100" u="sng" spc="-50" dirty="0">
-                <a:solidFill>
-                  <a:srgbClr val="0462C1"/>
-                </a:solidFill>
-                <a:uFill>
-                  <a:solidFill>
-                    <a:srgbClr val="0462C1"/>
-                  </a:solidFill>
-                </a:uFill>
-                <a:latin typeface="Arial"/>
-                <a:cs typeface="Arial"/>
-                <a:hlinkClick r:id="rId2"/>
-              </a:rPr>
-              <a:t>ivan.ivanov@gmail.com</a:t>
-            </a:r>
-            <a:endParaRPr sz="1100">
-              <a:latin typeface="Arial"/>
-              <a:cs typeface="Arial"/>
-            </a:endParaRPr>
-          </a:p>
-          <a:p>
-            <a:pPr marL="240665" indent="-228600">
-              <a:lnSpc>
-                <a:spcPct val="100000"/>
-              </a:lnSpc>
-              <a:spcBef>
-                <a:spcPts val="290"/>
-              </a:spcBef>
-              <a:buFont typeface="Symbol"/>
-              <a:buChar char=""/>
-              <a:tabLst>
-                <a:tab pos="240665" algn="l"/>
-                <a:tab pos="241300" algn="l"/>
-              </a:tabLst>
-            </a:pPr>
-            <a:r>
-              <a:rPr sz="1100" b="1" i="1" spc="-30" dirty="0">
-                <a:latin typeface="Trebuchet MS"/>
-                <a:cs typeface="Trebuchet MS"/>
-              </a:rPr>
-              <a:t>Мария </a:t>
-            </a:r>
-            <a:r>
-              <a:rPr sz="1100" b="1" i="1" spc="-120" dirty="0">
-                <a:latin typeface="Trebuchet MS"/>
-                <a:cs typeface="Trebuchet MS"/>
-              </a:rPr>
-              <a:t>Петрова </a:t>
-            </a:r>
-            <a:r>
-              <a:rPr sz="1100" spc="-65" dirty="0">
+              <a:t>Йорданов </a:t>
+            </a:r>
+            <a:r>
+              <a:rPr lang="ru-RU" sz="1100" spc="-65" dirty="0">
                 <a:latin typeface="Arial"/>
                 <a:cs typeface="Arial"/>
               </a:rPr>
               <a:t>– </a:t>
             </a:r>
             <a:r>
-              <a:rPr sz="1100" spc="-60" dirty="0">
-                <a:latin typeface="Arial"/>
-                <a:cs typeface="Arial"/>
-              </a:rPr>
-              <a:t>разработила </a:t>
-            </a:r>
-            <a:r>
-              <a:rPr sz="1100" spc="-70" dirty="0">
-                <a:latin typeface="Arial"/>
-                <a:cs typeface="Arial"/>
-              </a:rPr>
-              <a:t>графичната част, </a:t>
-            </a:r>
-            <a:r>
-              <a:rPr sz="1100" spc="-100" dirty="0">
-                <a:latin typeface="Arial"/>
-                <a:cs typeface="Arial"/>
-              </a:rPr>
-              <a:t>UX, </a:t>
-            </a:r>
-            <a:r>
-              <a:rPr sz="1100" spc="-40" dirty="0">
-                <a:latin typeface="Arial"/>
-                <a:cs typeface="Arial"/>
-              </a:rPr>
-              <a:t>дизайн, </a:t>
-            </a:r>
-            <a:r>
-              <a:rPr sz="1100" spc="-60" dirty="0">
-                <a:latin typeface="Arial"/>
-                <a:cs typeface="Arial"/>
-              </a:rPr>
-              <a:t>арт,</a:t>
-            </a:r>
-            <a:r>
-              <a:rPr sz="1100" spc="-5" dirty="0">
-                <a:latin typeface="Arial"/>
-                <a:cs typeface="Arial"/>
-              </a:rPr>
-              <a:t> </a:t>
-            </a:r>
-            <a:r>
-              <a:rPr sz="1100" spc="-45" dirty="0">
-                <a:latin typeface="Arial"/>
-                <a:cs typeface="Arial"/>
-              </a:rPr>
-              <a:t>документация</a:t>
-            </a:r>
-            <a:endParaRPr sz="1100">
+              <a:rPr lang="ru-RU" sz="1100" spc="-60" dirty="0">
+                <a:latin typeface="Arial"/>
+                <a:cs typeface="Arial"/>
+              </a:rPr>
+              <a:t>разработил основата </a:t>
+            </a:r>
+            <a:r>
+              <a:rPr lang="ru-RU" sz="1100" spc="-55" dirty="0">
+                <a:latin typeface="Arial"/>
+                <a:cs typeface="Arial"/>
+              </a:rPr>
+              <a:t>на </a:t>
+            </a:r>
+            <a:r>
+              <a:rPr lang="ru-RU" sz="1100" spc="-45" dirty="0">
+                <a:latin typeface="Arial"/>
+                <a:cs typeface="Arial"/>
+              </a:rPr>
+              <a:t>проекта </a:t>
+            </a:r>
+            <a:r>
+              <a:rPr lang="ru-RU" sz="1100" spc="-20" dirty="0">
+                <a:latin typeface="Arial"/>
+                <a:cs typeface="Arial"/>
+              </a:rPr>
+              <a:t>и част от валидирането на </a:t>
+            </a:r>
+            <a:r>
+              <a:rPr lang="ru-RU" sz="1100" spc="-20" dirty="0" smtClean="0">
+                <a:latin typeface="Arial"/>
+                <a:cs typeface="Arial"/>
+              </a:rPr>
+              <a:t>идеята</a:t>
+            </a:r>
+            <a:endParaRPr lang="ru-RU" sz="1100" dirty="0">
               <a:latin typeface="Arial"/>
               <a:cs typeface="Arial"/>
             </a:endParaRPr>
@@ -3065,11 +2631,18 @@
               </a:tabLst>
             </a:pPr>
             <a:r>
-              <a:rPr sz="1100" spc="-45" dirty="0">
-                <a:latin typeface="Arial"/>
-                <a:cs typeface="Arial"/>
-              </a:rPr>
-              <a:t>SoftUni </a:t>
+              <a:rPr sz="1100" spc="-45" dirty="0" err="1" smtClean="0">
+                <a:latin typeface="Arial"/>
+                <a:cs typeface="Arial"/>
+              </a:rPr>
+              <a:t>SoftUni</a:t>
+            </a:r>
+            <a:r>
+              <a:rPr sz="1100" spc="-45" dirty="0" smtClean="0">
+                <a:latin typeface="Arial"/>
+                <a:cs typeface="Arial"/>
+              </a:rPr>
+              <a:t> </a:t>
             </a:r>
             <a:r>
               <a:rPr sz="1100" spc="-55" dirty="0">
@@ -3079,67 +2652,28 @@
               <a:t>username: </a:t>
             </a:r>
             <a:r>
-              <a:rPr sz="1100" b="1" spc="-55" dirty="0">
-                <a:latin typeface="Trebuchet MS"/>
-                <a:cs typeface="Trebuchet MS"/>
-              </a:rPr>
-              <a:t>maryto</a:t>
-            </a:r>
-            <a:r>
-              <a:rPr sz="1100" spc="-55" dirty="0">
-                <a:latin typeface="Arial"/>
-                <a:cs typeface="Arial"/>
-              </a:rPr>
-              <a:t>, Tel. 0898 </a:t>
-            </a:r>
-            <a:r>
-              <a:rPr sz="1100" spc="-60" dirty="0">
-                <a:latin typeface="Arial"/>
-                <a:cs typeface="Arial"/>
-              </a:rPr>
-              <a:t>987 </a:t>
-            </a:r>
-            <a:r>
-              <a:rPr sz="1100" spc="-50" dirty="0">
-                <a:latin typeface="Arial"/>
-                <a:cs typeface="Arial"/>
-              </a:rPr>
-              <a:t>654, </a:t>
-            </a:r>
-            <a:r>
-              <a:rPr sz="1100" spc="-55" dirty="0">
-                <a:latin typeface="Arial"/>
-                <a:cs typeface="Arial"/>
-              </a:rPr>
-              <a:t>E-mail:</a:t>
-            </a:r>
-            <a:r>
-              <a:rPr sz="1100" spc="-95" dirty="0">
-                <a:solidFill>
-                  <a:srgbClr val="0462C1"/>
-                </a:solidFill>
-                <a:latin typeface="Arial"/>
-                <a:cs typeface="Arial"/>
-              </a:rPr>
+              <a:rPr lang="pt-BR" sz="1100" b="1" dirty="0"/>
+              <a:t>ugdaka</a:t>
+            </a:r>
+            <a:r>
+              <a:rPr lang="pt-BR" sz="1100" dirty="0"/>
+              <a:t>, Tel. 0879 317 180, E-mail</a:t>
+            </a:r>
+            <a:r>
+              <a:rPr lang="pt-BR" sz="1100" dirty="0" smtClean="0"/>
+              <a:t>:</a:t>
+            </a:r>
+            <a:r>
+              <a:rPr lang="bg-BG" sz="1100" dirty="0" smtClean="0"/>
               <a:t> </a:t>
             </a:r>
             <a:r>
-              <a:rPr sz="1100" u="sng" spc="-50" dirty="0">
-                <a:solidFill>
-                  <a:srgbClr val="0462C1"/>
-                </a:solidFill>
-                <a:uFill>
-                  <a:solidFill>
-                    <a:srgbClr val="0462C1"/>
-                  </a:solidFill>
-                </a:uFill>
-                <a:latin typeface="Arial"/>
-                <a:cs typeface="Arial"/>
-                <a:hlinkClick r:id="rId3"/>
-              </a:rPr>
-              <a:t>maria_petrova@abv.bg</a:t>
-            </a:r>
-            <a:endParaRPr sz="1100">
+              <a:rPr lang="en-US" sz="1100" dirty="0" smtClean="0">
+                <a:hlinkClick r:id="rId2"/>
+              </a:rPr>
+              <a:t>jordanov.jordan@ue-varna.bg</a:t>
+            </a:r>
+            <a:endParaRPr sz="1100" dirty="0">
               <a:latin typeface="Arial"/>
               <a:cs typeface="Arial"/>
             </a:endParaRPr>
@@ -3154,8 +2688,8 @@
         </p:nvSpPr>
         <p:spPr>
           <a:xfrm>
-            <a:off x="886764" y="7044308"/>
-            <a:ext cx="3379470" cy="299720"/>
+            <a:off x="752172" y="5625036"/>
+            <a:ext cx="3766185" cy="289823"/>
           </a:xfrm>
           <a:prstGeom prst="rect">
             <a:avLst/>
@@ -3176,7 +2710,7 @@
               </a:spcBef>
             </a:pPr>
             <a:r>
-              <a:rPr sz="1800" b="1" i="1" spc="-90" dirty="0">
+              <a:rPr sz="1800" b="1" i="1" spc="-90" dirty="0" err="1">
                 <a:solidFill>
                   <a:srgbClr val="FF9F00"/>
                 </a:solidFill>
@@ -3196,7 +2730,7 @@
               <a:t> </a:t>
             </a:r>
             <a:r>
-              <a:rPr sz="1800" b="1" i="1" spc="-110" dirty="0">
+              <a:rPr sz="1800" b="1" i="1" spc="-110" dirty="0" err="1" smtClean="0">
                 <a:solidFill>
                   <a:srgbClr val="FF9F00"/>
                 </a:solidFill>
@@ -3206,7 +2740,7 @@
               <a:t>за</a:t>
             </a:r>
             <a:r>
-              <a:rPr sz="1800" b="1" i="1" spc="-140" dirty="0">
+              <a:rPr sz="1800" b="1" i="1" spc="-140" dirty="0" smtClean="0">
                 <a:solidFill>
                   <a:srgbClr val="FF9F00"/>
                 </a:solidFill>
@@ -3216,14 +2750,14 @@
               <a:t> </a:t>
             </a:r>
             <a:r>
-              <a:rPr sz="1800" b="1" i="1" spc="-195" dirty="0">
+              <a:rPr sz="1800" b="1" i="1" spc="-70" dirty="0">
                 <a:solidFill>
                   <a:srgbClr val="FF9F00"/>
                 </a:solidFill>
                 <a:latin typeface="Trebuchet MS"/>
                 <a:cs typeface="Trebuchet MS"/>
               </a:rPr>
-              <a:t>изтегляне</a:t>
+              <a:t>демо</a:t>
             </a:r>
             <a:r>
               <a:rPr sz="1800" b="1" i="1" spc="-140" dirty="0">
@@ -3246,7 +2780,7 @@
               <a:t>/</a:t>
             </a:r>
             <a:r>
-              <a:rPr sz="1800" b="1" i="1" spc="-140" dirty="0">
+              <a:rPr sz="1800" b="1" i="1" spc="-145" dirty="0">
                 <a:solidFill>
                   <a:srgbClr val="FF9F00"/>
                 </a:solidFill>
@@ -3256,56 +2790,16 @@
               <a:t> </a:t>
             </a:r>
             <a:r>
-              <a:rPr sz="1800" b="1" i="1" spc="-70" dirty="0">
+              <a:rPr sz="1800" b="1" i="1" spc="-75" dirty="0">
                 <a:solidFill>
                   <a:srgbClr val="FF9F00"/>
                 </a:solidFill>
                 <a:latin typeface="Trebuchet MS"/>
                 <a:cs typeface="Trebuchet MS"/>
               </a:rPr>
-              <a:t>демо</a:t>
-            </a:r>
-            <a:r>
-              <a:rPr sz="1800" b="1" i="1" spc="-140" dirty="0">
-                <a:solidFill>
-                  <a:srgbClr val="FF9F00"/>
-                </a:solidFill>
-                <a:latin typeface="Trebuchet MS"/>
-                <a:cs typeface="Trebuchet MS"/>
-              </a:rPr>
-              <a:t> </a:t>
-            </a:r>
-            <a:r>
-              <a:rPr sz="1800" b="1" i="1" spc="55" dirty="0">
-                <a:solidFill>
-                  <a:srgbClr val="FF9F00"/>
-                </a:solidFill>
-                <a:latin typeface="Trebuchet MS"/>
-                <a:cs typeface="Trebuchet MS"/>
-              </a:rPr>
-              <a:t>/</a:t>
-            </a:r>
-            <a:r>
-              <a:rPr sz="1800" b="1" i="1" spc="-145" dirty="0">
-                <a:solidFill>
-                  <a:srgbClr val="FF9F00"/>
-                </a:solidFill>
-                <a:latin typeface="Trebuchet MS"/>
-                <a:cs typeface="Trebuchet MS"/>
-              </a:rPr>
-              <a:t> </a:t>
-            </a:r>
-            <a:r>
-              <a:rPr sz="1800" b="1" i="1" spc="-75" dirty="0">
-                <a:solidFill>
-                  <a:srgbClr val="FF9F00"/>
-                </a:solidFill>
-                <a:latin typeface="Trebuchet MS"/>
-                <a:cs typeface="Trebuchet MS"/>
-              </a:rPr>
               <a:t>видео</a:t>
             </a:r>
-            <a:endParaRPr sz="1800">
+            <a:endParaRPr sz="1800" dirty="0">
               <a:latin typeface="Trebuchet MS"/>
               <a:cs typeface="Trebuchet MS"/>
             </a:endParaRPr>
@@ -3320,8 +2814,8 @@
         </p:nvSpPr>
         <p:spPr>
           <a:xfrm>
-            <a:off x="886764" y="7392390"/>
-            <a:ext cx="3766185" cy="2018030"/>
+            <a:off x="752172" y="5931097"/>
+            <a:ext cx="6296342" cy="3193118"/>
           </a:xfrm>
           <a:prstGeom prst="rect">
             <a:avLst/>
@@ -3348,67 +2842,13 @@
               </a:tabLst>
             </a:pPr>
             <a:r>
-              <a:rPr sz="1100" spc="-15" dirty="0">
-                <a:latin typeface="Arial"/>
-                <a:cs typeface="Arial"/>
-              </a:rPr>
-              <a:t>Линк </a:t>
-            </a:r>
-            <a:r>
-              <a:rPr sz="1100" spc="-30" dirty="0">
-                <a:latin typeface="Arial"/>
-                <a:cs typeface="Arial"/>
-              </a:rPr>
-              <a:t>към </a:t>
-            </a:r>
-            <a:r>
-              <a:rPr sz="1100" spc="-45" dirty="0">
-                <a:latin typeface="Arial"/>
-                <a:cs typeface="Arial"/>
-              </a:rPr>
-              <a:t>проекта </a:t>
-            </a:r>
-            <a:r>
-              <a:rPr sz="1100" spc="-35" dirty="0">
-                <a:latin typeface="Arial"/>
-                <a:cs typeface="Arial"/>
-              </a:rPr>
-              <a:t>(демо):</a:t>
-            </a:r>
-            <a:r>
-              <a:rPr sz="1100" spc="-155" dirty="0">
-                <a:solidFill>
-                  <a:srgbClr val="0462C1"/>
-                </a:solidFill>
-                <a:latin typeface="Arial"/>
-                <a:cs typeface="Arial"/>
-              </a:rPr>
-              <a:t> </a:t>
-            </a:r>
-            <a:r>
-              <a:rPr sz="1100" u="sng" spc="-20" dirty="0">
-                <a:solidFill>
-                  <a:srgbClr val="0462C1"/>
-                </a:solidFill>
-                <a:uFill>
-                  <a:solidFill>
-                    <a:srgbClr val="0462C1"/>
-                  </a:solidFill>
-                </a:uFill>
-                <a:latin typeface="Arial"/>
-                <a:cs typeface="Arial"/>
-                <a:hlinkClick r:id="rId4"/>
-              </a:rPr>
-              <a:t>https://goo.gl/v3Ob1w</a:t>
-            </a:r>
-            <a:r>
-              <a:rPr sz="1100" spc="-20" dirty="0">
-                <a:latin typeface="Arial"/>
-                <a:cs typeface="Arial"/>
-              </a:rPr>
-              <a:t>.</a:t>
-            </a:r>
-            <a:endParaRPr sz="1100">
+              <a:rPr lang="bg-BG" sz="1100" spc="-15" dirty="0" smtClean="0">
+                <a:latin typeface="Arial"/>
+                <a:cs typeface="Arial"/>
+              </a:rPr>
+              <a:t>Линк към видео: </a:t>
+            </a:r>
+            <a:endParaRPr lang="bg-BG" sz="1100" spc="-15" dirty="0" smtClean="0">
               <a:latin typeface="Arial"/>
               <a:cs typeface="Arial"/>
             </a:endParaRPr>
@@ -3419,7 +2859,7 @@
                 <a:spcPct val="100000"/>
               </a:lnSpc>
               <a:spcBef>
-                <a:spcPts val="275"/>
+                <a:spcPts val="375"/>
               </a:spcBef>
               <a:buFont typeface="Symbol"/>
               <a:buChar char=""/>
@@ -3429,11 +2869,86 @@
               </a:tabLst>
             </a:pPr>
             <a:r>
-              <a:rPr sz="1100" spc="-90" dirty="0">
-                <a:latin typeface="Arial"/>
-                <a:cs typeface="Arial"/>
-              </a:rPr>
-              <a:t>Не </a:t>
+              <a:rPr sz="1100" spc="-15" dirty="0" err="1" smtClean="0">
+                <a:latin typeface="Arial"/>
+                <a:cs typeface="Arial"/>
+              </a:rPr>
+              <a:t>Линк</a:t>
+            </a:r>
+            <a:r>
+              <a:rPr sz="1100" spc="-15" dirty="0" smtClean="0">
+                <a:latin typeface="Arial"/>
+                <a:cs typeface="Arial"/>
+              </a:rPr>
+              <a:t> </a:t>
+            </a:r>
+            <a:r>
+              <a:rPr sz="1100" spc="-30" dirty="0">
+                <a:latin typeface="Arial"/>
+                <a:cs typeface="Arial"/>
+              </a:rPr>
+              <a:t>към </a:t>
+            </a:r>
+            <a:r>
+              <a:rPr sz="1100" spc="-45" dirty="0">
+                <a:latin typeface="Arial"/>
+                <a:cs typeface="Arial"/>
+              </a:rPr>
+              <a:t>проекта </a:t>
+            </a:r>
+            <a:r>
+              <a:rPr sz="1100" spc="-35" dirty="0">
+                <a:latin typeface="Arial"/>
+                <a:cs typeface="Arial"/>
+              </a:rPr>
+              <a:t>(демо):</a:t>
+            </a:r>
+            <a:r>
+              <a:rPr sz="1100" spc="-155" dirty="0">
+                <a:solidFill>
+                  <a:srgbClr val="0462C1"/>
+                </a:solidFill>
+                <a:latin typeface="Arial"/>
+                <a:cs typeface="Arial"/>
+              </a:rPr>
+              <a:t> </a:t>
+            </a:r>
+            <a:endParaRPr lang="en-US" sz="1100" spc="-155" dirty="0" smtClean="0">
+              <a:solidFill>
+                <a:srgbClr val="0462C1"/>
+              </a:solidFill>
+              <a:latin typeface="Arial"/>
+              <a:cs typeface="Arial"/>
+            </a:endParaRPr>
+          </a:p>
+          <a:p>
+            <a:pPr marL="469265" indent="-228600">
+              <a:lnSpc>
+                <a:spcPct val="100000"/>
+              </a:lnSpc>
+              <a:spcBef>
+                <a:spcPts val="375"/>
+              </a:spcBef>
+              <a:buFont typeface="Symbol"/>
+              <a:buChar char=""/>
+              <a:tabLst>
+                <a:tab pos="469265" algn="l"/>
+                <a:tab pos="469900" algn="l"/>
+              </a:tabLst>
+            </a:pPr>
+            <a:r>
+              <a:rPr sz="1100" spc="-90" dirty="0" err="1" smtClean="0">
+                <a:latin typeface="Arial"/>
+                <a:cs typeface="Arial"/>
+              </a:rPr>
+              <a:t>Не</a:t>
+            </a:r>
+            <a:r>
+              <a:rPr sz="1100" spc="-90" dirty="0" smtClean="0">
+                <a:latin typeface="Arial"/>
+                <a:cs typeface="Arial"/>
+              </a:rPr>
+              <a:t> </a:t>
             </a:r>
             <a:r>
               <a:rPr sz="1100" spc="-75" dirty="0">
@@ -3463,7 +2978,7 @@
               </a:rPr>
               <a:t> достъп.</a:t>
             </a:r>
-            <a:endParaRPr sz="1100">
+            <a:endParaRPr sz="1100" dirty="0">
               <a:latin typeface="Arial"/>
               <a:cs typeface="Arial"/>
             </a:endParaRPr>
@@ -3487,63 +3002,248 @@
               </a:rPr>
               <a:t>Технологии</a:t>
             </a:r>
-            <a:endParaRPr sz="1800">
+            <a:endParaRPr sz="1800" dirty="0">
               <a:latin typeface="Trebuchet MS"/>
               <a:cs typeface="Trebuchet MS"/>
             </a:endParaRPr>
           </a:p>
           <a:p>
             <a:pPr marL="12700">
-              <a:lnSpc>
-                <a:spcPct val="100000"/>
-              </a:lnSpc>
               <a:spcBef>
                 <a:spcPts val="785"/>
               </a:spcBef>
             </a:pPr>
             <a:r>
-              <a:rPr sz="1100" spc="-50" dirty="0">
-                <a:latin typeface="Arial"/>
-                <a:cs typeface="Arial"/>
-              </a:rPr>
-              <a:t>Използвани </a:t>
-            </a:r>
-            <a:r>
-              <a:rPr sz="1100" spc="-45" dirty="0">
-                <a:latin typeface="Arial"/>
-                <a:cs typeface="Arial"/>
-              </a:rPr>
-              <a:t>технологии: </a:t>
-            </a:r>
-            <a:r>
-              <a:rPr sz="1100" spc="-80" dirty="0">
+              <a:rPr sz="1100" spc="-80" dirty="0" smtClean="0">
                 <a:latin typeface="Arial"/>
                 <a:cs typeface="Arial"/>
               </a:rPr>
               <a:t>HTML5, </a:t>
             </a:r>
             <a:r>
-              <a:rPr sz="1100" spc="-70" dirty="0">
+              <a:rPr sz="1100" spc="-70" dirty="0" smtClean="0">
                 <a:latin typeface="Arial"/>
                 <a:cs typeface="Arial"/>
               </a:rPr>
               <a:t>JavaScript,</a:t>
             </a:r>
             <a:r>
-              <a:rPr sz="1100" spc="-60" dirty="0">
+              <a:rPr sz="1100" spc="-60" dirty="0" smtClean="0">
                 <a:latin typeface="Arial"/>
                 <a:cs typeface="Arial"/>
               </a:rPr>
               <a:t> </a:t>
             </a:r>
             <a:r>
-              <a:rPr sz="1100" spc="-40" dirty="0">
-                <a:latin typeface="Arial"/>
-                <a:cs typeface="Arial"/>
-              </a:rPr>
-              <a:t>jQuery.</a:t>
-            </a:r>
-            <a:endParaRPr sz="1100">
+              <a:rPr sz="1100" spc="-40" dirty="0" smtClean="0">
+                <a:latin typeface="Arial"/>
+                <a:cs typeface="Arial"/>
+              </a:rPr>
+              <a:t>jQuery</a:t>
+            </a:r>
+            <a:r>
+              <a:rPr lang="bg-BG" sz="1100" spc="-40" dirty="0" smtClean="0">
+                <a:latin typeface="Arial"/>
+                <a:cs typeface="Arial"/>
+              </a:rPr>
+              <a:t>, </a:t>
+            </a:r>
+            <a:r>
+              <a:rPr lang="en-US" sz="1100" spc="-40" dirty="0" smtClean="0">
+                <a:latin typeface="Arial"/>
+                <a:cs typeface="Arial"/>
+              </a:rPr>
+              <a:t>ASP.NET Core MVC &amp; Web API, Docker engine</a:t>
+            </a:r>
+            <a:r>
+              <a:rPr lang="en-US" sz="1100" spc="-40" dirty="0" smtClean="0">
+                <a:latin typeface="Arial"/>
+                <a:cs typeface="Arial"/>
+              </a:rPr>
+              <a:t>, Domain-Driven Design, </a:t>
+            </a:r>
+            <a:br>
+              <a:rPr lang="en-US" sz="1100" spc="-40" dirty="0" smtClean="0">
+                <a:latin typeface="Arial"/>
+                <a:cs typeface="Arial"/>
+              </a:rPr>
+            </a:br>
+            <a:r>
+              <a:rPr lang="en-US" sz="1100" spc="-40" dirty="0" smtClean="0">
+                <a:latin typeface="Arial"/>
+                <a:cs typeface="Arial"/>
+              </a:rPr>
+              <a:t>Functional Programming, CQRS, Event-sourcing, REST with HATEOAS, </a:t>
+            </a:r>
+            <a:r>
+              <a:rPr lang="en-US" sz="1100" spc="-40" dirty="0" err="1" smtClean="0">
+                <a:latin typeface="Arial"/>
+                <a:cs typeface="Arial"/>
+              </a:rPr>
+              <a:t>RabbitMQ</a:t>
+            </a:r>
+            <a:r>
+              <a:rPr lang="en-US" sz="1100" spc="-40" dirty="0" smtClean="0">
+                <a:latin typeface="Arial"/>
+                <a:cs typeface="Arial"/>
+              </a:rPr>
+              <a:t>, Swagger, EF Core, </a:t>
+            </a:r>
+            <a:br>
+              <a:rPr lang="en-US" sz="1100" spc="-40" dirty="0" smtClean="0">
+                <a:latin typeface="Arial"/>
+                <a:cs typeface="Arial"/>
+              </a:rPr>
+            </a:br>
+            <a:r>
+              <a:rPr lang="en-US" sz="1100" spc="-40" dirty="0" smtClean="0">
+                <a:latin typeface="Arial"/>
+                <a:cs typeface="Arial"/>
+              </a:rPr>
+              <a:t>PostgreSQL, </a:t>
+            </a:r>
+            <a:r>
+              <a:rPr lang="en-US" sz="1100" spc="-40" dirty="0" err="1" smtClean="0">
+                <a:latin typeface="Arial"/>
+                <a:cs typeface="Arial"/>
+              </a:rPr>
+              <a:t>Stylecop</a:t>
+            </a:r>
+            <a:r>
+              <a:rPr lang="en-US" sz="1100" spc="-40" dirty="0" smtClean="0">
+                <a:latin typeface="Arial"/>
+                <a:cs typeface="Arial"/>
+              </a:rPr>
+              <a:t>.</a:t>
+            </a:r>
+            <a:endParaRPr lang="bg-BG" sz="1100" spc="-40" dirty="0" smtClean="0">
+              <a:latin typeface="Arial"/>
+              <a:cs typeface="Arial"/>
+            </a:endParaRPr>
+          </a:p>
+          <a:p>
+            <a:pPr marL="12700">
+              <a:spcBef>
+                <a:spcPts val="785"/>
+              </a:spcBef>
+            </a:pPr>
+            <a:r>
+              <a:rPr lang="en-US" sz="1100" spc="-40" dirty="0" smtClean="0">
+                <a:latin typeface="Arial"/>
+                <a:cs typeface="Arial"/>
+              </a:rPr>
+              <a:t/>
+            </a:r>
+            <a:br>
+              <a:rPr lang="en-US" sz="1100" spc="-40" dirty="0" smtClean="0">
+                <a:latin typeface="Arial"/>
+                <a:cs typeface="Arial"/>
+              </a:rPr>
+            </a:br>
+            <a:r>
+              <a:rPr lang="en-US" sz="1100" spc="-40" dirty="0" smtClean="0">
+                <a:latin typeface="Arial"/>
+                <a:cs typeface="Arial"/>
+              </a:rPr>
+              <a:t>Complete tests suite - Arrange Act Assert Pattern, </a:t>
+            </a:r>
+            <a:r>
+              <a:rPr lang="en-US" sz="1100" spc="-40" dirty="0" err="1" smtClean="0">
+                <a:latin typeface="Arial"/>
+                <a:cs typeface="Arial"/>
+              </a:rPr>
+              <a:t>MyTested.AspNetCore.Mvc</a:t>
+            </a:r>
+            <a:r>
+              <a:rPr lang="en-US" sz="1100" spc="-40" dirty="0" smtClean="0">
+                <a:latin typeface="Arial"/>
+                <a:cs typeface="Arial"/>
+              </a:rPr>
+              <a:t> , </a:t>
+            </a:r>
+            <a:r>
+              <a:rPr lang="en-US" sz="1100" spc="-40" dirty="0" err="1" smtClean="0">
+                <a:latin typeface="Arial"/>
+                <a:cs typeface="Arial"/>
+              </a:rPr>
+              <a:t>xUnit</a:t>
+            </a:r>
+            <a:r>
+              <a:rPr lang="en-US" sz="1100" spc="-40" dirty="0" smtClean="0">
+                <a:latin typeface="Arial"/>
+                <a:cs typeface="Arial"/>
+              </a:rPr>
+              <a:t>, </a:t>
+            </a:r>
+            <a:r>
+              <a:rPr lang="en-US" sz="1100" spc="-40" dirty="0" err="1" smtClean="0">
+                <a:latin typeface="Arial"/>
+                <a:cs typeface="Arial"/>
+              </a:rPr>
+              <a:t>Autofixture</a:t>
+            </a:r>
+            <a:r>
+              <a:rPr lang="en-US" sz="1100" spc="-40" dirty="0" smtClean="0">
+                <a:latin typeface="Arial"/>
+                <a:cs typeface="Arial"/>
+              </a:rPr>
+              <a:t>, </a:t>
+            </a:r>
+            <a:r>
+              <a:rPr lang="en-US" sz="1100" spc="-40" dirty="0" err="1" smtClean="0">
+                <a:latin typeface="Arial"/>
+                <a:cs typeface="Arial"/>
+              </a:rPr>
+              <a:t>Moq</a:t>
+            </a:r>
+            <a:r>
+              <a:rPr lang="en-US" sz="1100" spc="-40" dirty="0" smtClean="0">
+                <a:latin typeface="Arial"/>
+                <a:cs typeface="Arial"/>
+              </a:rPr>
+              <a:t>,</a:t>
+            </a:r>
+            <a:br>
+              <a:rPr lang="en-US" sz="1100" spc="-40" dirty="0" smtClean="0">
+                <a:latin typeface="Arial"/>
+                <a:cs typeface="Arial"/>
+              </a:rPr>
+            </a:br>
+            <a:r>
+              <a:rPr lang="en-US" sz="1100" spc="-40" dirty="0" smtClean="0">
+                <a:latin typeface="Arial"/>
+                <a:cs typeface="Arial"/>
+              </a:rPr>
+              <a:t>Fluent Assertion.</a:t>
+            </a:r>
+            <a:br>
+              <a:rPr lang="en-US" sz="1100" spc="-40" dirty="0" smtClean="0">
+                <a:latin typeface="Arial"/>
+                <a:cs typeface="Arial"/>
+              </a:rPr>
+            </a:br>
+            <a:r>
+              <a:rPr lang="en-US" sz="1100" spc="-40" dirty="0" smtClean="0">
+                <a:latin typeface="Arial"/>
+                <a:cs typeface="Arial"/>
+              </a:rPr>
+              <a:t>Integration </a:t>
+            </a:r>
+            <a:r>
+              <a:rPr lang="en-US" sz="1100" spc="-40" dirty="0">
+                <a:latin typeface="Arial"/>
+                <a:cs typeface="Arial"/>
+              </a:rPr>
+              <a:t>tests with </a:t>
+            </a:r>
+            <a:r>
+              <a:rPr lang="en-US" sz="1100" spc="-40" dirty="0" smtClean="0">
+                <a:latin typeface="Arial"/>
+                <a:cs typeface="Arial"/>
+              </a:rPr>
+              <a:t>Kestrel server and databases executed in Docker containers.</a:t>
+            </a:r>
+            <a:endParaRPr sz="1100" dirty="0" smtClean="0">
               <a:latin typeface="Arial"/>
               <a:cs typeface="Arial"/>
             </a:endParaRPr>
@@ -3554,7 +3254,7 @@
                 <a:spcPct val="100000"/>
               </a:lnSpc>
             </a:pPr>
-            <a:endParaRPr sz="1050">
+            <a:endParaRPr sz="1050" dirty="0">
               <a:latin typeface="Arial"/>
               <a:cs typeface="Arial"/>
             </a:endParaRPr>
@@ -3595,7 +3295,7 @@
               </a:rPr>
               <a:t>код</a:t>
             </a:r>
-            <a:endParaRPr sz="1800">
+            <a:endParaRPr sz="1800" dirty="0">
               <a:latin typeface="Trebuchet MS"/>
               <a:cs typeface="Trebuchet MS"/>
             </a:endParaRPr>
@@ -3624,76 +3324,70 @@
               <a:t>към </a:t>
             </a:r>
             <a:r>
+              <a:rPr sz="1100" spc="-65" dirty="0" err="1">
+                <a:latin typeface="Arial"/>
+                <a:cs typeface="Arial"/>
+              </a:rPr>
+              <a:t>сорс</a:t>
+            </a:r>
+            <a:r>
               <a:rPr sz="1100" spc="-65" dirty="0">
                 <a:latin typeface="Arial"/>
                 <a:cs typeface="Arial"/>
               </a:rPr>
-              <a:t>сорс </a:t>
-            </a:r>
-            <a:r>
-              <a:rPr sz="1100" spc="-30" dirty="0">
-                <a:latin typeface="Arial"/>
-                <a:cs typeface="Arial"/>
-              </a:rPr>
-              <a:t>кода: </a:t>
-            </a:r>
-            <a:r>
-              <a:rPr sz="1100" u="sng" spc="-35" dirty="0">
-                <a:solidFill>
-                  <a:srgbClr val="0462C1"/>
-                </a:solidFill>
-                <a:uFill>
-                  <a:solidFill>
-                    <a:srgbClr val="0462C1"/>
-                  </a:solidFill>
-                </a:uFill>
-                <a:latin typeface="Arial"/>
-                <a:cs typeface="Arial"/>
-                <a:hlinkClick r:id="rId5"/>
-              </a:rPr>
-              <a:t>https://github.com/YanaSlavcheva/SoftUni- </a:t>
-            </a:r>
-            <a:r>
-              <a:rPr sz="1100" spc="-35" dirty="0">
-                <a:solidFill>
-                  <a:srgbClr val="0462C1"/>
-                </a:solidFill>
-                <a:latin typeface="Arial"/>
-                <a:cs typeface="Arial"/>
-              </a:rPr>
               <a:t> </a:t>
             </a:r>
             <a:r>
-              <a:rPr sz="1100" u="sng" spc="-35" dirty="0">
-                <a:solidFill>
-                  <a:srgbClr val="0462C1"/>
-                </a:solidFill>
-                <a:uFill>
-                  <a:solidFill>
-                    <a:srgbClr val="0462C1"/>
-                  </a:solidFill>
-                </a:uFill>
-                <a:latin typeface="Arial"/>
-                <a:cs typeface="Arial"/>
-                <a:hlinkClick r:id="rId5"/>
-              </a:rPr>
-              <a:t>Work/tree/master/JavaScript/Teamwork-Game</a:t>
-            </a:r>
-            <a:r>
-              <a:rPr sz="1100" spc="-35" dirty="0">
-                <a:latin typeface="Arial"/>
-                <a:cs typeface="Arial"/>
-                <a:hlinkClick r:id="rId5"/>
-              </a:rPr>
-              <a:t>.</a:t>
-            </a:r>
-            <a:endParaRPr sz="1100">
+              <a:rPr sz="1100" spc="-30" dirty="0" err="1" smtClean="0">
+                <a:latin typeface="Arial"/>
+                <a:cs typeface="Arial"/>
+              </a:rPr>
+              <a:t>кода</a:t>
+            </a:r>
+            <a:r>
+              <a:rPr lang="en-US" sz="1100" spc="-30" dirty="0" smtClean="0">
+                <a:latin typeface="Arial"/>
+                <a:cs typeface="Arial"/>
+              </a:rPr>
+              <a:t>: </a:t>
+            </a:r>
+            <a:endParaRPr sz="1100" dirty="0">
               <a:latin typeface="Arial"/>
               <a:cs typeface="Arial"/>
             </a:endParaRPr>
           </a:p>
         </p:txBody>
       </p:sp>
+      <p:pic>
+        <p:nvPicPr>
+          <p:cNvPr id="10" name="Picture 9"/>
+          <p:cNvPicPr>
+            <a:picLocks noChangeAspect="1"/>
+          </p:cNvPicPr>
+          <p:nvPr/>
+        </p:nvPicPr>
+        <p:blipFill>
+          <a:blip r:embed="rId3" cstate="print">
+            <a:extLst>
+              <a:ext uri="{28A0092B-C50C-407E-A947-70E740481C1C}">
+                <a14:useLocalDpi xmlns:a14="http://schemas.microsoft.com/office/drawing/2010/main" val="0"/>
+              </a:ext>
+            </a:extLst>
+          </a:blip>
+          <a:stretch>
+            <a:fillRect/>
+          </a:stretch>
+        </p:blipFill>
+        <p:spPr>
+          <a:xfrm>
+            <a:off x="4921250" y="165100"/>
+            <a:ext cx="1222037" cy="2139461"/>
+          </a:xfrm>
+          <a:prstGeom prst="rect">
+            <a:avLst/>
+          </a:prstGeom>
+        </p:spPr>
+      </p:pic>
     </p:spTree>
   </p:cSld>
   <p:clrMapOvr>
@@ -3721,6 +3415,180 @@
       </p:grpSpPr>
       <p:sp>
         <p:nvSpPr>
+          <p:cNvPr id="2" name="object 4"/>
+          <p:cNvSpPr txBox="1"/>
+          <p:nvPr/>
+        </p:nvSpPr>
+        <p:spPr>
+          <a:xfrm>
+            <a:off x="882650" y="241300"/>
+            <a:ext cx="5335270" cy="925194"/>
+          </a:xfrm>
+          <a:prstGeom prst="rect">
+            <a:avLst/>
+          </a:prstGeom>
+        </p:spPr>
+        <p:txBody>
+          <a:bodyPr vert="horz" wrap="square" lIns="0" tIns="173990" rIns="0" bIns="0" rtlCol="0">
+            <a:spAutoFit/>
+          </a:bodyPr>
+          <a:lstStyle/>
+          <a:p>
+            <a:pPr marL="12700">
+              <a:lnSpc>
+                <a:spcPct val="100000"/>
+              </a:lnSpc>
+              <a:spcBef>
+                <a:spcPts val="1370"/>
+              </a:spcBef>
+            </a:pPr>
+            <a:r>
+              <a:rPr sz="1800" b="1" spc="-100" dirty="0" smtClean="0">
+                <a:solidFill>
+                  <a:srgbClr val="FF9F00"/>
+                </a:solidFill>
+                <a:latin typeface="Trebuchet MS"/>
+                <a:cs typeface="Trebuchet MS"/>
+              </a:rPr>
+              <a:t>Screenshots</a:t>
+            </a:r>
+            <a:endParaRPr sz="1800" dirty="0">
+              <a:latin typeface="Trebuchet MS"/>
+              <a:cs typeface="Trebuchet MS"/>
+            </a:endParaRPr>
+          </a:p>
+          <a:p>
+            <a:pPr marL="12700" marR="5080">
+              <a:lnSpc>
+                <a:spcPct val="117300"/>
+              </a:lnSpc>
+              <a:spcBef>
+                <a:spcPts val="555"/>
+              </a:spcBef>
+            </a:pPr>
+            <a:r>
+              <a:rPr sz="1100" spc="-75" dirty="0">
+                <a:latin typeface="Arial"/>
+                <a:cs typeface="Arial"/>
+              </a:rPr>
+              <a:t>Силно </a:t>
+            </a:r>
+            <a:r>
+              <a:rPr sz="1100" spc="-50" dirty="0">
+                <a:latin typeface="Arial"/>
+                <a:cs typeface="Arial"/>
+              </a:rPr>
+              <a:t>препоръчително </a:t>
+            </a:r>
+            <a:r>
+              <a:rPr sz="1100" spc="-65" dirty="0">
+                <a:latin typeface="Arial"/>
+                <a:cs typeface="Arial"/>
+              </a:rPr>
+              <a:t>е </a:t>
+            </a:r>
+            <a:r>
+              <a:rPr sz="1100" spc="-60" dirty="0">
+                <a:latin typeface="Arial"/>
+                <a:cs typeface="Arial"/>
+              </a:rPr>
+              <a:t>да </a:t>
+            </a:r>
+            <a:r>
+              <a:rPr sz="1100" spc="-40" dirty="0">
+                <a:latin typeface="Arial"/>
+                <a:cs typeface="Arial"/>
+              </a:rPr>
+              <a:t>приложите </a:t>
+            </a:r>
+            <a:r>
+              <a:rPr sz="1100" spc="-50" dirty="0">
+                <a:latin typeface="Arial"/>
+                <a:cs typeface="Arial"/>
+              </a:rPr>
+              <a:t>подходящи </a:t>
+            </a:r>
+            <a:r>
+              <a:rPr sz="1100" b="1" spc="-65" dirty="0">
+                <a:latin typeface="Trebuchet MS"/>
+                <a:cs typeface="Trebuchet MS"/>
+              </a:rPr>
+              <a:t>screenshots </a:t>
+            </a:r>
+            <a:r>
+              <a:rPr sz="1100" spc="-55" dirty="0">
+                <a:latin typeface="Arial"/>
+                <a:cs typeface="Arial"/>
+              </a:rPr>
+              <a:t>от </a:t>
+            </a:r>
+            <a:r>
+              <a:rPr sz="1100" spc="-70" dirty="0">
+                <a:latin typeface="Arial"/>
+                <a:cs typeface="Arial"/>
+              </a:rPr>
+              <a:t>вашето </a:t>
+            </a:r>
+            <a:r>
+              <a:rPr sz="1100" spc="-35" dirty="0">
+                <a:latin typeface="Arial"/>
+                <a:cs typeface="Arial"/>
+              </a:rPr>
+              <a:t>приложение </a:t>
+            </a:r>
+            <a:r>
+              <a:rPr sz="1100" spc="-60" dirty="0">
+                <a:latin typeface="Arial"/>
+                <a:cs typeface="Arial"/>
+              </a:rPr>
+              <a:t>в  </a:t>
+            </a:r>
+            <a:r>
+              <a:rPr sz="1100" spc="-50" dirty="0">
+                <a:latin typeface="Arial"/>
+                <a:cs typeface="Arial"/>
+              </a:rPr>
+              <a:t>действие.</a:t>
+            </a:r>
+            <a:endParaRPr sz="1100" dirty="0">
+              <a:latin typeface="Arial"/>
+              <a:cs typeface="Arial"/>
+            </a:endParaRPr>
+          </a:p>
+        </p:txBody>
+      </p:sp>
+    </p:spTree>
+    <p:extLst>
+      <p:ext uri="{BB962C8B-B14F-4D97-AF65-F5344CB8AC3E}">
+        <p14:creationId xmlns:p14="http://schemas.microsoft.com/office/powerpoint/2010/main" val="2730342330"/>
+      </p:ext>
+    </p:extLst>
+  </p:cSld>
+  <p:clrMapOvr>
+    <a:masterClrMapping/>
+  </p:clrMapOvr>
+</p:sld>
+</file>
+
+<file path=ppt/slides/slide3.xml><?xml version="1.0" encoding="utf-8"?>
+<p:sld xmlns:a="http://schemas.openxmlformats.org/drawingml/2006/main" xmlns:r="http://schemas.openxmlformats.org/officeDocument/2006/relationships" xmlns:p="http://schemas.openxmlformats.org/presentationml/2006/main">
+  <p:cSld>
+    <p:spTree>
+      <p:nvGrpSpPr>
+        <p:cNvPr id="1" name=""/>
+        <p:cNvGrpSpPr/>
+        <p:nvPr/>
+      </p:nvGrpSpPr>
+      <p:grpSpPr>
+        <a:xfrm>
+          <a:off x="0" y="0"/>
+          <a:ext cx="0" cy="0"/>
+          <a:chOff x="0" y="0"/>
+          <a:chExt cx="0" cy="0"/>
+        </a:xfrm>
+      </p:grpSpPr>
+      <p:sp>
+        <p:nvSpPr>
           <p:cNvPr id="2" name="object 2"/>
           <p:cNvSpPr txBox="1"/>
           <p:nvPr/>
@@ -3728,7 +3596,7 @@
         <p:spPr>
           <a:xfrm>
             <a:off x="886764" y="877315"/>
-            <a:ext cx="5433695" cy="1646555"/>
+            <a:ext cx="5433695" cy="1734129"/>
           </a:xfrm>
           <a:prstGeom prst="rect">
             <a:avLst/>
@@ -3749,179 +3617,35 @@
               </a:spcBef>
             </a:pPr>
             <a:r>
-              <a:rPr sz="1800" b="1" i="1" spc="-70" dirty="0">
+              <a:rPr sz="1800" b="1" i="1" spc="-70" dirty="0" err="1" smtClean="0">
                 <a:solidFill>
                   <a:srgbClr val="FF9F00"/>
                 </a:solidFill>
-                <a:latin typeface="Trebuchet MS"/>
-                <a:cs typeface="Trebuchet MS"/>
+                <a:latin typeface="Arial" panose="020B0604020202020204" pitchFamily="34" charset="0"/>
+                <a:cs typeface="Arial" panose="020B0604020202020204" pitchFamily="34" charset="0"/>
               </a:rPr>
               <a:t>Подробно</a:t>
             </a:r>
             <a:r>
-              <a:rPr sz="1800" b="1" i="1" spc="-150" dirty="0">
+              <a:rPr sz="1800" b="1" i="1" spc="-150" dirty="0" smtClean="0">
                 <a:solidFill>
                   <a:srgbClr val="FF9F00"/>
                 </a:solidFill>
-                <a:latin typeface="Trebuchet MS"/>
-                <a:cs typeface="Trebuchet MS"/>
+                <a:latin typeface="Arial" panose="020B0604020202020204" pitchFamily="34" charset="0"/>
+                <a:cs typeface="Arial" panose="020B0604020202020204" pitchFamily="34" charset="0"/>
               </a:rPr>
               <a:t> </a:t>
             </a:r>
             <a:r>
-              <a:rPr sz="1800" b="1" i="1" spc="-80" dirty="0">
+              <a:rPr sz="1800" b="1" i="1" spc="-80" dirty="0" err="1" smtClean="0">
                 <a:solidFill>
                   <a:srgbClr val="FF9F00"/>
                 </a:solidFill>
-                <a:latin typeface="Trebuchet MS"/>
-                <a:cs typeface="Trebuchet MS"/>
+                <a:latin typeface="Arial" panose="020B0604020202020204" pitchFamily="34" charset="0"/>
+                <a:cs typeface="Arial" panose="020B0604020202020204" pitchFamily="34" charset="0"/>
               </a:rPr>
               <a:t>описание</a:t>
             </a:r>
-            <a:endParaRPr sz="1800">
-              <a:latin typeface="Trebuchet MS"/>
-              <a:cs typeface="Trebuchet MS"/>
-            </a:endParaRPr>
-          </a:p>
-          <a:p>
-            <a:pPr marL="12700" marR="5080">
-              <a:lnSpc>
-                <a:spcPct val="116399"/>
-              </a:lnSpc>
-              <a:spcBef>
-                <a:spcPts val="580"/>
-              </a:spcBef>
-            </a:pPr>
-            <a:r>
-              <a:rPr sz="1100" spc="-70" dirty="0">
-                <a:latin typeface="Arial"/>
-                <a:cs typeface="Arial"/>
-              </a:rPr>
-              <a:t>По </a:t>
-            </a:r>
-            <a:r>
-              <a:rPr sz="1100" spc="-50" dirty="0">
-                <a:latin typeface="Arial"/>
-                <a:cs typeface="Arial"/>
-              </a:rPr>
-              <a:t>желание </a:t>
-            </a:r>
-            <a:r>
-              <a:rPr sz="1100" spc="-75" dirty="0">
-                <a:latin typeface="Arial"/>
-                <a:cs typeface="Arial"/>
-              </a:rPr>
-              <a:t>се </a:t>
-            </a:r>
-            <a:r>
-              <a:rPr sz="1100" spc="-60" dirty="0">
-                <a:latin typeface="Arial"/>
-                <a:cs typeface="Arial"/>
-              </a:rPr>
-              <a:t>предоставя </a:t>
-            </a:r>
-            <a:r>
-              <a:rPr sz="1100" spc="-40" dirty="0">
-                <a:latin typeface="Arial"/>
-                <a:cs typeface="Arial"/>
-              </a:rPr>
-              <a:t>подробна </a:t>
-            </a:r>
-            <a:r>
-              <a:rPr sz="1100" spc="-45" dirty="0">
-                <a:latin typeface="Arial"/>
-                <a:cs typeface="Arial"/>
-              </a:rPr>
-              <a:t>документация </a:t>
-            </a:r>
-            <a:r>
-              <a:rPr sz="1100" spc="-35" dirty="0">
-                <a:latin typeface="Arial"/>
-                <a:cs typeface="Arial"/>
-              </a:rPr>
-              <a:t>по </a:t>
-            </a:r>
-            <a:r>
-              <a:rPr sz="1100" spc="-40" dirty="0">
-                <a:latin typeface="Arial"/>
-                <a:cs typeface="Arial"/>
-              </a:rPr>
-              <a:t>проекта. </a:t>
-            </a:r>
-            <a:r>
-              <a:rPr sz="1100" spc="-110" dirty="0">
-                <a:latin typeface="Arial"/>
-                <a:cs typeface="Arial"/>
-              </a:rPr>
-              <a:t>Тя </a:t>
-            </a:r>
-            <a:r>
-              <a:rPr sz="1100" spc="-25" dirty="0">
-                <a:latin typeface="Arial"/>
-                <a:cs typeface="Arial"/>
-              </a:rPr>
-              <a:t>може </a:t>
-            </a:r>
-            <a:r>
-              <a:rPr sz="1100" spc="-60" dirty="0">
-                <a:latin typeface="Arial"/>
-                <a:cs typeface="Arial"/>
-              </a:rPr>
-              <a:t>да </a:t>
-            </a:r>
-            <a:r>
-              <a:rPr sz="1100" spc="-65" dirty="0">
-                <a:latin typeface="Arial"/>
-                <a:cs typeface="Arial"/>
-              </a:rPr>
-              <a:t>е </a:t>
-            </a:r>
-            <a:r>
-              <a:rPr sz="1100" spc="-40" dirty="0">
-                <a:latin typeface="Arial"/>
-                <a:cs typeface="Arial"/>
-              </a:rPr>
-              <a:t>по-обемна </a:t>
-            </a:r>
-            <a:r>
-              <a:rPr sz="1100" spc="-20" dirty="0">
-                <a:latin typeface="Arial"/>
-                <a:cs typeface="Arial"/>
-              </a:rPr>
-              <a:t>и  </a:t>
-            </a:r>
-            <a:r>
-              <a:rPr sz="1100" spc="-25" dirty="0">
-                <a:latin typeface="Arial"/>
-                <a:cs typeface="Arial"/>
-              </a:rPr>
-              <a:t>може </a:t>
-            </a:r>
-            <a:r>
-              <a:rPr sz="1100" spc="-60" dirty="0">
-                <a:latin typeface="Arial"/>
-                <a:cs typeface="Arial"/>
-              </a:rPr>
-              <a:t>да</a:t>
-            </a:r>
-            <a:r>
-              <a:rPr sz="1100" spc="-105" dirty="0">
-                <a:latin typeface="Arial"/>
-                <a:cs typeface="Arial"/>
-              </a:rPr>
-              <a:t> </a:t>
-            </a:r>
-            <a:r>
-              <a:rPr sz="1100" spc="-55" dirty="0">
-                <a:latin typeface="Arial"/>
-                <a:cs typeface="Arial"/>
-              </a:rPr>
-              <a:t>съдържа:</a:t>
-            </a:r>
-            <a:endParaRPr sz="1100">
-              <a:latin typeface="Arial"/>
-              <a:cs typeface="Arial"/>
-            </a:endParaRPr>
           </a:p>
           <a:p>
             <a:pPr marL="469265" indent="-228600">
@@ -3939,85 +3663,105 @@
               </a:tabLst>
             </a:pPr>
             <a:r>
-              <a:rPr sz="1100" spc="-55" dirty="0">
-                <a:latin typeface="Arial"/>
-                <a:cs typeface="Arial"/>
-              </a:rPr>
-              <a:t>Потребителско </a:t>
-            </a:r>
-            <a:r>
-              <a:rPr sz="1100" spc="-50" dirty="0">
-                <a:latin typeface="Arial"/>
-                <a:cs typeface="Arial"/>
-              </a:rPr>
-              <a:t>ръководство </a:t>
-            </a:r>
-            <a:r>
-              <a:rPr sz="1100" spc="-85" dirty="0">
-                <a:latin typeface="Arial"/>
-                <a:cs typeface="Arial"/>
-              </a:rPr>
-              <a:t>с </a:t>
-            </a:r>
-            <a:r>
-              <a:rPr sz="1100" spc="-40" dirty="0">
-                <a:latin typeface="Arial"/>
-                <a:cs typeface="Arial"/>
-              </a:rPr>
-              <a:t>инструкции </a:t>
-            </a:r>
-            <a:r>
-              <a:rPr sz="1100" spc="-65" dirty="0">
-                <a:latin typeface="Arial"/>
-                <a:cs typeface="Arial"/>
-              </a:rPr>
-              <a:t>за </a:t>
-            </a:r>
-            <a:r>
-              <a:rPr sz="1100" spc="-50" dirty="0">
-                <a:latin typeface="Arial"/>
-                <a:cs typeface="Arial"/>
-              </a:rPr>
-              <a:t>използване </a:t>
-            </a:r>
-            <a:r>
-              <a:rPr sz="1100" spc="-20" dirty="0">
-                <a:latin typeface="Arial"/>
-                <a:cs typeface="Arial"/>
-              </a:rPr>
-              <a:t>и </a:t>
-            </a:r>
-            <a:r>
-              <a:rPr sz="1100" spc="-25" dirty="0">
-                <a:latin typeface="Arial"/>
-                <a:cs typeface="Arial"/>
-              </a:rPr>
-              <a:t>снимки </a:t>
-            </a:r>
-            <a:r>
-              <a:rPr sz="1100" spc="-55" dirty="0">
-                <a:latin typeface="Arial"/>
-                <a:cs typeface="Arial"/>
-              </a:rPr>
-              <a:t>на</a:t>
-            </a:r>
-            <a:r>
-              <a:rPr sz="1100" spc="-145" dirty="0">
-                <a:latin typeface="Arial"/>
-                <a:cs typeface="Arial"/>
+              <a:rPr lang="en-US" sz="1100" spc="-55" dirty="0">
+                <a:latin typeface="Arial" panose="020B0604020202020204" pitchFamily="34" charset="0"/>
+                <a:cs typeface="Arial" panose="020B0604020202020204" pitchFamily="34" charset="0"/>
+              </a:rPr>
+              <a:t>A</a:t>
+            </a:r>
+            <a:r>
+              <a:rPr lang="ru-RU" sz="1100" spc="-55" dirty="0" smtClean="0">
+                <a:latin typeface="Arial" panose="020B0604020202020204" pitchFamily="34" charset="0"/>
+                <a:cs typeface="Arial" panose="020B0604020202020204" pitchFamily="34" charset="0"/>
+              </a:rPr>
+              <a:t>рхитектура</a:t>
+            </a:r>
+            <a:r>
+              <a:rPr lang="ru-RU" sz="1100" spc="-55" dirty="0">
+                <a:latin typeface="Arial" panose="020B0604020202020204" pitchFamily="34" charset="0"/>
+                <a:cs typeface="Arial" panose="020B0604020202020204" pitchFamily="34" charset="0"/>
+              </a:rPr>
+              <a:t>, ориентирана към микро </a:t>
+            </a:r>
+            <a:r>
+              <a:rPr lang="ru-RU" sz="1100" spc="-55" dirty="0" smtClean="0">
+                <a:latin typeface="Arial" panose="020B0604020202020204" pitchFamily="34" charset="0"/>
+                <a:cs typeface="Arial" panose="020B0604020202020204" pitchFamily="34" charset="0"/>
+              </a:rPr>
+              <a:t>услуги</a:t>
+            </a:r>
+            <a:r>
+              <a:rPr lang="ru-RU" sz="1100" spc="-45" dirty="0">
+                <a:latin typeface="Arial" panose="020B0604020202020204" pitchFamily="34" charset="0"/>
+                <a:cs typeface="Arial" panose="020B0604020202020204" pitchFamily="34" charset="0"/>
               </a:rPr>
               <a:t> </a:t>
             </a:r>
             <a:r>
-              <a:rPr sz="1100" spc="-45" dirty="0">
-                <a:latin typeface="Arial"/>
-                <a:cs typeface="Arial"/>
-              </a:rPr>
-              <a:t>екрана.</a:t>
-            </a:r>
-            <a:endParaRPr sz="1100">
-              <a:latin typeface="Arial"/>
-              <a:cs typeface="Arial"/>
+              <a:rPr lang="ru-RU" sz="1100" spc="-45" dirty="0" smtClean="0">
+                <a:latin typeface="Arial" panose="020B0604020202020204" pitchFamily="34" charset="0"/>
+                <a:cs typeface="Arial" panose="020B0604020202020204" pitchFamily="34" charset="0"/>
+              </a:rPr>
+              <a:t>(</a:t>
+            </a:r>
+            <a:r>
+              <a:rPr lang="en-US" sz="1100" spc="-45" dirty="0">
+                <a:latin typeface="Arial" panose="020B0604020202020204" pitchFamily="34" charset="0"/>
+                <a:cs typeface="Arial" panose="020B0604020202020204" pitchFamily="34" charset="0"/>
+              </a:rPr>
+              <a:t>micro-service oriented </a:t>
+            </a:r>
+            <a:r>
+              <a:rPr lang="en-US" sz="1100" spc="-45" dirty="0" smtClean="0">
+                <a:latin typeface="Arial" panose="020B0604020202020204" pitchFamily="34" charset="0"/>
+                <a:cs typeface="Arial" panose="020B0604020202020204" pitchFamily="34" charset="0"/>
+              </a:rPr>
+              <a:t>architecture</a:t>
+            </a:r>
+            <a:r>
+              <a:rPr lang="bg-BG" sz="1100" spc="-45" dirty="0" smtClean="0">
+                <a:latin typeface="Arial" panose="020B0604020202020204" pitchFamily="34" charset="0"/>
+                <a:cs typeface="Arial" panose="020B0604020202020204" pitchFamily="34" charset="0"/>
+              </a:rPr>
+              <a:t>).</a:t>
+            </a:r>
+            <a:br>
+              <a:rPr lang="bg-BG" sz="1100" spc="-45" dirty="0" smtClean="0">
+                <a:latin typeface="Arial" panose="020B0604020202020204" pitchFamily="34" charset="0"/>
+                <a:cs typeface="Arial" panose="020B0604020202020204" pitchFamily="34" charset="0"/>
+              </a:rPr>
+            </a:br>
+            <a:r>
+              <a:rPr lang="bg-BG" sz="1100" spc="-45" dirty="0">
+                <a:latin typeface="Arial" panose="020B0604020202020204" pitchFamily="34" charset="0"/>
+                <a:cs typeface="Arial" panose="020B0604020202020204" pitchFamily="34" charset="0"/>
+              </a:rPr>
+              <a:t>Имплементирана е чрез множество автономни уеб </a:t>
+            </a:r>
+            <a:r>
+              <a:rPr lang="bg-BG" sz="1100" spc="-45" dirty="0" smtClean="0">
+                <a:latin typeface="Arial" panose="020B0604020202020204" pitchFamily="34" charset="0"/>
+                <a:cs typeface="Arial" panose="020B0604020202020204" pitchFamily="34" charset="0"/>
+              </a:rPr>
+              <a:t>услуги</a:t>
+            </a:r>
+            <a:r>
+              <a:rPr lang="en-US" sz="1100" spc="-45" dirty="0">
+                <a:latin typeface="Arial" panose="020B0604020202020204" pitchFamily="34" charset="0"/>
+                <a:cs typeface="Arial" panose="020B0604020202020204" pitchFamily="34" charset="0"/>
+              </a:rPr>
+              <a:t> (web </a:t>
+            </a:r>
+            <a:r>
+              <a:rPr lang="en-US" sz="1100" spc="-45" dirty="0" smtClean="0">
+                <a:latin typeface="Arial" panose="020B0604020202020204" pitchFamily="34" charset="0"/>
+                <a:cs typeface="Arial" panose="020B0604020202020204" pitchFamily="34" charset="0"/>
+              </a:rPr>
+              <a:t>services).</a:t>
+            </a:r>
+            <a:endParaRPr sz="1100" dirty="0" smtClean="0">
+              <a:latin typeface="Arial" panose="020B0604020202020204" pitchFamily="34" charset="0"/>
+              <a:cs typeface="Arial" panose="020B0604020202020204" pitchFamily="34" charset="0"/>
             </a:endParaRPr>
           </a:p>
           <a:p>
@@ -4036,73 +3780,52 @@
               </a:tabLst>
             </a:pPr>
             <a:r>
-              <a:rPr sz="1100" spc="-65" dirty="0">
-                <a:latin typeface="Arial"/>
-                <a:cs typeface="Arial"/>
-              </a:rPr>
-              <a:t>Техническа </a:t>
-            </a:r>
-            <a:r>
-              <a:rPr sz="1100" spc="-40" dirty="0">
-                <a:latin typeface="Arial"/>
-                <a:cs typeface="Arial"/>
-              </a:rPr>
-              <a:t>документация: </a:t>
-            </a:r>
-            <a:r>
-              <a:rPr sz="1100" spc="-55" dirty="0">
-                <a:latin typeface="Arial"/>
-                <a:cs typeface="Arial"/>
-              </a:rPr>
-              <a:t>архитектура, </a:t>
-            </a:r>
-            <a:r>
-              <a:rPr sz="1100" spc="-40" dirty="0">
-                <a:latin typeface="Arial"/>
-                <a:cs typeface="Arial"/>
-              </a:rPr>
-              <a:t>дизайн </a:t>
-            </a:r>
-            <a:r>
-              <a:rPr sz="1100" spc="-55" dirty="0">
-                <a:latin typeface="Arial"/>
-                <a:cs typeface="Arial"/>
-              </a:rPr>
-              <a:t>решения, </a:t>
-            </a:r>
-            <a:r>
-              <a:rPr sz="1100" spc="-45" dirty="0">
-                <a:latin typeface="Arial"/>
-                <a:cs typeface="Arial"/>
-              </a:rPr>
-              <a:t>използвани </a:t>
-            </a:r>
-            <a:r>
-              <a:rPr sz="1100" spc="-50" dirty="0">
-                <a:latin typeface="Arial"/>
-                <a:cs typeface="Arial"/>
-              </a:rPr>
-              <a:t>технологии,  </a:t>
-            </a:r>
-            <a:r>
-              <a:rPr sz="1100" spc="-35" dirty="0">
-                <a:latin typeface="Arial"/>
-                <a:cs typeface="Arial"/>
-              </a:rPr>
-              <a:t>други.</a:t>
-            </a:r>
-            <a:endParaRPr sz="1100">
-              <a:latin typeface="Arial"/>
-              <a:cs typeface="Arial"/>
+              <a:rPr lang="ru-RU" sz="1100" spc="-65" dirty="0" smtClean="0">
+                <a:latin typeface="Arial" panose="020B0604020202020204" pitchFamily="34" charset="0"/>
+                <a:cs typeface="Arial" panose="020B0604020202020204" pitchFamily="34" charset="0"/>
+              </a:rPr>
+              <a:t>В </a:t>
+            </a:r>
+            <a:r>
+              <a:rPr lang="bg-BG" sz="1100" spc="-65" dirty="0" smtClean="0">
+                <a:latin typeface="Arial" panose="020B0604020202020204" pitchFamily="34" charset="0"/>
+                <a:cs typeface="Arial" panose="020B0604020202020204" pitchFamily="34" charset="0"/>
+              </a:rPr>
+              <a:t>различните</a:t>
+            </a:r>
+            <a:r>
+              <a:rPr lang="ru-RU" sz="1100" spc="-65" dirty="0" smtClean="0">
+                <a:latin typeface="Arial" panose="020B0604020202020204" pitchFamily="34" charset="0"/>
+                <a:cs typeface="Arial" panose="020B0604020202020204" pitchFamily="34" charset="0"/>
+              </a:rPr>
+              <a:t> микро-услуги </a:t>
+            </a:r>
+            <a:r>
+              <a:rPr lang="ru-RU" sz="1100" spc="-65" dirty="0">
+                <a:latin typeface="Arial" panose="020B0604020202020204" pitchFamily="34" charset="0"/>
+                <a:cs typeface="Arial" panose="020B0604020202020204" pitchFamily="34" charset="0"/>
+              </a:rPr>
+              <a:t>се прилагат различни подходи (прости CRUD спрямо DDD / CQRS </a:t>
+            </a:r>
+            <a:r>
+              <a:rPr lang="ru-RU" sz="1100" spc="-65" dirty="0" smtClean="0">
+                <a:latin typeface="Arial" panose="020B0604020202020204" pitchFamily="34" charset="0"/>
+                <a:cs typeface="Arial" panose="020B0604020202020204" pitchFamily="34" charset="0"/>
+              </a:rPr>
+              <a:t>шаблони) според необходимостта и функционалността.</a:t>
+            </a:r>
+            <a:endParaRPr lang="en-US" sz="1100" spc="-65" dirty="0" smtClean="0">
+              <a:latin typeface="Arial" panose="020B0604020202020204" pitchFamily="34" charset="0"/>
+              <a:cs typeface="Arial" panose="020B0604020202020204" pitchFamily="34" charset="0"/>
             </a:endParaRPr>
           </a:p>
           <a:p>
-            <a:pPr marL="469265" indent="-228600">
+            <a:pPr marL="469265" marR="38100" indent="-228600">
               <a:lnSpc>
-                <a:spcPct val="100000"/>
+                <a:spcPct val="117300"/>
               </a:lnSpc>
               <a:spcBef>
-                <a:spcPts val="275"/>
+                <a:spcPts val="45"/>
               </a:spcBef>
               <a:buFont typeface="Symbol"/>
               <a:buChar char=""/>
@@ -4112,55 +3835,1378 @@
               </a:tabLst>
             </a:pPr>
             <a:r>
-              <a:rPr sz="1100" spc="-50" dirty="0">
-                <a:latin typeface="Arial"/>
-                <a:cs typeface="Arial"/>
-              </a:rPr>
-              <a:t>Друга </a:t>
-            </a:r>
-            <a:r>
-              <a:rPr sz="1100" spc="-55" dirty="0">
-                <a:latin typeface="Arial"/>
-                <a:cs typeface="Arial"/>
-              </a:rPr>
-              <a:t>информация, </a:t>
-            </a:r>
-            <a:r>
-              <a:rPr sz="1100" spc="-65" dirty="0">
-                <a:latin typeface="Arial"/>
-                <a:cs typeface="Arial"/>
-              </a:rPr>
-              <a:t>свързана </a:t>
-            </a:r>
-            <a:r>
-              <a:rPr sz="1100" spc="-85" dirty="0">
-                <a:latin typeface="Arial"/>
-                <a:cs typeface="Arial"/>
-              </a:rPr>
-              <a:t>с</a:t>
-            </a:r>
-            <a:r>
-              <a:rPr sz="1100" spc="-80" dirty="0">
-                <a:latin typeface="Arial"/>
-                <a:cs typeface="Arial"/>
-              </a:rPr>
-              <a:t> </a:t>
-            </a:r>
-            <a:r>
-              <a:rPr sz="1100" spc="-40" dirty="0">
-                <a:latin typeface="Arial"/>
-                <a:cs typeface="Arial"/>
-              </a:rPr>
-              <a:t>проекта.</a:t>
-            </a:r>
-            <a:endParaRPr sz="1100">
-              <a:latin typeface="Arial"/>
-              <a:cs typeface="Arial"/>
+              <a:rPr lang="ru-RU" sz="1100" spc="-50" dirty="0">
+                <a:latin typeface="Arial" panose="020B0604020202020204" pitchFamily="34" charset="0"/>
+                <a:cs typeface="Arial" panose="020B0604020202020204" pitchFamily="34" charset="0"/>
+              </a:rPr>
+              <a:t>HTTP е комуникационният протокол между </a:t>
+            </a:r>
+            <a:r>
+              <a:rPr lang="ru-RU" sz="1100" spc="-50" dirty="0" smtClean="0">
+                <a:latin typeface="Arial" panose="020B0604020202020204" pitchFamily="34" charset="0"/>
+                <a:cs typeface="Arial" panose="020B0604020202020204" pitchFamily="34" charset="0"/>
+              </a:rPr>
+              <a:t>клиентските приложения </a:t>
+            </a:r>
+            <a:r>
+              <a:rPr lang="ru-RU" sz="1100" spc="-50" dirty="0">
+                <a:latin typeface="Arial" panose="020B0604020202020204" pitchFamily="34" charset="0"/>
+                <a:cs typeface="Arial" panose="020B0604020202020204" pitchFamily="34" charset="0"/>
+              </a:rPr>
+              <a:t>и микро услугите</a:t>
+            </a:r>
+            <a:r>
+              <a:rPr lang="ru-RU" sz="1100" spc="-50" dirty="0" smtClean="0">
+                <a:latin typeface="Arial" panose="020B0604020202020204" pitchFamily="34" charset="0"/>
+                <a:cs typeface="Arial" panose="020B0604020202020204" pitchFamily="34" charset="0"/>
+              </a:rPr>
+              <a:t>. За изпращането на имейли и изработването на репорти се използва асинхронна комуникация чрез </a:t>
+            </a:r>
+            <a:r>
+              <a:rPr lang="en-US" sz="1100" dirty="0" err="1" smtClean="0"/>
+              <a:t>RabbitMQ</a:t>
+            </a:r>
+            <a:r>
+              <a:rPr lang="bg-BG" sz="1100" dirty="0" smtClean="0"/>
+              <a:t>.</a:t>
+            </a:r>
+            <a:endParaRPr sz="1100" dirty="0">
+              <a:latin typeface="Arial" panose="020B0604020202020204" pitchFamily="34" charset="0"/>
+              <a:cs typeface="Arial" panose="020B0604020202020204" pitchFamily="34" charset="0"/>
             </a:endParaRPr>
           </a:p>
         </p:txBody>
       </p:sp>
     </p:spTree>
+  </p:cSld>
+  <p:clrMapOvr>
+    <a:masterClrMapping/>
+  </p:clrMapOvr>
+</p:sld>
+</file>
+
+<file path=ppt/slides/slide4.xml><?xml version="1.0" encoding="utf-8"?>
+<p:sld xmlns:a="http://schemas.openxmlformats.org/drawingml/2006/main" xmlns:r="http://schemas.openxmlformats.org/officeDocument/2006/relationships" xmlns:p="http://schemas.openxmlformats.org/presentationml/2006/main">
+  <p:cSld>
+    <p:spTree>
+      <p:nvGrpSpPr>
+        <p:cNvPr id="1" name=""/>
+        <p:cNvGrpSpPr/>
+        <p:nvPr/>
+      </p:nvGrpSpPr>
+      <p:grpSpPr>
+        <a:xfrm>
+          <a:off x="0" y="0"/>
+          <a:ext cx="0" cy="0"/>
+          <a:chOff x="0" y="0"/>
+          <a:chExt cx="0" cy="0"/>
+        </a:xfrm>
+      </p:grpSpPr>
+      <p:pic>
+        <p:nvPicPr>
+          <p:cNvPr id="11" name="Picture 10"/>
+          <p:cNvPicPr>
+            <a:picLocks noChangeAspect="1"/>
+          </p:cNvPicPr>
+          <p:nvPr/>
+        </p:nvPicPr>
+        <p:blipFill>
+          <a:blip r:embed="rId2">
+            <a:extLst>
+              <a:ext uri="{28A0092B-C50C-407E-A947-70E740481C1C}">
+                <a14:useLocalDpi xmlns:a14="http://schemas.microsoft.com/office/drawing/2010/main" val="0"/>
+              </a:ext>
+            </a:extLst>
+          </a:blip>
+          <a:stretch>
+            <a:fillRect/>
+          </a:stretch>
+        </p:blipFill>
+        <p:spPr>
+          <a:xfrm rot="5400000">
+            <a:off x="-1648794" y="1627807"/>
+            <a:ext cx="10854088" cy="7556502"/>
+          </a:xfrm>
+          <a:prstGeom prst="rect">
+            <a:avLst/>
+          </a:prstGeom>
+        </p:spPr>
+      </p:pic>
+      <p:sp>
+        <p:nvSpPr>
+          <p:cNvPr id="12" name="Rectangle 11"/>
+          <p:cNvSpPr/>
+          <p:nvPr/>
+        </p:nvSpPr>
+        <p:spPr>
+          <a:xfrm>
+            <a:off x="44450" y="2755900"/>
+            <a:ext cx="7467600" cy="1323439"/>
+          </a:xfrm>
+          <a:prstGeom prst="rect">
+            <a:avLst/>
+          </a:prstGeom>
+        </p:spPr>
+        <p:txBody>
+          <a:bodyPr wrap="square">
+            <a:spAutoFit/>
+          </a:bodyPr>
+          <a:lstStyle/>
+          <a:p>
+            <a:pPr algn="ctr"/>
+            <a:r>
+              <a:rPr lang="en-US" sz="4000" b="1" cap="none" spc="0" dirty="0" smtClean="0">
+                <a:ln w="12700">
+                  <a:solidFill>
+                    <a:schemeClr val="tx2">
+                      <a:lumMod val="75000"/>
+                    </a:schemeClr>
+                  </a:solidFill>
+                  <a:prstDash val="solid"/>
+                </a:ln>
+                <a:pattFill prst="dkUpDiag">
+                  <a:fgClr>
+                    <a:schemeClr val="tx2"/>
+                  </a:fgClr>
+                  <a:bgClr>
+                    <a:schemeClr val="tx2">
+                      <a:lumMod val="20000"/>
+                      <a:lumOff val="80000"/>
+                    </a:schemeClr>
+                  </a:bgClr>
+                </a:pattFill>
+                <a:effectLst>
+                  <a:outerShdw dist="38100" dir="2640000" algn="bl" rotWithShape="0">
+                    <a:schemeClr val="tx2">
+                      <a:lumMod val="75000"/>
+                    </a:schemeClr>
+                  </a:outerShdw>
+                </a:effectLst>
+              </a:rPr>
+              <a:t>Command and Query Responsibility Segregation</a:t>
+            </a:r>
+          </a:p>
+        </p:txBody>
+      </p:sp>
+      <p:pic>
+        <p:nvPicPr>
+          <p:cNvPr id="13" name="Picture 12"/>
+          <p:cNvPicPr>
+            <a:picLocks noChangeAspect="1"/>
+          </p:cNvPicPr>
+          <p:nvPr/>
+        </p:nvPicPr>
+        <p:blipFill>
+          <a:blip r:embed="rId3"/>
+          <a:stretch>
+            <a:fillRect/>
+          </a:stretch>
+        </p:blipFill>
+        <p:spPr>
+          <a:xfrm>
+            <a:off x="514350" y="4889500"/>
+            <a:ext cx="6527799" cy="1417421"/>
+          </a:xfrm>
+          <a:prstGeom prst="rect">
+            <a:avLst/>
+          </a:prstGeom>
+        </p:spPr>
+      </p:pic>
+      <p:sp>
+        <p:nvSpPr>
+          <p:cNvPr id="14" name="Rectangle 13"/>
+          <p:cNvSpPr/>
+          <p:nvPr/>
+        </p:nvSpPr>
+        <p:spPr>
+          <a:xfrm>
+            <a:off x="2778071" y="4268337"/>
+            <a:ext cx="2000356" cy="369332"/>
+          </a:xfrm>
+          <a:prstGeom prst="rect">
+            <a:avLst/>
+          </a:prstGeom>
+        </p:spPr>
+        <p:txBody>
+          <a:bodyPr wrap="none">
+            <a:spAutoFit/>
+          </a:bodyPr>
+          <a:lstStyle/>
+          <a:p>
+            <a:r>
+              <a:rPr lang="en-US" dirty="0" err="1"/>
+              <a:t>Осъществено</a:t>
+            </a:r>
+            <a:r>
+              <a:rPr lang="en-US" dirty="0"/>
+              <a:t> </a:t>
+            </a:r>
+            <a:r>
+              <a:rPr lang="en-US" dirty="0" err="1"/>
+              <a:t>чрез</a:t>
+            </a:r>
+            <a:endParaRPr lang="en-US" dirty="0"/>
+          </a:p>
+        </p:txBody>
+      </p:sp>
+    </p:spTree>
+    <p:extLst>
+      <p:ext uri="{BB962C8B-B14F-4D97-AF65-F5344CB8AC3E}">
+        <p14:creationId xmlns:p14="http://schemas.microsoft.com/office/powerpoint/2010/main" val="257028954"/>
+      </p:ext>
+    </p:extLst>
+  </p:cSld>
+  <p:clrMapOvr>
+    <a:masterClrMapping/>
+  </p:clrMapOvr>
+</p:sld>
+</file>
+
+<file path=ppt/slides/slide5.xml><?xml version="1.0" encoding="utf-8"?>
+<p:sld xmlns:a="http://schemas.openxmlformats.org/drawingml/2006/main" xmlns:r="http://schemas.openxmlformats.org/officeDocument/2006/relationships" xmlns:p="http://schemas.openxmlformats.org/presentationml/2006/main">
+  <p:cSld>
+    <p:spTree>
+      <p:nvGrpSpPr>
+        <p:cNvPr id="1" name=""/>
+        <p:cNvGrpSpPr/>
+        <p:nvPr/>
+      </p:nvGrpSpPr>
+      <p:grpSpPr>
+        <a:xfrm>
+          <a:off x="0" y="0"/>
+          <a:ext cx="0" cy="0"/>
+          <a:chOff x="0" y="0"/>
+          <a:chExt cx="0" cy="0"/>
+        </a:xfrm>
+      </p:grpSpPr>
+      <p:pic>
+        <p:nvPicPr>
+          <p:cNvPr id="2" name="Picture 1"/>
+          <p:cNvPicPr>
+            <a:picLocks noChangeAspect="1"/>
+          </p:cNvPicPr>
+          <p:nvPr/>
+        </p:nvPicPr>
+        <p:blipFill>
+          <a:blip r:embed="rId2"/>
+          <a:stretch>
+            <a:fillRect/>
+          </a:stretch>
+        </p:blipFill>
+        <p:spPr>
+          <a:xfrm>
+            <a:off x="1111250" y="165100"/>
+            <a:ext cx="5248275" cy="4800600"/>
+          </a:xfrm>
+          <a:prstGeom prst="rect">
+            <a:avLst/>
+          </a:prstGeom>
+        </p:spPr>
+      </p:pic>
+    </p:spTree>
+    <p:extLst>
+      <p:ext uri="{BB962C8B-B14F-4D97-AF65-F5344CB8AC3E}">
+        <p14:creationId xmlns:p14="http://schemas.microsoft.com/office/powerpoint/2010/main" val="4228480554"/>
+      </p:ext>
+    </p:extLst>
+  </p:cSld>
+  <p:clrMapOvr>
+    <a:masterClrMapping/>
+  </p:clrMapOvr>
+</p:sld>
+</file>
+
+<file path=ppt/slides/slide6.xml><?xml version="1.0" encoding="utf-8"?>
+<p:sld xmlns:a="http://schemas.openxmlformats.org/drawingml/2006/main" xmlns:r="http://schemas.openxmlformats.org/officeDocument/2006/relationships" xmlns:p="http://schemas.openxmlformats.org/presentationml/2006/main">
+  <p:cSld>
+    <p:spTree>
+      <p:nvGrpSpPr>
+        <p:cNvPr id="1" name=""/>
+        <p:cNvGrpSpPr/>
+        <p:nvPr/>
+      </p:nvGrpSpPr>
+      <p:grpSpPr>
+        <a:xfrm>
+          <a:off x="0" y="0"/>
+          <a:ext cx="0" cy="0"/>
+          <a:chOff x="0" y="0"/>
+          <a:chExt cx="0" cy="0"/>
+        </a:xfrm>
+      </p:grpSpPr>
+      <p:pic>
+        <p:nvPicPr>
+          <p:cNvPr id="18" name="Picture 17"/>
+          <p:cNvPicPr>
+            <a:picLocks noChangeAspect="1"/>
+          </p:cNvPicPr>
+          <p:nvPr/>
+        </p:nvPicPr>
+        <p:blipFill>
+          <a:blip r:embed="rId2">
+            <a:extLst>
+              <a:ext uri="{28A0092B-C50C-407E-A947-70E740481C1C}">
+                <a14:useLocalDpi xmlns:a14="http://schemas.microsoft.com/office/drawing/2010/main" val="0"/>
+              </a:ext>
+            </a:extLst>
+          </a:blip>
+          <a:stretch>
+            <a:fillRect/>
+          </a:stretch>
+        </p:blipFill>
+        <p:spPr>
+          <a:xfrm rot="16200000">
+            <a:off x="-1648795" y="1628607"/>
+            <a:ext cx="10854088" cy="7556502"/>
+          </a:xfrm>
+          <a:prstGeom prst="rect">
+            <a:avLst/>
+          </a:prstGeom>
+        </p:spPr>
+      </p:pic>
+      <p:sp>
+        <p:nvSpPr>
+          <p:cNvPr id="19" name="Content Placeholder 2"/>
+          <p:cNvSpPr txBox="1">
+            <a:spLocks/>
+          </p:cNvSpPr>
+          <p:nvPr/>
+        </p:nvSpPr>
+        <p:spPr>
+          <a:xfrm>
+            <a:off x="1971832" y="1278731"/>
+            <a:ext cx="3781353" cy="772051"/>
+          </a:xfrm>
+          <a:prstGeom prst="rect">
+            <a:avLst/>
+          </a:prstGeom>
+        </p:spPr>
+        <p:txBody>
+          <a:bodyPr>
+            <a:noAutofit/>
+          </a:bodyPr>
+          <a:lstStyle>
+            <a:lvl1pPr marL="0">
+              <a:defRPr>
+                <a:latin typeface="+mn-lt"/>
+                <a:ea typeface="+mn-ea"/>
+                <a:cs typeface="+mn-cs"/>
+              </a:defRPr>
+            </a:lvl1pPr>
+            <a:lvl2pPr marL="457200">
+              <a:defRPr>
+                <a:latin typeface="+mn-lt"/>
+                <a:ea typeface="+mn-ea"/>
+                <a:cs typeface="+mn-cs"/>
+              </a:defRPr>
+            </a:lvl2pPr>
+            <a:lvl3pPr marL="914400">
+              <a:defRPr>
+                <a:latin typeface="+mn-lt"/>
+                <a:ea typeface="+mn-ea"/>
+                <a:cs typeface="+mn-cs"/>
+              </a:defRPr>
+            </a:lvl3pPr>
+            <a:lvl4pPr marL="1371600">
+              <a:defRPr>
+                <a:latin typeface="+mn-lt"/>
+                <a:ea typeface="+mn-ea"/>
+                <a:cs typeface="+mn-cs"/>
+              </a:defRPr>
+            </a:lvl4pPr>
+            <a:lvl5pPr marL="1828800">
+              <a:defRPr>
+                <a:latin typeface="+mn-lt"/>
+                <a:ea typeface="+mn-ea"/>
+                <a:cs typeface="+mn-cs"/>
+              </a:defRPr>
+            </a:lvl5pPr>
+            <a:lvl6pPr marL="2286000">
+              <a:defRPr>
+                <a:latin typeface="+mn-lt"/>
+                <a:ea typeface="+mn-ea"/>
+                <a:cs typeface="+mn-cs"/>
+              </a:defRPr>
+            </a:lvl6pPr>
+            <a:lvl7pPr marL="2743200">
+              <a:defRPr>
+                <a:latin typeface="+mn-lt"/>
+                <a:ea typeface="+mn-ea"/>
+                <a:cs typeface="+mn-cs"/>
+              </a:defRPr>
+            </a:lvl7pPr>
+            <a:lvl8pPr marL="3200400">
+              <a:defRPr>
+                <a:latin typeface="+mn-lt"/>
+                <a:ea typeface="+mn-ea"/>
+                <a:cs typeface="+mn-cs"/>
+              </a:defRPr>
+            </a:lvl8pPr>
+            <a:lvl9pPr marL="3657600">
+              <a:defRPr>
+                <a:latin typeface="+mn-lt"/>
+                <a:ea typeface="+mn-ea"/>
+                <a:cs typeface="+mn-cs"/>
+              </a:defRPr>
+            </a:lvl9pPr>
+          </a:lstStyle>
+          <a:p>
+            <a:pPr algn="just"/>
+            <a:r>
+              <a:rPr lang="en-US" sz="4000" b="1" kern="0" dirty="0" smtClean="0">
+                <a:ln w="12700">
+                  <a:solidFill>
+                    <a:schemeClr val="tx2">
+                      <a:lumMod val="75000"/>
+                    </a:schemeClr>
+                  </a:solidFill>
+                  <a:prstDash val="solid"/>
+                </a:ln>
+                <a:pattFill prst="dkUpDiag">
+                  <a:fgClr>
+                    <a:schemeClr val="tx2"/>
+                  </a:fgClr>
+                  <a:bgClr>
+                    <a:schemeClr val="tx2">
+                      <a:lumMod val="20000"/>
+                      <a:lumOff val="80000"/>
+                    </a:schemeClr>
+                  </a:bgClr>
+                </a:pattFill>
+                <a:effectLst>
+                  <a:outerShdw dist="38100" dir="2640000" algn="bl" rotWithShape="0">
+                    <a:schemeClr val="tx2">
+                      <a:lumMod val="75000"/>
+                    </a:schemeClr>
+                  </a:outerShdw>
+                </a:effectLst>
+              </a:rPr>
+              <a:t>Event Sourcing</a:t>
+            </a:r>
+            <a:endParaRPr lang="en-US" sz="4000" kern="0" dirty="0">
+              <a:solidFill>
+                <a:sysClr val="windowText" lastClr="000000"/>
+              </a:solidFill>
+            </a:endParaRPr>
+          </a:p>
+        </p:txBody>
+      </p:sp>
+      <p:sp>
+        <p:nvSpPr>
+          <p:cNvPr id="20" name="TextBox 2"/>
+          <p:cNvSpPr txBox="1"/>
+          <p:nvPr/>
+        </p:nvSpPr>
+        <p:spPr>
+          <a:xfrm>
+            <a:off x="2635250" y="2364281"/>
+            <a:ext cx="4768850" cy="2308324"/>
+          </a:xfrm>
+          <a:prstGeom prst="rect">
+            <a:avLst/>
+          </a:prstGeom>
+          <a:noFill/>
+        </p:spPr>
+        <p:txBody>
+          <a:bodyPr wrap="square" rtlCol="0">
+            <a:spAutoFit/>
+          </a:bodyPr>
+          <a:lstStyle>
+            <a:defPPr>
+              <a:defRPr lang="en-US"/>
+            </a:defPPr>
+            <a:lvl1pPr marL="0" algn="l" defTabSz="914400" rtl="0" eaLnBrk="1" latinLnBrk="0" hangingPunct="1">
+              <a:defRPr sz="1800" kern="1200">
+                <a:solidFill>
+                  <a:schemeClr val="tx1"/>
+                </a:solidFill>
+                <a:latin typeface="+mn-lt"/>
+                <a:ea typeface="+mn-ea"/>
+                <a:cs typeface="+mn-cs"/>
+              </a:defRPr>
+            </a:lvl1pPr>
+            <a:lvl2pPr marL="457200" algn="l" defTabSz="914400" rtl="0" eaLnBrk="1" latinLnBrk="0" hangingPunct="1">
+              <a:defRPr sz="1800" kern="1200">
+                <a:solidFill>
+                  <a:schemeClr val="tx1"/>
+                </a:solidFill>
+                <a:latin typeface="+mn-lt"/>
+                <a:ea typeface="+mn-ea"/>
+                <a:cs typeface="+mn-cs"/>
+              </a:defRPr>
+            </a:lvl2pPr>
+            <a:lvl3pPr marL="914400" algn="l" defTabSz="914400" rtl="0" eaLnBrk="1" latinLnBrk="0" hangingPunct="1">
+              <a:defRPr sz="1800" kern="1200">
+                <a:solidFill>
+                  <a:schemeClr val="tx1"/>
+                </a:solidFill>
+                <a:latin typeface="+mn-lt"/>
+                <a:ea typeface="+mn-ea"/>
+                <a:cs typeface="+mn-cs"/>
+              </a:defRPr>
+            </a:lvl3pPr>
+            <a:lvl4pPr marL="1371600" algn="l" defTabSz="914400" rtl="0" eaLnBrk="1" latinLnBrk="0" hangingPunct="1">
+              <a:defRPr sz="1800" kern="1200">
+                <a:solidFill>
+                  <a:schemeClr val="tx1"/>
+                </a:solidFill>
+                <a:latin typeface="+mn-lt"/>
+                <a:ea typeface="+mn-ea"/>
+                <a:cs typeface="+mn-cs"/>
+              </a:defRPr>
+            </a:lvl4pPr>
+            <a:lvl5pPr marL="1828800" algn="l" defTabSz="914400" rtl="0" eaLnBrk="1" latinLnBrk="0" hangingPunct="1">
+              <a:defRPr sz="1800" kern="1200">
+                <a:solidFill>
+                  <a:schemeClr val="tx1"/>
+                </a:solidFill>
+                <a:latin typeface="+mn-lt"/>
+                <a:ea typeface="+mn-ea"/>
+                <a:cs typeface="+mn-cs"/>
+              </a:defRPr>
+            </a:lvl5pPr>
+            <a:lvl6pPr marL="2286000" algn="l" defTabSz="914400" rtl="0" eaLnBrk="1" latinLnBrk="0" hangingPunct="1">
+              <a:defRPr sz="1800" kern="1200">
+                <a:solidFill>
+                  <a:schemeClr val="tx1"/>
+                </a:solidFill>
+                <a:latin typeface="+mn-lt"/>
+                <a:ea typeface="+mn-ea"/>
+                <a:cs typeface="+mn-cs"/>
+              </a:defRPr>
+            </a:lvl6pPr>
+            <a:lvl7pPr marL="2743200" algn="l" defTabSz="914400" rtl="0" eaLnBrk="1" latinLnBrk="0" hangingPunct="1">
+              <a:defRPr sz="1800" kern="1200">
+                <a:solidFill>
+                  <a:schemeClr val="tx1"/>
+                </a:solidFill>
+                <a:latin typeface="+mn-lt"/>
+                <a:ea typeface="+mn-ea"/>
+                <a:cs typeface="+mn-cs"/>
+              </a:defRPr>
+            </a:lvl7pPr>
+            <a:lvl8pPr marL="3200400" algn="l" defTabSz="914400" rtl="0" eaLnBrk="1" latinLnBrk="0" hangingPunct="1">
+              <a:defRPr sz="1800" kern="1200">
+                <a:solidFill>
+                  <a:schemeClr val="tx1"/>
+                </a:solidFill>
+                <a:latin typeface="+mn-lt"/>
+                <a:ea typeface="+mn-ea"/>
+                <a:cs typeface="+mn-cs"/>
+              </a:defRPr>
+            </a:lvl8pPr>
+            <a:lvl9pPr marL="3657600" algn="l" defTabSz="914400" rtl="0" eaLnBrk="1" latinLnBrk="0" hangingPunct="1">
+              <a:defRPr sz="1800" kern="1200">
+                <a:solidFill>
+                  <a:schemeClr val="tx1"/>
+                </a:solidFill>
+                <a:latin typeface="+mn-lt"/>
+                <a:ea typeface="+mn-ea"/>
+                <a:cs typeface="+mn-cs"/>
+              </a:defRPr>
+            </a:lvl9pPr>
+          </a:lstStyle>
+          <a:p>
+            <a:pPr marL="342900" indent="-342900" algn="just">
+              <a:buAutoNum type="arabicPeriod"/>
+            </a:pPr>
+            <a:r>
+              <a:rPr lang="ru-RU" dirty="0"/>
+              <a:t>Внедряване на ориентирана към събития </a:t>
+            </a:r>
+            <a:r>
+              <a:rPr lang="ru-RU" dirty="0" smtClean="0"/>
+              <a:t>архитектура</a:t>
+            </a:r>
+            <a:r>
+              <a:rPr lang="en-US" dirty="0"/>
+              <a:t> (event-driven </a:t>
+            </a:r>
+            <a:r>
+              <a:rPr lang="en-US" dirty="0" smtClean="0"/>
+              <a:t>architecture)</a:t>
+            </a:r>
+            <a:r>
+              <a:rPr lang="ru-RU" dirty="0" smtClean="0"/>
+              <a:t> </a:t>
+            </a:r>
+            <a:r>
+              <a:rPr lang="ru-RU" dirty="0"/>
+              <a:t>и дава възможност за надеждно </a:t>
+            </a:r>
+            <a:r>
+              <a:rPr lang="ru-RU" dirty="0" smtClean="0"/>
+              <a:t>публикуване</a:t>
+            </a:r>
+            <a:r>
+              <a:rPr lang="en-US" dirty="0" smtClean="0"/>
+              <a:t> </a:t>
+            </a:r>
+            <a:r>
+              <a:rPr lang="bg-BG" dirty="0" smtClean="0"/>
+              <a:t>и съхраняване</a:t>
+            </a:r>
+            <a:r>
+              <a:rPr lang="ru-RU" dirty="0" smtClean="0"/>
+              <a:t> </a:t>
+            </a:r>
+            <a:r>
+              <a:rPr lang="ru-RU" dirty="0"/>
+              <a:t>на </a:t>
+            </a:r>
+            <a:r>
+              <a:rPr lang="ru-RU" dirty="0" smtClean="0"/>
+              <a:t>събития</a:t>
+            </a:r>
+          </a:p>
+          <a:p>
+            <a:pPr marL="342900" indent="-342900" algn="just">
+              <a:buAutoNum type="arabicPeriod"/>
+            </a:pPr>
+            <a:r>
+              <a:rPr lang="ru-RU" dirty="0"/>
+              <a:t>Осигурява 100% надежден дневник за одит на промените, направени в бизнес субект (Много полезно за отчети</a:t>
+            </a:r>
+            <a:r>
+              <a:rPr lang="ru-RU" dirty="0" smtClean="0"/>
+              <a:t>)</a:t>
+            </a:r>
+          </a:p>
+          <a:p>
+            <a:pPr marL="342900" indent="-342900" algn="just">
+              <a:buAutoNum type="arabicPeriod"/>
+            </a:pPr>
+            <a:r>
+              <a:rPr lang="bg-BG" dirty="0"/>
+              <a:t>Осъществено </a:t>
+            </a:r>
+            <a:r>
+              <a:rPr lang="bg-BG" dirty="0" smtClean="0"/>
+              <a:t>чрез:</a:t>
+            </a:r>
+            <a:endParaRPr lang="en-US" dirty="0" smtClean="0"/>
+          </a:p>
+        </p:txBody>
+      </p:sp>
+      <p:pic>
+        <p:nvPicPr>
+          <p:cNvPr id="21" name="Picture 20" descr="Резултат с изображение за marten dot net"/>
+          <p:cNvPicPr>
+            <a:picLocks noChangeAspect="1" noChangeArrowheads="1"/>
+          </p:cNvPicPr>
+          <p:nvPr/>
+        </p:nvPicPr>
+        <p:blipFill>
+          <a:blip r:embed="rId3" cstate="print">
+            <a:extLst>
+              <a:ext uri="{28A0092B-C50C-407E-A947-70E740481C1C}">
+                <a14:useLocalDpi xmlns:a14="http://schemas.microsoft.com/office/drawing/2010/main" val="0"/>
+              </a:ext>
+            </a:extLst>
+          </a:blip>
+          <a:srcRect/>
+          <a:stretch>
+            <a:fillRect/>
+          </a:stretch>
+        </p:blipFill>
+        <p:spPr bwMode="auto">
+          <a:xfrm>
+            <a:off x="2940050" y="4614466"/>
+            <a:ext cx="3463925" cy="1164696"/>
+          </a:xfrm>
+          <a:prstGeom prst="rect">
+            <a:avLst/>
+          </a:prstGeom>
+          <a:noFill/>
+          <a:extLst>
+            <a:ext uri="{909E8E84-426E-40DD-AFC4-6F175D3DCCD1}">
+              <a14:hiddenFill xmlns:a14="http://schemas.microsoft.com/office/drawing/2010/main">
+                <a:solidFill>
+                  <a:srgbClr val="FFFFFF"/>
+                </a:solidFill>
+              </a14:hiddenFill>
+            </a:ext>
+          </a:extLst>
+        </p:spPr>
+      </p:pic>
+      <p:sp>
+        <p:nvSpPr>
+          <p:cNvPr id="22" name="TextBox 4"/>
+          <p:cNvSpPr txBox="1"/>
+          <p:nvPr/>
+        </p:nvSpPr>
+        <p:spPr>
+          <a:xfrm>
+            <a:off x="2787650" y="5899295"/>
+            <a:ext cx="7670800" cy="646331"/>
+          </a:xfrm>
+          <a:prstGeom prst="rect">
+            <a:avLst/>
+          </a:prstGeom>
+          <a:noFill/>
+        </p:spPr>
+        <p:txBody>
+          <a:bodyPr wrap="square" rtlCol="0">
+            <a:spAutoFit/>
+          </a:bodyPr>
+          <a:lstStyle>
+            <a:defPPr>
+              <a:defRPr lang="en-US"/>
+            </a:defPPr>
+            <a:lvl1pPr marL="0" algn="l" defTabSz="914400" rtl="0" eaLnBrk="1" latinLnBrk="0" hangingPunct="1">
+              <a:defRPr sz="1800" kern="1200">
+                <a:solidFill>
+                  <a:schemeClr val="tx1"/>
+                </a:solidFill>
+                <a:latin typeface="+mn-lt"/>
+                <a:ea typeface="+mn-ea"/>
+                <a:cs typeface="+mn-cs"/>
+              </a:defRPr>
+            </a:lvl1pPr>
+            <a:lvl2pPr marL="457200" algn="l" defTabSz="914400" rtl="0" eaLnBrk="1" latinLnBrk="0" hangingPunct="1">
+              <a:defRPr sz="1800" kern="1200">
+                <a:solidFill>
+                  <a:schemeClr val="tx1"/>
+                </a:solidFill>
+                <a:latin typeface="+mn-lt"/>
+                <a:ea typeface="+mn-ea"/>
+                <a:cs typeface="+mn-cs"/>
+              </a:defRPr>
+            </a:lvl2pPr>
+            <a:lvl3pPr marL="914400" algn="l" defTabSz="914400" rtl="0" eaLnBrk="1" latinLnBrk="0" hangingPunct="1">
+              <a:defRPr sz="1800" kern="1200">
+                <a:solidFill>
+                  <a:schemeClr val="tx1"/>
+                </a:solidFill>
+                <a:latin typeface="+mn-lt"/>
+                <a:ea typeface="+mn-ea"/>
+                <a:cs typeface="+mn-cs"/>
+              </a:defRPr>
+            </a:lvl3pPr>
+            <a:lvl4pPr marL="1371600" algn="l" defTabSz="914400" rtl="0" eaLnBrk="1" latinLnBrk="0" hangingPunct="1">
+              <a:defRPr sz="1800" kern="1200">
+                <a:solidFill>
+                  <a:schemeClr val="tx1"/>
+                </a:solidFill>
+                <a:latin typeface="+mn-lt"/>
+                <a:ea typeface="+mn-ea"/>
+                <a:cs typeface="+mn-cs"/>
+              </a:defRPr>
+            </a:lvl4pPr>
+            <a:lvl5pPr marL="1828800" algn="l" defTabSz="914400" rtl="0" eaLnBrk="1" latinLnBrk="0" hangingPunct="1">
+              <a:defRPr sz="1800" kern="1200">
+                <a:solidFill>
+                  <a:schemeClr val="tx1"/>
+                </a:solidFill>
+                <a:latin typeface="+mn-lt"/>
+                <a:ea typeface="+mn-ea"/>
+                <a:cs typeface="+mn-cs"/>
+              </a:defRPr>
+            </a:lvl5pPr>
+            <a:lvl6pPr marL="2286000" algn="l" defTabSz="914400" rtl="0" eaLnBrk="1" latinLnBrk="0" hangingPunct="1">
+              <a:defRPr sz="1800" kern="1200">
+                <a:solidFill>
+                  <a:schemeClr val="tx1"/>
+                </a:solidFill>
+                <a:latin typeface="+mn-lt"/>
+                <a:ea typeface="+mn-ea"/>
+                <a:cs typeface="+mn-cs"/>
+              </a:defRPr>
+            </a:lvl6pPr>
+            <a:lvl7pPr marL="2743200" algn="l" defTabSz="914400" rtl="0" eaLnBrk="1" latinLnBrk="0" hangingPunct="1">
+              <a:defRPr sz="1800" kern="1200">
+                <a:solidFill>
+                  <a:schemeClr val="tx1"/>
+                </a:solidFill>
+                <a:latin typeface="+mn-lt"/>
+                <a:ea typeface="+mn-ea"/>
+                <a:cs typeface="+mn-cs"/>
+              </a:defRPr>
+            </a:lvl7pPr>
+            <a:lvl8pPr marL="3200400" algn="l" defTabSz="914400" rtl="0" eaLnBrk="1" latinLnBrk="0" hangingPunct="1">
+              <a:defRPr sz="1800" kern="1200">
+                <a:solidFill>
+                  <a:schemeClr val="tx1"/>
+                </a:solidFill>
+                <a:latin typeface="+mn-lt"/>
+                <a:ea typeface="+mn-ea"/>
+                <a:cs typeface="+mn-cs"/>
+              </a:defRPr>
+            </a:lvl8pPr>
+            <a:lvl9pPr marL="3657600" algn="l" defTabSz="914400" rtl="0" eaLnBrk="1" latinLnBrk="0" hangingPunct="1">
+              <a:defRPr sz="1800" kern="1200">
+                <a:solidFill>
+                  <a:schemeClr val="tx1"/>
+                </a:solidFill>
+                <a:latin typeface="+mn-lt"/>
+                <a:ea typeface="+mn-ea"/>
+                <a:cs typeface="+mn-cs"/>
+              </a:defRPr>
+            </a:lvl9pPr>
+          </a:lstStyle>
+          <a:p>
+            <a:r>
+              <a:rPr lang="en-US" dirty="0"/>
+              <a:t>Polyglot Persistence </a:t>
+            </a:r>
+            <a:r>
+              <a:rPr lang="en-US" dirty="0" smtClean="0"/>
+              <a:t>using PostgreSQL </a:t>
+            </a:r>
+            <a:r>
+              <a:rPr lang="en-US" dirty="0"/>
+              <a:t>Database</a:t>
+            </a:r>
+          </a:p>
+          <a:p>
+            <a:endParaRPr lang="en-US" dirty="0"/>
+          </a:p>
+        </p:txBody>
+      </p:sp>
+      <p:pic>
+        <p:nvPicPr>
+          <p:cNvPr id="23" name="Picture 22"/>
+          <p:cNvPicPr>
+            <a:picLocks noChangeAspect="1"/>
+          </p:cNvPicPr>
+          <p:nvPr/>
+        </p:nvPicPr>
+        <p:blipFill>
+          <a:blip r:embed="rId4"/>
+          <a:stretch>
+            <a:fillRect/>
+          </a:stretch>
+        </p:blipFill>
+        <p:spPr>
+          <a:xfrm>
+            <a:off x="722187" y="6922790"/>
+            <a:ext cx="6112123" cy="1325809"/>
+          </a:xfrm>
+          <a:prstGeom prst="rect">
+            <a:avLst/>
+          </a:prstGeom>
+        </p:spPr>
+      </p:pic>
+    </p:spTree>
+    <p:extLst>
+      <p:ext uri="{BB962C8B-B14F-4D97-AF65-F5344CB8AC3E}">
+        <p14:creationId xmlns:p14="http://schemas.microsoft.com/office/powerpoint/2010/main" val="1543610684"/>
+      </p:ext>
+    </p:extLst>
+  </p:cSld>
+  <p:clrMapOvr>
+    <a:masterClrMapping/>
+  </p:clrMapOvr>
+</p:sld>
+</file>
+
+<file path=ppt/slides/slide7.xml><?xml version="1.0" encoding="utf-8"?>
+<p:sld xmlns:a="http://schemas.openxmlformats.org/drawingml/2006/main" xmlns:r="http://schemas.openxmlformats.org/officeDocument/2006/relationships" xmlns:p="http://schemas.openxmlformats.org/presentationml/2006/main">
+  <p:cSld>
+    <p:spTree>
+      <p:nvGrpSpPr>
+        <p:cNvPr id="1" name=""/>
+        <p:cNvGrpSpPr/>
+        <p:nvPr/>
+      </p:nvGrpSpPr>
+      <p:grpSpPr>
+        <a:xfrm>
+          <a:off x="0" y="0"/>
+          <a:ext cx="0" cy="0"/>
+          <a:chOff x="0" y="0"/>
+          <a:chExt cx="0" cy="0"/>
+        </a:xfrm>
+      </p:grpSpPr>
+      <p:pic>
+        <p:nvPicPr>
+          <p:cNvPr id="11" name="Picture 10"/>
+          <p:cNvPicPr>
+            <a:picLocks noChangeAspect="1"/>
+          </p:cNvPicPr>
+          <p:nvPr/>
+        </p:nvPicPr>
+        <p:blipFill>
+          <a:blip r:embed="rId2">
+            <a:extLst>
+              <a:ext uri="{28A0092B-C50C-407E-A947-70E740481C1C}">
+                <a14:useLocalDpi xmlns:a14="http://schemas.microsoft.com/office/drawing/2010/main" val="0"/>
+              </a:ext>
+            </a:extLst>
+          </a:blip>
+          <a:stretch>
+            <a:fillRect/>
+          </a:stretch>
+        </p:blipFill>
+        <p:spPr>
+          <a:xfrm rot="5400000">
+            <a:off x="-1648794" y="1627807"/>
+            <a:ext cx="10854088" cy="7556502"/>
+          </a:xfrm>
+          <a:prstGeom prst="rect">
+            <a:avLst/>
+          </a:prstGeom>
+        </p:spPr>
+      </p:pic>
+      <p:sp>
+        <p:nvSpPr>
+          <p:cNvPr id="12" name="Rectangle 11"/>
+          <p:cNvSpPr/>
+          <p:nvPr/>
+        </p:nvSpPr>
+        <p:spPr>
+          <a:xfrm>
+            <a:off x="44450" y="1308100"/>
+            <a:ext cx="7467600" cy="707886"/>
+          </a:xfrm>
+          <a:prstGeom prst="rect">
+            <a:avLst/>
+          </a:prstGeom>
+        </p:spPr>
+        <p:txBody>
+          <a:bodyPr wrap="square">
+            <a:spAutoFit/>
+          </a:bodyPr>
+          <a:lstStyle/>
+          <a:p>
+            <a:pPr algn="ctr"/>
+            <a:r>
+              <a:rPr lang="en-US" sz="4000" b="1" dirty="0">
+                <a:ln w="12700">
+                  <a:solidFill>
+                    <a:schemeClr val="tx2">
+                      <a:lumMod val="75000"/>
+                    </a:schemeClr>
+                  </a:solidFill>
+                  <a:prstDash val="solid"/>
+                </a:ln>
+                <a:pattFill prst="dkUpDiag">
+                  <a:fgClr>
+                    <a:schemeClr val="tx2"/>
+                  </a:fgClr>
+                  <a:bgClr>
+                    <a:schemeClr val="tx2">
+                      <a:lumMod val="20000"/>
+                      <a:lumOff val="80000"/>
+                    </a:schemeClr>
+                  </a:bgClr>
+                </a:pattFill>
+                <a:effectLst>
+                  <a:outerShdw dist="38100" dir="2640000" algn="bl" rotWithShape="0">
+                    <a:schemeClr val="tx2">
+                      <a:lumMod val="75000"/>
+                    </a:schemeClr>
+                  </a:outerShdw>
+                </a:effectLst>
+              </a:rPr>
+              <a:t>Functional Programming</a:t>
+            </a:r>
+          </a:p>
+        </p:txBody>
+      </p:sp>
+      <p:pic>
+        <p:nvPicPr>
+          <p:cNvPr id="6" name="Picture 5" descr="https://devadventures.net/wp-content/uploads/2018/09/lambda-c-sharp.png"/>
+          <p:cNvPicPr>
+            <a:picLocks noChangeAspect="1" noChangeArrowheads="1"/>
+          </p:cNvPicPr>
+          <p:nvPr/>
+        </p:nvPicPr>
+        <p:blipFill>
+          <a:blip r:embed="rId3">
+            <a:extLst>
+              <a:ext uri="{28A0092B-C50C-407E-A947-70E740481C1C}">
+                <a14:useLocalDpi xmlns:a14="http://schemas.microsoft.com/office/drawing/2010/main" val="0"/>
+              </a:ext>
+            </a:extLst>
+          </a:blip>
+          <a:srcRect/>
+          <a:stretch>
+            <a:fillRect/>
+          </a:stretch>
+        </p:blipFill>
+        <p:spPr bwMode="auto">
+          <a:xfrm>
+            <a:off x="-404195" y="7556500"/>
+            <a:ext cx="6943725" cy="3905846"/>
+          </a:xfrm>
+          <a:prstGeom prst="rect">
+            <a:avLst/>
+          </a:prstGeom>
+          <a:noFill/>
+          <a:extLst>
+            <a:ext uri="{909E8E84-426E-40DD-AFC4-6F175D3DCCD1}">
+              <a14:hiddenFill xmlns:a14="http://schemas.microsoft.com/office/drawing/2010/main">
+                <a:solidFill>
+                  <a:srgbClr val="FFFFFF"/>
+                </a:solidFill>
+              </a14:hiddenFill>
+            </a:ext>
+          </a:extLst>
+        </p:spPr>
+      </p:pic>
+      <p:pic>
+        <p:nvPicPr>
+          <p:cNvPr id="7" name="Picture 2" descr="https://devadventures.net/wp-content/uploads/2018/09/lambda-c-sharp.png"/>
+          <p:cNvPicPr>
+            <a:picLocks noChangeAspect="1" noChangeArrowheads="1"/>
+          </p:cNvPicPr>
+          <p:nvPr/>
+        </p:nvPicPr>
+        <p:blipFill>
+          <a:blip r:embed="rId4">
+            <a:extLst>
+              <a:ext uri="{28A0092B-C50C-407E-A947-70E740481C1C}">
+                <a14:useLocalDpi xmlns:a14="http://schemas.microsoft.com/office/drawing/2010/main" val="0"/>
+              </a:ext>
+            </a:extLst>
+          </a:blip>
+          <a:srcRect/>
+          <a:stretch>
+            <a:fillRect/>
+          </a:stretch>
+        </p:blipFill>
+        <p:spPr bwMode="auto">
+          <a:xfrm>
+            <a:off x="-1623217" y="7556500"/>
+            <a:ext cx="6943725" cy="3905846"/>
+          </a:xfrm>
+          <a:prstGeom prst="rect">
+            <a:avLst/>
+          </a:prstGeom>
+          <a:noFill/>
+          <a:extLst>
+            <a:ext uri="{909E8E84-426E-40DD-AFC4-6F175D3DCCD1}">
+              <a14:hiddenFill xmlns:a14="http://schemas.microsoft.com/office/drawing/2010/main">
+                <a:solidFill>
+                  <a:srgbClr val="FFFFFF"/>
+                </a:solidFill>
+              </a14:hiddenFill>
+            </a:ext>
+          </a:extLst>
+        </p:spPr>
+      </p:pic>
+      <p:pic>
+        <p:nvPicPr>
+          <p:cNvPr id="8" name="Picture 2" descr="https://devadventures.net/wp-content/uploads/2018/09/lambda-c-sharp.png"/>
+          <p:cNvPicPr>
+            <a:picLocks noChangeAspect="1" noChangeArrowheads="1"/>
+          </p:cNvPicPr>
+          <p:nvPr/>
+        </p:nvPicPr>
+        <p:blipFill>
+          <a:blip r:embed="rId5">
+            <a:extLst>
+              <a:ext uri="{28A0092B-C50C-407E-A947-70E740481C1C}">
+                <a14:useLocalDpi xmlns:a14="http://schemas.microsoft.com/office/drawing/2010/main" val="0"/>
+              </a:ext>
+            </a:extLst>
+          </a:blip>
+          <a:srcRect/>
+          <a:stretch>
+            <a:fillRect/>
+          </a:stretch>
+        </p:blipFill>
+        <p:spPr bwMode="auto">
+          <a:xfrm>
+            <a:off x="-1565062" y="7556500"/>
+            <a:ext cx="6943725" cy="3905846"/>
+          </a:xfrm>
+          <a:prstGeom prst="rect">
+            <a:avLst/>
+          </a:prstGeom>
+          <a:noFill/>
+          <a:extLst>
+            <a:ext uri="{909E8E84-426E-40DD-AFC4-6F175D3DCCD1}">
+              <a14:hiddenFill xmlns:a14="http://schemas.microsoft.com/office/drawing/2010/main">
+                <a:solidFill>
+                  <a:srgbClr val="FFFFFF"/>
+                </a:solidFill>
+              </a14:hiddenFill>
+            </a:ext>
+          </a:extLst>
+        </p:spPr>
+      </p:pic>
+      <p:pic>
+        <p:nvPicPr>
+          <p:cNvPr id="9" name="Picture 2" descr="https://devadventures.net/wp-content/uploads/2018/09/lambda-c-sharp.png"/>
+          <p:cNvPicPr>
+            <a:picLocks noChangeAspect="1" noChangeArrowheads="1"/>
+          </p:cNvPicPr>
+          <p:nvPr/>
+        </p:nvPicPr>
+        <p:blipFill>
+          <a:blip r:embed="rId6">
+            <a:extLst>
+              <a:ext uri="{28A0092B-C50C-407E-A947-70E740481C1C}">
+                <a14:useLocalDpi xmlns:a14="http://schemas.microsoft.com/office/drawing/2010/main" val="0"/>
+              </a:ext>
+            </a:extLst>
+          </a:blip>
+          <a:srcRect/>
+          <a:stretch>
+            <a:fillRect/>
+          </a:stretch>
+        </p:blipFill>
+        <p:spPr bwMode="auto">
+          <a:xfrm>
+            <a:off x="-1098550" y="7556500"/>
+            <a:ext cx="6943725" cy="3905846"/>
+          </a:xfrm>
+          <a:prstGeom prst="rect">
+            <a:avLst/>
+          </a:prstGeom>
+          <a:noFill/>
+          <a:extLst>
+            <a:ext uri="{909E8E84-426E-40DD-AFC4-6F175D3DCCD1}">
+              <a14:hiddenFill xmlns:a14="http://schemas.microsoft.com/office/drawing/2010/main">
+                <a:solidFill>
+                  <a:srgbClr val="FFFFFF"/>
+                </a:solidFill>
+              </a14:hiddenFill>
+            </a:ext>
+          </a:extLst>
+        </p:spPr>
+      </p:pic>
+      <p:pic>
+        <p:nvPicPr>
+          <p:cNvPr id="2" name="Picture 1"/>
+          <p:cNvPicPr>
+            <a:picLocks noChangeAspect="1"/>
+          </p:cNvPicPr>
+          <p:nvPr/>
+        </p:nvPicPr>
+        <p:blipFill>
+          <a:blip r:embed="rId7"/>
+          <a:stretch>
+            <a:fillRect/>
+          </a:stretch>
+        </p:blipFill>
+        <p:spPr>
+          <a:xfrm>
+            <a:off x="342899" y="6032500"/>
+            <a:ext cx="6296025" cy="1800225"/>
+          </a:xfrm>
+          <a:prstGeom prst="rect">
+            <a:avLst/>
+          </a:prstGeom>
+        </p:spPr>
+      </p:pic>
+    </p:spTree>
+    <p:extLst>
+      <p:ext uri="{BB962C8B-B14F-4D97-AF65-F5344CB8AC3E}">
+        <p14:creationId xmlns:p14="http://schemas.microsoft.com/office/powerpoint/2010/main" val="1971946551"/>
+      </p:ext>
+    </p:extLst>
+  </p:cSld>
+  <p:clrMapOvr>
+    <a:masterClrMapping/>
+  </p:clrMapOvr>
+</p:sld>
+</file>
+
+<file path=ppt/slides/slide8.xml><?xml version="1.0" encoding="utf-8"?>
+<p:sld xmlns:a="http://schemas.openxmlformats.org/drawingml/2006/main" xmlns:r="http://schemas.openxmlformats.org/officeDocument/2006/relationships" xmlns:p="http://schemas.openxmlformats.org/presentationml/2006/main">
+  <p:cSld>
+    <p:spTree>
+      <p:nvGrpSpPr>
+        <p:cNvPr id="1" name=""/>
+        <p:cNvGrpSpPr/>
+        <p:nvPr/>
+      </p:nvGrpSpPr>
+      <p:grpSpPr>
+        <a:xfrm>
+          <a:off x="0" y="0"/>
+          <a:ext cx="0" cy="0"/>
+          <a:chOff x="0" y="0"/>
+          <a:chExt cx="0" cy="0"/>
+        </a:xfrm>
+      </p:grpSpPr>
+      <p:pic>
+        <p:nvPicPr>
+          <p:cNvPr id="2" name="Picture 1"/>
+          <p:cNvPicPr>
+            <a:picLocks noChangeAspect="1"/>
+          </p:cNvPicPr>
+          <p:nvPr/>
+        </p:nvPicPr>
+        <p:blipFill>
+          <a:blip r:embed="rId2">
+            <a:extLst>
+              <a:ext uri="{28A0092B-C50C-407E-A947-70E740481C1C}">
+                <a14:useLocalDpi xmlns:a14="http://schemas.microsoft.com/office/drawing/2010/main" val="0"/>
+              </a:ext>
+            </a:extLst>
+          </a:blip>
+          <a:stretch>
+            <a:fillRect/>
+          </a:stretch>
+        </p:blipFill>
+        <p:spPr>
+          <a:xfrm rot="16200000">
+            <a:off x="-1648795" y="1628607"/>
+            <a:ext cx="10854088" cy="7556502"/>
+          </a:xfrm>
+          <a:prstGeom prst="rect">
+            <a:avLst/>
+          </a:prstGeom>
+        </p:spPr>
+      </p:pic>
+      <p:sp>
+        <p:nvSpPr>
+          <p:cNvPr id="3" name="Content Placeholder 2"/>
+          <p:cNvSpPr txBox="1">
+            <a:spLocks/>
+          </p:cNvSpPr>
+          <p:nvPr/>
+        </p:nvSpPr>
+        <p:spPr>
+          <a:xfrm>
+            <a:off x="767896" y="1612900"/>
+            <a:ext cx="6020705" cy="772051"/>
+          </a:xfrm>
+          <a:prstGeom prst="rect">
+            <a:avLst/>
+          </a:prstGeom>
+        </p:spPr>
+        <p:txBody>
+          <a:bodyPr>
+            <a:noAutofit/>
+          </a:bodyPr>
+          <a:lstStyle>
+            <a:lvl1pPr marL="0">
+              <a:defRPr>
+                <a:latin typeface="+mn-lt"/>
+                <a:ea typeface="+mn-ea"/>
+                <a:cs typeface="+mn-cs"/>
+              </a:defRPr>
+            </a:lvl1pPr>
+            <a:lvl2pPr marL="457200">
+              <a:defRPr>
+                <a:latin typeface="+mn-lt"/>
+                <a:ea typeface="+mn-ea"/>
+                <a:cs typeface="+mn-cs"/>
+              </a:defRPr>
+            </a:lvl2pPr>
+            <a:lvl3pPr marL="914400">
+              <a:defRPr>
+                <a:latin typeface="+mn-lt"/>
+                <a:ea typeface="+mn-ea"/>
+                <a:cs typeface="+mn-cs"/>
+              </a:defRPr>
+            </a:lvl3pPr>
+            <a:lvl4pPr marL="1371600">
+              <a:defRPr>
+                <a:latin typeface="+mn-lt"/>
+                <a:ea typeface="+mn-ea"/>
+                <a:cs typeface="+mn-cs"/>
+              </a:defRPr>
+            </a:lvl4pPr>
+            <a:lvl5pPr marL="1828800">
+              <a:defRPr>
+                <a:latin typeface="+mn-lt"/>
+                <a:ea typeface="+mn-ea"/>
+                <a:cs typeface="+mn-cs"/>
+              </a:defRPr>
+            </a:lvl5pPr>
+            <a:lvl6pPr marL="2286000">
+              <a:defRPr>
+                <a:latin typeface="+mn-lt"/>
+                <a:ea typeface="+mn-ea"/>
+                <a:cs typeface="+mn-cs"/>
+              </a:defRPr>
+            </a:lvl6pPr>
+            <a:lvl7pPr marL="2743200">
+              <a:defRPr>
+                <a:latin typeface="+mn-lt"/>
+                <a:ea typeface="+mn-ea"/>
+                <a:cs typeface="+mn-cs"/>
+              </a:defRPr>
+            </a:lvl7pPr>
+            <a:lvl8pPr marL="3200400">
+              <a:defRPr>
+                <a:latin typeface="+mn-lt"/>
+                <a:ea typeface="+mn-ea"/>
+                <a:cs typeface="+mn-cs"/>
+              </a:defRPr>
+            </a:lvl8pPr>
+            <a:lvl9pPr marL="3657600">
+              <a:defRPr>
+                <a:latin typeface="+mn-lt"/>
+                <a:ea typeface="+mn-ea"/>
+                <a:cs typeface="+mn-cs"/>
+              </a:defRPr>
+            </a:lvl9pPr>
+          </a:lstStyle>
+          <a:p>
+            <a:pPr algn="ctr"/>
+            <a:r>
+              <a:rPr lang="en-US" sz="4000" b="1" kern="0" dirty="0" smtClean="0">
+                <a:ln w="12700">
+                  <a:solidFill>
+                    <a:schemeClr val="tx2">
+                      <a:lumMod val="75000"/>
+                    </a:schemeClr>
+                  </a:solidFill>
+                  <a:prstDash val="solid"/>
+                </a:ln>
+                <a:pattFill prst="dkUpDiag">
+                  <a:fgClr>
+                    <a:schemeClr val="tx2"/>
+                  </a:fgClr>
+                  <a:bgClr>
+                    <a:schemeClr val="tx2">
+                      <a:lumMod val="20000"/>
+                      <a:lumOff val="80000"/>
+                    </a:schemeClr>
+                  </a:bgClr>
+                </a:pattFill>
+                <a:effectLst>
+                  <a:outerShdw dist="38100" dir="2640000" algn="bl" rotWithShape="0">
+                    <a:schemeClr val="tx2">
+                      <a:lumMod val="75000"/>
+                    </a:schemeClr>
+                  </a:outerShdw>
+                </a:effectLst>
+              </a:rPr>
+              <a:t>Hypermedia as the Engine of Application State</a:t>
+            </a:r>
+            <a:endParaRPr lang="en-US" sz="4000" kern="0" dirty="0">
+              <a:solidFill>
+                <a:sysClr val="windowText" lastClr="000000"/>
+              </a:solidFill>
+            </a:endParaRPr>
+          </a:p>
+        </p:txBody>
+      </p:sp>
+      <p:pic>
+        <p:nvPicPr>
+          <p:cNvPr id="4" name="Picture 3"/>
+          <p:cNvPicPr>
+            <a:picLocks noChangeAspect="1"/>
+          </p:cNvPicPr>
+          <p:nvPr/>
+        </p:nvPicPr>
+        <p:blipFill>
+          <a:blip r:embed="rId3"/>
+          <a:stretch>
+            <a:fillRect/>
+          </a:stretch>
+        </p:blipFill>
+        <p:spPr>
+          <a:xfrm>
+            <a:off x="652461" y="8775700"/>
+            <a:ext cx="6251574" cy="1348522"/>
+          </a:xfrm>
+          <a:prstGeom prst="rect">
+            <a:avLst/>
+          </a:prstGeom>
+        </p:spPr>
+      </p:pic>
+    </p:spTree>
+    <p:extLst>
+      <p:ext uri="{BB962C8B-B14F-4D97-AF65-F5344CB8AC3E}">
+        <p14:creationId xmlns:p14="http://schemas.microsoft.com/office/powerpoint/2010/main" val="3514273470"/>
+      </p:ext>
+    </p:extLst>
   </p:cSld>
   <p:clrMapOvr>
     <a:masterClrMapping/>

--- a/resources/softuniada/Softuniada-Project-Documentation.pptx
+++ b/resources/softuniada/Softuniada-Project-Documentation.pptx
@@ -1796,7 +1796,7 @@
               </a:rPr>
               <a:t>приложение</a:t>
             </a:r>
-            <a:endParaRPr sz="1000" dirty="0">
+            <a:endParaRPr sz="1000" dirty="0" smtClean="0">
               <a:latin typeface="Arial"/>
               <a:cs typeface="Arial"/>
             </a:endParaRPr>
@@ -1811,7 +1811,7 @@
               </a:spcBef>
             </a:pPr>
             <a:r>
-              <a:rPr sz="1800" b="1" i="1" spc="-180" dirty="0">
+              <a:rPr sz="1800" b="1" i="1" spc="-180" dirty="0" err="1" smtClean="0">
                 <a:solidFill>
                   <a:srgbClr val="FF9F00"/>
                 </a:solidFill>
@@ -1821,7 +1821,7 @@
               <a:t>Възрастова</a:t>
             </a:r>
             <a:r>
-              <a:rPr sz="1800" b="1" i="1" spc="-140" dirty="0">
+              <a:rPr sz="1800" b="1" i="1" spc="-140" dirty="0" smtClean="0">
                 <a:solidFill>
                   <a:srgbClr val="FF9F00"/>
                 </a:solidFill>
@@ -1869,13 +1869,20 @@
               <a:t>16 </a:t>
             </a:r>
             <a:r>
-              <a:rPr sz="1100" spc="-25" dirty="0">
-                <a:latin typeface="Arial"/>
-                <a:cs typeface="Arial"/>
-              </a:rPr>
-              <a:t>години.</a:t>
-            </a:r>
-            <a:endParaRPr sz="1100" dirty="0">
+              <a:rPr sz="1100" spc="-25" dirty="0" err="1">
+                <a:latin typeface="Arial"/>
+                <a:cs typeface="Arial"/>
+              </a:rPr>
+              <a:t>години</a:t>
+            </a:r>
+            <a:r>
+              <a:rPr sz="1100" spc="-25" dirty="0" smtClean="0">
+                <a:latin typeface="Arial"/>
+                <a:cs typeface="Arial"/>
+              </a:rPr>
+              <a:t>.</a:t>
+            </a:r>
+            <a:endParaRPr sz="1100" dirty="0" smtClean="0">
               <a:latin typeface="Arial"/>
               <a:cs typeface="Arial"/>
             </a:endParaRPr>
@@ -1889,7 +1896,7 @@
                 <a:spcPts val="45"/>
               </a:spcBef>
             </a:pPr>
-            <a:endParaRPr sz="1000" dirty="0">
+            <a:endParaRPr sz="1000" dirty="0" smtClean="0">
               <a:latin typeface="Arial"/>
               <a:cs typeface="Arial"/>
             </a:endParaRPr>
@@ -2419,10 +2426,6 @@
               </a:rPr>
               <a:t>“!</a:t>
             </a:r>
-            <a:endParaRPr lang="bg-BG" sz="1100" spc="-50" dirty="0" smtClean="0">
-              <a:latin typeface="Arial"/>
-              <a:cs typeface="Arial"/>
-            </a:endParaRPr>
           </a:p>
           <a:p>
             <a:pPr marL="240665" indent="-228600" algn="just">
@@ -2848,10 +2851,6 @@
               </a:rPr>
               <a:t>Линк към видео: </a:t>
             </a:r>
-            <a:endParaRPr lang="bg-BG" sz="1100" spc="-15" dirty="0" smtClean="0">
-              <a:latin typeface="Arial"/>
-              <a:cs typeface="Arial"/>
-            </a:endParaRPr>
           </a:p>
           <a:p>
             <a:pPr marL="469265" indent="-228600">
@@ -3053,14 +3052,7 @@
                 <a:latin typeface="Arial"/>
                 <a:cs typeface="Arial"/>
               </a:rPr>
-              <a:t>ASP.NET Core MVC &amp; Web API, Docker engine</a:t>
-            </a:r>
-            <a:r>
-              <a:rPr lang="en-US" sz="1100" spc="-40" dirty="0" smtClean="0">
-                <a:latin typeface="Arial"/>
-                <a:cs typeface="Arial"/>
-              </a:rPr>
-              <a:t>, Domain-Driven Design, </a:t>
+              <a:t>ASP.NET Core MVC &amp; Web API, Docker engine, Domain-Driven Design, </a:t>
             </a:r>
             <a:br>
               <a:rPr lang="en-US" sz="1100" spc="-40" dirty="0" smtClean="0">
@@ -5195,6 +5187,30 @@
           <a:xfrm>
             <a:off x="652461" y="8775700"/>
             <a:ext cx="6251574" cy="1348522"/>
+          </a:xfrm>
+          <a:prstGeom prst="rect">
+            <a:avLst/>
+          </a:prstGeom>
+        </p:spPr>
+      </p:pic>
+      <p:pic>
+        <p:nvPicPr>
+          <p:cNvPr id="5" name="Picture 4"/>
+          <p:cNvPicPr>
+            <a:picLocks noChangeAspect="1"/>
+          </p:cNvPicPr>
+          <p:nvPr/>
+        </p:nvPicPr>
+        <p:blipFill>
+          <a:blip r:embed="rId4"/>
+          <a:stretch>
+            <a:fillRect/>
+          </a:stretch>
+        </p:blipFill>
+        <p:spPr>
+          <a:xfrm>
+            <a:off x="1477960" y="4018038"/>
+            <a:ext cx="4600575" cy="4448175"/>
           </a:xfrm>
           <a:prstGeom prst="rect">
             <a:avLst/>

--- a/resources/softuniada/Softuniada-Project-Documentation.pptx
+++ b/resources/softuniada/Softuniada-Project-Documentation.pptx
@@ -7,12 +7,15 @@
   <p:sldIdLst>
     <p:sldId id="256" r:id="rId2"/>
     <p:sldId id="259" r:id="rId3"/>
-    <p:sldId id="257" r:id="rId4"/>
-    <p:sldId id="258" r:id="rId5"/>
-    <p:sldId id="261" r:id="rId6"/>
-    <p:sldId id="260" r:id="rId7"/>
-    <p:sldId id="262" r:id="rId8"/>
-    <p:sldId id="263" r:id="rId9"/>
+    <p:sldId id="264" r:id="rId4"/>
+    <p:sldId id="265" r:id="rId5"/>
+    <p:sldId id="266" r:id="rId6"/>
+    <p:sldId id="257" r:id="rId7"/>
+    <p:sldId id="258" r:id="rId8"/>
+    <p:sldId id="261" r:id="rId9"/>
+    <p:sldId id="260" r:id="rId10"/>
+    <p:sldId id="262" r:id="rId11"/>
+    <p:sldId id="263" r:id="rId12"/>
   </p:sldIdLst>
   <p:sldSz cx="7556500" cy="10693400"/>
   <p:notesSz cx="7556500" cy="10693400"/>
@@ -113,7 +116,7 @@
   </p:defaultTextStyle>
   <p:extLst>
     <p:ext uri="{EFAFB233-063F-42B5-8137-9DF3F51BA10A}">
-      <p15:sldGuideLst xmlns:p15="http://schemas.microsoft.com/office/powerpoint/2012/main">
+      <p15:sldGuideLst xmlns="" xmlns:p15="http://schemas.microsoft.com/office/powerpoint/2012/main">
         <p15:guide id="1" orient="horz" pos="2880">
           <p15:clr>
             <a:srgbClr val="A4A3A4"/>
@@ -3385,6 +3388,982 @@
   <p:clrMapOvr>
     <a:masterClrMapping/>
   </p:clrMapOvr>
+  <p:timing>
+    <p:tnLst>
+      <p:par>
+        <p:cTn id="1" dur="indefinite" restart="never" nodeType="tmRoot"/>
+      </p:par>
+    </p:tnLst>
+  </p:timing>
+</p:sld>
+</file>
+
+<file path=ppt/slides/slide10.xml><?xml version="1.0" encoding="utf-8"?>
+<p:sld xmlns:a="http://schemas.openxmlformats.org/drawingml/2006/main" xmlns:r="http://schemas.openxmlformats.org/officeDocument/2006/relationships" xmlns:p="http://schemas.openxmlformats.org/presentationml/2006/main">
+  <p:cSld>
+    <p:spTree>
+      <p:nvGrpSpPr>
+        <p:cNvPr id="1" name=""/>
+        <p:cNvGrpSpPr/>
+        <p:nvPr/>
+      </p:nvGrpSpPr>
+      <p:grpSpPr>
+        <a:xfrm>
+          <a:off x="0" y="0"/>
+          <a:ext cx="0" cy="0"/>
+          <a:chOff x="0" y="0"/>
+          <a:chExt cx="0" cy="0"/>
+        </a:xfrm>
+      </p:grpSpPr>
+      <p:pic>
+        <p:nvPicPr>
+          <p:cNvPr id="11" name="Picture 10"/>
+          <p:cNvPicPr>
+            <a:picLocks noChangeAspect="1"/>
+          </p:cNvPicPr>
+          <p:nvPr/>
+        </p:nvPicPr>
+        <p:blipFill>
+          <a:blip r:embed="rId2">
+            <a:extLst>
+              <a:ext uri="{28A0092B-C50C-407E-A947-70E740481C1C}">
+                <a14:useLocalDpi xmlns:a14="http://schemas.microsoft.com/office/drawing/2010/main" val="0"/>
+              </a:ext>
+            </a:extLst>
+          </a:blip>
+          <a:stretch>
+            <a:fillRect/>
+          </a:stretch>
+        </p:blipFill>
+        <p:spPr>
+          <a:xfrm rot="5400000">
+            <a:off x="-1648794" y="1627807"/>
+            <a:ext cx="10854088" cy="7556502"/>
+          </a:xfrm>
+          <a:prstGeom prst="rect">
+            <a:avLst/>
+          </a:prstGeom>
+        </p:spPr>
+      </p:pic>
+      <p:sp>
+        <p:nvSpPr>
+          <p:cNvPr id="12" name="Rectangle 11"/>
+          <p:cNvSpPr/>
+          <p:nvPr/>
+        </p:nvSpPr>
+        <p:spPr>
+          <a:xfrm>
+            <a:off x="44450" y="1308100"/>
+            <a:ext cx="7467600" cy="707886"/>
+          </a:xfrm>
+          <a:prstGeom prst="rect">
+            <a:avLst/>
+          </a:prstGeom>
+        </p:spPr>
+        <p:txBody>
+          <a:bodyPr wrap="square">
+            <a:spAutoFit/>
+          </a:bodyPr>
+          <a:lstStyle/>
+          <a:p>
+            <a:pPr algn="ctr"/>
+            <a:r>
+              <a:rPr lang="en-US" sz="4000" b="1" dirty="0">
+                <a:ln w="12700">
+                  <a:solidFill>
+                    <a:schemeClr val="tx2">
+                      <a:lumMod val="75000"/>
+                    </a:schemeClr>
+                  </a:solidFill>
+                  <a:prstDash val="solid"/>
+                </a:ln>
+                <a:pattFill prst="dkUpDiag">
+                  <a:fgClr>
+                    <a:schemeClr val="tx2"/>
+                  </a:fgClr>
+                  <a:bgClr>
+                    <a:schemeClr val="tx2">
+                      <a:lumMod val="20000"/>
+                      <a:lumOff val="80000"/>
+                    </a:schemeClr>
+                  </a:bgClr>
+                </a:pattFill>
+                <a:effectLst>
+                  <a:outerShdw dist="38100" dir="2640000" algn="bl" rotWithShape="0">
+                    <a:schemeClr val="tx2">
+                      <a:lumMod val="75000"/>
+                    </a:schemeClr>
+                  </a:outerShdw>
+                </a:effectLst>
+              </a:rPr>
+              <a:t>Functional Programming</a:t>
+            </a:r>
+          </a:p>
+        </p:txBody>
+      </p:sp>
+      <p:pic>
+        <p:nvPicPr>
+          <p:cNvPr id="6" name="Picture 5" descr="https://devadventures.net/wp-content/uploads/2018/09/lambda-c-sharp.png"/>
+          <p:cNvPicPr>
+            <a:picLocks noChangeAspect="1" noChangeArrowheads="1"/>
+          </p:cNvPicPr>
+          <p:nvPr/>
+        </p:nvPicPr>
+        <p:blipFill>
+          <a:blip r:embed="rId3">
+            <a:extLst>
+              <a:ext uri="{28A0092B-C50C-407E-A947-70E740481C1C}">
+                <a14:useLocalDpi xmlns:a14="http://schemas.microsoft.com/office/drawing/2010/main" val="0"/>
+              </a:ext>
+            </a:extLst>
+          </a:blip>
+          <a:srcRect/>
+          <a:stretch>
+            <a:fillRect/>
+          </a:stretch>
+        </p:blipFill>
+        <p:spPr bwMode="auto">
+          <a:xfrm>
+            <a:off x="-404195" y="7556500"/>
+            <a:ext cx="6943725" cy="3905846"/>
+          </a:xfrm>
+          <a:prstGeom prst="rect">
+            <a:avLst/>
+          </a:prstGeom>
+          <a:noFill/>
+          <a:extLst>
+            <a:ext uri="{909E8E84-426E-40DD-AFC4-6F175D3DCCD1}">
+              <a14:hiddenFill xmlns:a14="http://schemas.microsoft.com/office/drawing/2010/main">
+                <a:solidFill>
+                  <a:srgbClr val="FFFFFF"/>
+                </a:solidFill>
+              </a14:hiddenFill>
+            </a:ext>
+          </a:extLst>
+        </p:spPr>
+      </p:pic>
+      <p:pic>
+        <p:nvPicPr>
+          <p:cNvPr id="7" name="Picture 2" descr="https://devadventures.net/wp-content/uploads/2018/09/lambda-c-sharp.png"/>
+          <p:cNvPicPr>
+            <a:picLocks noChangeAspect="1" noChangeArrowheads="1"/>
+          </p:cNvPicPr>
+          <p:nvPr/>
+        </p:nvPicPr>
+        <p:blipFill>
+          <a:blip r:embed="rId4">
+            <a:extLst>
+              <a:ext uri="{28A0092B-C50C-407E-A947-70E740481C1C}">
+                <a14:useLocalDpi xmlns:a14="http://schemas.microsoft.com/office/drawing/2010/main" val="0"/>
+              </a:ext>
+            </a:extLst>
+          </a:blip>
+          <a:srcRect/>
+          <a:stretch>
+            <a:fillRect/>
+          </a:stretch>
+        </p:blipFill>
+        <p:spPr bwMode="auto">
+          <a:xfrm>
+            <a:off x="-1623217" y="7556500"/>
+            <a:ext cx="6943725" cy="3905846"/>
+          </a:xfrm>
+          <a:prstGeom prst="rect">
+            <a:avLst/>
+          </a:prstGeom>
+          <a:noFill/>
+          <a:extLst>
+            <a:ext uri="{909E8E84-426E-40DD-AFC4-6F175D3DCCD1}">
+              <a14:hiddenFill xmlns:a14="http://schemas.microsoft.com/office/drawing/2010/main">
+                <a:solidFill>
+                  <a:srgbClr val="FFFFFF"/>
+                </a:solidFill>
+              </a14:hiddenFill>
+            </a:ext>
+          </a:extLst>
+        </p:spPr>
+      </p:pic>
+      <p:pic>
+        <p:nvPicPr>
+          <p:cNvPr id="8" name="Picture 2" descr="https://devadventures.net/wp-content/uploads/2018/09/lambda-c-sharp.png"/>
+          <p:cNvPicPr>
+            <a:picLocks noChangeAspect="1" noChangeArrowheads="1"/>
+          </p:cNvPicPr>
+          <p:nvPr/>
+        </p:nvPicPr>
+        <p:blipFill>
+          <a:blip r:embed="rId5">
+            <a:extLst>
+              <a:ext uri="{28A0092B-C50C-407E-A947-70E740481C1C}">
+                <a14:useLocalDpi xmlns:a14="http://schemas.microsoft.com/office/drawing/2010/main" val="0"/>
+              </a:ext>
+            </a:extLst>
+          </a:blip>
+          <a:srcRect/>
+          <a:stretch>
+            <a:fillRect/>
+          </a:stretch>
+        </p:blipFill>
+        <p:spPr bwMode="auto">
+          <a:xfrm>
+            <a:off x="-1565062" y="7556500"/>
+            <a:ext cx="6943725" cy="3905846"/>
+          </a:xfrm>
+          <a:prstGeom prst="rect">
+            <a:avLst/>
+          </a:prstGeom>
+          <a:noFill/>
+          <a:extLst>
+            <a:ext uri="{909E8E84-426E-40DD-AFC4-6F175D3DCCD1}">
+              <a14:hiddenFill xmlns:a14="http://schemas.microsoft.com/office/drawing/2010/main">
+                <a:solidFill>
+                  <a:srgbClr val="FFFFFF"/>
+                </a:solidFill>
+              </a14:hiddenFill>
+            </a:ext>
+          </a:extLst>
+        </p:spPr>
+      </p:pic>
+      <p:pic>
+        <p:nvPicPr>
+          <p:cNvPr id="9" name="Picture 2" descr="https://devadventures.net/wp-content/uploads/2018/09/lambda-c-sharp.png"/>
+          <p:cNvPicPr>
+            <a:picLocks noChangeAspect="1" noChangeArrowheads="1"/>
+          </p:cNvPicPr>
+          <p:nvPr/>
+        </p:nvPicPr>
+        <p:blipFill>
+          <a:blip r:embed="rId6">
+            <a:extLst>
+              <a:ext uri="{28A0092B-C50C-407E-A947-70E740481C1C}">
+                <a14:useLocalDpi xmlns:a14="http://schemas.microsoft.com/office/drawing/2010/main" val="0"/>
+              </a:ext>
+            </a:extLst>
+          </a:blip>
+          <a:srcRect/>
+          <a:stretch>
+            <a:fillRect/>
+          </a:stretch>
+        </p:blipFill>
+        <p:spPr bwMode="auto">
+          <a:xfrm>
+            <a:off x="-1098550" y="7556500"/>
+            <a:ext cx="6943725" cy="3905846"/>
+          </a:xfrm>
+          <a:prstGeom prst="rect">
+            <a:avLst/>
+          </a:prstGeom>
+          <a:noFill/>
+          <a:extLst>
+            <a:ext uri="{909E8E84-426E-40DD-AFC4-6F175D3DCCD1}">
+              <a14:hiddenFill xmlns:a14="http://schemas.microsoft.com/office/drawing/2010/main">
+                <a:solidFill>
+                  <a:srgbClr val="FFFFFF"/>
+                </a:solidFill>
+              </a14:hiddenFill>
+            </a:ext>
+          </a:extLst>
+        </p:spPr>
+      </p:pic>
+      <p:pic>
+        <p:nvPicPr>
+          <p:cNvPr id="2" name="Picture 1"/>
+          <p:cNvPicPr>
+            <a:picLocks noChangeAspect="1"/>
+          </p:cNvPicPr>
+          <p:nvPr/>
+        </p:nvPicPr>
+        <p:blipFill>
+          <a:blip r:embed="rId7"/>
+          <a:stretch>
+            <a:fillRect/>
+          </a:stretch>
+        </p:blipFill>
+        <p:spPr>
+          <a:xfrm>
+            <a:off x="342899" y="6032500"/>
+            <a:ext cx="6296025" cy="1800225"/>
+          </a:xfrm>
+          <a:prstGeom prst="rect">
+            <a:avLst/>
+          </a:prstGeom>
+        </p:spPr>
+      </p:pic>
+      <p:sp>
+        <p:nvSpPr>
+          <p:cNvPr id="10" name="Rectangle 9"/>
+          <p:cNvSpPr/>
+          <p:nvPr/>
+        </p:nvSpPr>
+        <p:spPr>
+          <a:xfrm>
+            <a:off x="2017535" y="2495316"/>
+            <a:ext cx="2100263" cy="2308324"/>
+          </a:xfrm>
+          <a:prstGeom prst="rect">
+            <a:avLst/>
+          </a:prstGeom>
+        </p:spPr>
+        <p:txBody>
+          <a:bodyPr wrap="square">
+            <a:spAutoFit/>
+          </a:bodyPr>
+          <a:lstStyle>
+            <a:defPPr>
+              <a:defRPr lang="en-US"/>
+            </a:defPPr>
+            <a:lvl1pPr marL="0" algn="l" defTabSz="914400" rtl="0" eaLnBrk="1" latinLnBrk="0" hangingPunct="1">
+              <a:defRPr sz="1800" kern="1200">
+                <a:solidFill>
+                  <a:schemeClr val="tx1"/>
+                </a:solidFill>
+                <a:latin typeface="+mn-lt"/>
+                <a:ea typeface="+mn-ea"/>
+                <a:cs typeface="+mn-cs"/>
+              </a:defRPr>
+            </a:lvl1pPr>
+            <a:lvl2pPr marL="457200" algn="l" defTabSz="914400" rtl="0" eaLnBrk="1" latinLnBrk="0" hangingPunct="1">
+              <a:defRPr sz="1800" kern="1200">
+                <a:solidFill>
+                  <a:schemeClr val="tx1"/>
+                </a:solidFill>
+                <a:latin typeface="+mn-lt"/>
+                <a:ea typeface="+mn-ea"/>
+                <a:cs typeface="+mn-cs"/>
+              </a:defRPr>
+            </a:lvl2pPr>
+            <a:lvl3pPr marL="914400" algn="l" defTabSz="914400" rtl="0" eaLnBrk="1" latinLnBrk="0" hangingPunct="1">
+              <a:defRPr sz="1800" kern="1200">
+                <a:solidFill>
+                  <a:schemeClr val="tx1"/>
+                </a:solidFill>
+                <a:latin typeface="+mn-lt"/>
+                <a:ea typeface="+mn-ea"/>
+                <a:cs typeface="+mn-cs"/>
+              </a:defRPr>
+            </a:lvl3pPr>
+            <a:lvl4pPr marL="1371600" algn="l" defTabSz="914400" rtl="0" eaLnBrk="1" latinLnBrk="0" hangingPunct="1">
+              <a:defRPr sz="1800" kern="1200">
+                <a:solidFill>
+                  <a:schemeClr val="tx1"/>
+                </a:solidFill>
+                <a:latin typeface="+mn-lt"/>
+                <a:ea typeface="+mn-ea"/>
+                <a:cs typeface="+mn-cs"/>
+              </a:defRPr>
+            </a:lvl4pPr>
+            <a:lvl5pPr marL="1828800" algn="l" defTabSz="914400" rtl="0" eaLnBrk="1" latinLnBrk="0" hangingPunct="1">
+              <a:defRPr sz="1800" kern="1200">
+                <a:solidFill>
+                  <a:schemeClr val="tx1"/>
+                </a:solidFill>
+                <a:latin typeface="+mn-lt"/>
+                <a:ea typeface="+mn-ea"/>
+                <a:cs typeface="+mn-cs"/>
+              </a:defRPr>
+            </a:lvl5pPr>
+            <a:lvl6pPr marL="2286000" algn="l" defTabSz="914400" rtl="0" eaLnBrk="1" latinLnBrk="0" hangingPunct="1">
+              <a:defRPr sz="1800" kern="1200">
+                <a:solidFill>
+                  <a:schemeClr val="tx1"/>
+                </a:solidFill>
+                <a:latin typeface="+mn-lt"/>
+                <a:ea typeface="+mn-ea"/>
+                <a:cs typeface="+mn-cs"/>
+              </a:defRPr>
+            </a:lvl6pPr>
+            <a:lvl7pPr marL="2743200" algn="l" defTabSz="914400" rtl="0" eaLnBrk="1" latinLnBrk="0" hangingPunct="1">
+              <a:defRPr sz="1800" kern="1200">
+                <a:solidFill>
+                  <a:schemeClr val="tx1"/>
+                </a:solidFill>
+                <a:latin typeface="+mn-lt"/>
+                <a:ea typeface="+mn-ea"/>
+                <a:cs typeface="+mn-cs"/>
+              </a:defRPr>
+            </a:lvl7pPr>
+            <a:lvl8pPr marL="3200400" algn="l" defTabSz="914400" rtl="0" eaLnBrk="1" latinLnBrk="0" hangingPunct="1">
+              <a:defRPr sz="1800" kern="1200">
+                <a:solidFill>
+                  <a:schemeClr val="tx1"/>
+                </a:solidFill>
+                <a:latin typeface="+mn-lt"/>
+                <a:ea typeface="+mn-ea"/>
+                <a:cs typeface="+mn-cs"/>
+              </a:defRPr>
+            </a:lvl8pPr>
+            <a:lvl9pPr marL="3657600" algn="l" defTabSz="914400" rtl="0" eaLnBrk="1" latinLnBrk="0" hangingPunct="1">
+              <a:defRPr sz="1800" kern="1200">
+                <a:solidFill>
+                  <a:schemeClr val="tx1"/>
+                </a:solidFill>
+                <a:latin typeface="+mn-lt"/>
+                <a:ea typeface="+mn-ea"/>
+                <a:cs typeface="+mn-cs"/>
+              </a:defRPr>
+            </a:lvl9pPr>
+          </a:lstStyle>
+          <a:p>
+            <a:r>
+              <a:rPr lang="bg-BG" sz="4400" dirty="0" smtClean="0">
+                <a:solidFill>
+                  <a:srgbClr val="000000"/>
+                </a:solidFill>
+                <a:latin typeface="Arial" pitchFamily="34" charset="0"/>
+                <a:cs typeface="Arial" pitchFamily="34" charset="0"/>
+              </a:rPr>
+              <a:t>Защо</a:t>
+            </a:r>
+            <a:r>
+              <a:rPr lang="en-US" sz="4400" dirty="0" smtClean="0">
+                <a:solidFill>
+                  <a:srgbClr val="000000"/>
+                </a:solidFill>
+                <a:latin typeface="Arial" pitchFamily="34" charset="0"/>
+                <a:cs typeface="Arial" pitchFamily="34" charset="0"/>
+              </a:rPr>
+              <a:t>?</a:t>
+            </a:r>
+            <a:endParaRPr lang="bg-BG" sz="4400" dirty="0" smtClean="0">
+              <a:solidFill>
+                <a:srgbClr val="000000"/>
+              </a:solidFill>
+              <a:latin typeface="Arial" pitchFamily="34" charset="0"/>
+              <a:cs typeface="Arial" pitchFamily="34" charset="0"/>
+            </a:endParaRPr>
+          </a:p>
+          <a:p>
+            <a:endParaRPr lang="en-US" sz="2000" dirty="0">
+              <a:latin typeface="Arial" pitchFamily="34" charset="0"/>
+              <a:cs typeface="Arial" pitchFamily="34" charset="0"/>
+            </a:endParaRPr>
+          </a:p>
+          <a:p>
+            <a:pPr fontAlgn="base">
+              <a:buFont typeface="Arial" panose="020B0604020202020204" pitchFamily="34" charset="0"/>
+              <a:buChar char="•"/>
+            </a:pPr>
+            <a:r>
+              <a:rPr lang="bg-BG" sz="2000" dirty="0" smtClean="0">
+                <a:solidFill>
+                  <a:srgbClr val="000000"/>
+                </a:solidFill>
+                <a:latin typeface="Arial" pitchFamily="34" charset="0"/>
+                <a:cs typeface="Arial" pitchFamily="34" charset="0"/>
+              </a:rPr>
+              <a:t> Изразителност</a:t>
+            </a:r>
+          </a:p>
+          <a:p>
+            <a:pPr fontAlgn="base">
+              <a:buFont typeface="Arial" panose="020B0604020202020204" pitchFamily="34" charset="0"/>
+              <a:buChar char="•"/>
+            </a:pPr>
+            <a:r>
+              <a:rPr lang="bg-BG" sz="2000" dirty="0" smtClean="0">
+                <a:solidFill>
+                  <a:srgbClr val="000000"/>
+                </a:solidFill>
+                <a:latin typeface="Arial" pitchFamily="34" charset="0"/>
+                <a:cs typeface="Arial" pitchFamily="34" charset="0"/>
+              </a:rPr>
+              <a:t> Четливост</a:t>
+            </a:r>
+          </a:p>
+          <a:p>
+            <a:pPr fontAlgn="base">
+              <a:buFont typeface="Arial" panose="020B0604020202020204" pitchFamily="34" charset="0"/>
+              <a:buChar char="•"/>
+            </a:pPr>
+            <a:r>
+              <a:rPr lang="bg-BG" sz="2000" dirty="0">
+                <a:solidFill>
+                  <a:srgbClr val="000000"/>
+                </a:solidFill>
+                <a:latin typeface="Arial" pitchFamily="34" charset="0"/>
+                <a:cs typeface="Arial" pitchFamily="34" charset="0"/>
+              </a:rPr>
+              <a:t> </a:t>
+            </a:r>
+            <a:r>
+              <a:rPr lang="bg-BG" sz="2000" dirty="0" smtClean="0">
+                <a:solidFill>
+                  <a:srgbClr val="000000"/>
+                </a:solidFill>
+                <a:latin typeface="Arial" pitchFamily="34" charset="0"/>
+                <a:cs typeface="Arial" pitchFamily="34" charset="0"/>
+              </a:rPr>
+              <a:t>Типизираност</a:t>
+            </a:r>
+          </a:p>
+          <a:p>
+            <a:pPr fontAlgn="base">
+              <a:buFont typeface="Arial" panose="020B0604020202020204" pitchFamily="34" charset="0"/>
+              <a:buChar char="•"/>
+            </a:pPr>
+            <a:r>
+              <a:rPr lang="bg-BG" sz="2000" dirty="0" smtClean="0">
+                <a:solidFill>
+                  <a:srgbClr val="000000"/>
+                </a:solidFill>
+                <a:latin typeface="Arial" pitchFamily="34" charset="0"/>
+                <a:cs typeface="Arial" pitchFamily="34" charset="0"/>
+              </a:rPr>
+              <a:t> И много други</a:t>
+            </a:r>
+            <a:endParaRPr lang="en-US" sz="2000" dirty="0" smtClean="0">
+              <a:solidFill>
+                <a:srgbClr val="000000"/>
+              </a:solidFill>
+              <a:latin typeface="Arial" pitchFamily="34" charset="0"/>
+              <a:cs typeface="Arial" pitchFamily="34" charset="0"/>
+            </a:endParaRPr>
+          </a:p>
+        </p:txBody>
+      </p:sp>
+      <p:sp>
+        <p:nvSpPr>
+          <p:cNvPr id="3" name="Rectangle 2"/>
+          <p:cNvSpPr/>
+          <p:nvPr/>
+        </p:nvSpPr>
+        <p:spPr>
+          <a:xfrm>
+            <a:off x="577850" y="5575490"/>
+            <a:ext cx="4348113" cy="369332"/>
+          </a:xfrm>
+          <a:prstGeom prst="rect">
+            <a:avLst/>
+          </a:prstGeom>
+        </p:spPr>
+        <p:txBody>
+          <a:bodyPr wrap="none">
+            <a:spAutoFit/>
+          </a:bodyPr>
+          <a:lstStyle/>
+          <a:p>
+            <a:r>
+              <a:rPr lang="bg-BG" dirty="0" smtClean="0">
+                <a:latin typeface="Arial" pitchFamily="34" charset="0"/>
+                <a:cs typeface="Arial" pitchFamily="34" charset="0"/>
+              </a:rPr>
+              <a:t>Пример от </a:t>
+            </a:r>
+            <a:r>
+              <a:rPr lang="bg-BG" dirty="0">
+                <a:latin typeface="Arial" pitchFamily="34" charset="0"/>
+                <a:cs typeface="Arial" pitchFamily="34" charset="0"/>
+              </a:rPr>
+              <a:t>функционалността за </a:t>
+            </a:r>
+            <a:r>
+              <a:rPr lang="bg-BG" dirty="0" smtClean="0">
+                <a:latin typeface="Arial" pitchFamily="34" charset="0"/>
+                <a:cs typeface="Arial" pitchFamily="34" charset="0"/>
+              </a:rPr>
+              <a:t>Вход:</a:t>
+            </a:r>
+            <a:endParaRPr lang="en-US" dirty="0">
+              <a:latin typeface="Arial" pitchFamily="34" charset="0"/>
+              <a:cs typeface="Arial" pitchFamily="34" charset="0"/>
+            </a:endParaRPr>
+          </a:p>
+        </p:txBody>
+      </p:sp>
+    </p:spTree>
+    <p:extLst>
+      <p:ext uri="{BB962C8B-B14F-4D97-AF65-F5344CB8AC3E}">
+        <p14:creationId xmlns:p14="http://schemas.microsoft.com/office/powerpoint/2010/main" val="1971946551"/>
+      </p:ext>
+    </p:extLst>
+  </p:cSld>
+  <p:clrMapOvr>
+    <a:masterClrMapping/>
+  </p:clrMapOvr>
+  <p:timing>
+    <p:tnLst>
+      <p:par>
+        <p:cTn id="1" dur="indefinite" restart="never" nodeType="tmRoot"/>
+      </p:par>
+    </p:tnLst>
+  </p:timing>
+</p:sld>
+</file>
+
+<file path=ppt/slides/slide11.xml><?xml version="1.0" encoding="utf-8"?>
+<p:sld xmlns:a="http://schemas.openxmlformats.org/drawingml/2006/main" xmlns:r="http://schemas.openxmlformats.org/officeDocument/2006/relationships" xmlns:p="http://schemas.openxmlformats.org/presentationml/2006/main">
+  <p:cSld>
+    <p:spTree>
+      <p:nvGrpSpPr>
+        <p:cNvPr id="1" name=""/>
+        <p:cNvGrpSpPr/>
+        <p:nvPr/>
+      </p:nvGrpSpPr>
+      <p:grpSpPr>
+        <a:xfrm>
+          <a:off x="0" y="0"/>
+          <a:ext cx="0" cy="0"/>
+          <a:chOff x="0" y="0"/>
+          <a:chExt cx="0" cy="0"/>
+        </a:xfrm>
+      </p:grpSpPr>
+      <p:pic>
+        <p:nvPicPr>
+          <p:cNvPr id="2" name="Picture 1"/>
+          <p:cNvPicPr>
+            <a:picLocks noChangeAspect="1"/>
+          </p:cNvPicPr>
+          <p:nvPr/>
+        </p:nvPicPr>
+        <p:blipFill>
+          <a:blip r:embed="rId2">
+            <a:extLst>
+              <a:ext uri="{28A0092B-C50C-407E-A947-70E740481C1C}">
+                <a14:useLocalDpi xmlns:a14="http://schemas.microsoft.com/office/drawing/2010/main" val="0"/>
+              </a:ext>
+            </a:extLst>
+          </a:blip>
+          <a:stretch>
+            <a:fillRect/>
+          </a:stretch>
+        </p:blipFill>
+        <p:spPr>
+          <a:xfrm rot="16200000">
+            <a:off x="-1648795" y="1628607"/>
+            <a:ext cx="10854088" cy="7556502"/>
+          </a:xfrm>
+          <a:prstGeom prst="rect">
+            <a:avLst/>
+          </a:prstGeom>
+        </p:spPr>
+      </p:pic>
+      <p:sp>
+        <p:nvSpPr>
+          <p:cNvPr id="3" name="Content Placeholder 2"/>
+          <p:cNvSpPr txBox="1">
+            <a:spLocks/>
+          </p:cNvSpPr>
+          <p:nvPr/>
+        </p:nvSpPr>
+        <p:spPr>
+          <a:xfrm>
+            <a:off x="767896" y="774700"/>
+            <a:ext cx="6020705" cy="772051"/>
+          </a:xfrm>
+          <a:prstGeom prst="rect">
+            <a:avLst/>
+          </a:prstGeom>
+        </p:spPr>
+        <p:txBody>
+          <a:bodyPr>
+            <a:noAutofit/>
+          </a:bodyPr>
+          <a:lstStyle>
+            <a:lvl1pPr marL="0">
+              <a:defRPr>
+                <a:latin typeface="+mn-lt"/>
+                <a:ea typeface="+mn-ea"/>
+                <a:cs typeface="+mn-cs"/>
+              </a:defRPr>
+            </a:lvl1pPr>
+            <a:lvl2pPr marL="457200">
+              <a:defRPr>
+                <a:latin typeface="+mn-lt"/>
+                <a:ea typeface="+mn-ea"/>
+                <a:cs typeface="+mn-cs"/>
+              </a:defRPr>
+            </a:lvl2pPr>
+            <a:lvl3pPr marL="914400">
+              <a:defRPr>
+                <a:latin typeface="+mn-lt"/>
+                <a:ea typeface="+mn-ea"/>
+                <a:cs typeface="+mn-cs"/>
+              </a:defRPr>
+            </a:lvl3pPr>
+            <a:lvl4pPr marL="1371600">
+              <a:defRPr>
+                <a:latin typeface="+mn-lt"/>
+                <a:ea typeface="+mn-ea"/>
+                <a:cs typeface="+mn-cs"/>
+              </a:defRPr>
+            </a:lvl4pPr>
+            <a:lvl5pPr marL="1828800">
+              <a:defRPr>
+                <a:latin typeface="+mn-lt"/>
+                <a:ea typeface="+mn-ea"/>
+                <a:cs typeface="+mn-cs"/>
+              </a:defRPr>
+            </a:lvl5pPr>
+            <a:lvl6pPr marL="2286000">
+              <a:defRPr>
+                <a:latin typeface="+mn-lt"/>
+                <a:ea typeface="+mn-ea"/>
+                <a:cs typeface="+mn-cs"/>
+              </a:defRPr>
+            </a:lvl6pPr>
+            <a:lvl7pPr marL="2743200">
+              <a:defRPr>
+                <a:latin typeface="+mn-lt"/>
+                <a:ea typeface="+mn-ea"/>
+                <a:cs typeface="+mn-cs"/>
+              </a:defRPr>
+            </a:lvl7pPr>
+            <a:lvl8pPr marL="3200400">
+              <a:defRPr>
+                <a:latin typeface="+mn-lt"/>
+                <a:ea typeface="+mn-ea"/>
+                <a:cs typeface="+mn-cs"/>
+              </a:defRPr>
+            </a:lvl8pPr>
+            <a:lvl9pPr marL="3657600">
+              <a:defRPr>
+                <a:latin typeface="+mn-lt"/>
+                <a:ea typeface="+mn-ea"/>
+                <a:cs typeface="+mn-cs"/>
+              </a:defRPr>
+            </a:lvl9pPr>
+          </a:lstStyle>
+          <a:p>
+            <a:pPr algn="ctr"/>
+            <a:r>
+              <a:rPr lang="en-US" sz="4000" b="1" kern="0" dirty="0" smtClean="0">
+                <a:ln w="12700">
+                  <a:solidFill>
+                    <a:schemeClr val="tx2">
+                      <a:lumMod val="75000"/>
+                    </a:schemeClr>
+                  </a:solidFill>
+                  <a:prstDash val="solid"/>
+                </a:ln>
+                <a:pattFill prst="dkUpDiag">
+                  <a:fgClr>
+                    <a:schemeClr val="tx2"/>
+                  </a:fgClr>
+                  <a:bgClr>
+                    <a:schemeClr val="tx2">
+                      <a:lumMod val="20000"/>
+                      <a:lumOff val="80000"/>
+                    </a:schemeClr>
+                  </a:bgClr>
+                </a:pattFill>
+                <a:effectLst>
+                  <a:outerShdw dist="38100" dir="2640000" algn="bl" rotWithShape="0">
+                    <a:schemeClr val="tx2">
+                      <a:lumMod val="75000"/>
+                    </a:schemeClr>
+                  </a:outerShdw>
+                </a:effectLst>
+              </a:rPr>
+              <a:t>Hypermedia as the Engine of Application State</a:t>
+            </a:r>
+            <a:endParaRPr lang="en-US" sz="4000" kern="0" dirty="0">
+              <a:solidFill>
+                <a:sysClr val="windowText" lastClr="000000"/>
+              </a:solidFill>
+            </a:endParaRPr>
+          </a:p>
+        </p:txBody>
+      </p:sp>
+      <p:pic>
+        <p:nvPicPr>
+          <p:cNvPr id="4" name="Picture 3"/>
+          <p:cNvPicPr>
+            <a:picLocks noChangeAspect="1"/>
+          </p:cNvPicPr>
+          <p:nvPr/>
+        </p:nvPicPr>
+        <p:blipFill>
+          <a:blip r:embed="rId3"/>
+          <a:stretch>
+            <a:fillRect/>
+          </a:stretch>
+        </p:blipFill>
+        <p:spPr>
+          <a:xfrm>
+            <a:off x="652461" y="8775700"/>
+            <a:ext cx="6251574" cy="1348522"/>
+          </a:xfrm>
+          <a:prstGeom prst="rect">
+            <a:avLst/>
+          </a:prstGeom>
+        </p:spPr>
+      </p:pic>
+      <p:pic>
+        <p:nvPicPr>
+          <p:cNvPr id="5" name="Picture 4"/>
+          <p:cNvPicPr>
+            <a:picLocks noChangeAspect="1"/>
+          </p:cNvPicPr>
+          <p:nvPr/>
+        </p:nvPicPr>
+        <p:blipFill>
+          <a:blip r:embed="rId4"/>
+          <a:stretch>
+            <a:fillRect/>
+          </a:stretch>
+        </p:blipFill>
+        <p:spPr>
+          <a:xfrm>
+            <a:off x="1477960" y="4018038"/>
+            <a:ext cx="4600575" cy="4448175"/>
+          </a:xfrm>
+          <a:prstGeom prst="rect">
+            <a:avLst/>
+          </a:prstGeom>
+        </p:spPr>
+      </p:pic>
+      <p:sp>
+        <p:nvSpPr>
+          <p:cNvPr id="6" name="Rectangle 5"/>
+          <p:cNvSpPr/>
+          <p:nvPr/>
+        </p:nvSpPr>
+        <p:spPr>
+          <a:xfrm>
+            <a:off x="2750373" y="2445891"/>
+            <a:ext cx="4609278" cy="1077218"/>
+          </a:xfrm>
+          <a:prstGeom prst="rect">
+            <a:avLst/>
+          </a:prstGeom>
+        </p:spPr>
+        <p:txBody>
+          <a:bodyPr wrap="square">
+            <a:spAutoFit/>
+          </a:bodyPr>
+          <a:lstStyle/>
+          <a:p>
+            <a:pPr algn="just"/>
+            <a:r>
+              <a:rPr lang="ru-RU" sz="1600" dirty="0">
+                <a:latin typeface="Arial" pitchFamily="34" charset="0"/>
+                <a:cs typeface="Arial" pitchFamily="34" charset="0"/>
+              </a:rPr>
+              <a:t>Предоставя връзки </a:t>
+            </a:r>
+            <a:r>
+              <a:rPr lang="ru-RU" sz="1600" dirty="0" smtClean="0">
+                <a:latin typeface="Arial" pitchFamily="34" charset="0"/>
+                <a:cs typeface="Arial" pitchFamily="34" charset="0"/>
+              </a:rPr>
+              <a:t>в </a:t>
+            </a:r>
+            <a:r>
+              <a:rPr lang="ru-RU" sz="1600" dirty="0">
+                <a:latin typeface="Arial" pitchFamily="34" charset="0"/>
+                <a:cs typeface="Arial" pitchFamily="34" charset="0"/>
+              </a:rPr>
+              <a:t>съдържанието на отговора, така че клиентът да може динамично да се придвижва до съответния </a:t>
+            </a:r>
+            <a:r>
+              <a:rPr lang="ru-RU" sz="1600" dirty="0" smtClean="0">
+                <a:latin typeface="Arial" pitchFamily="34" charset="0"/>
+                <a:cs typeface="Arial" pitchFamily="34" charset="0"/>
+              </a:rPr>
+              <a:t>ресурс</a:t>
+            </a:r>
+            <a:r>
+              <a:rPr lang="en-US" sz="1600" dirty="0" smtClean="0">
+                <a:latin typeface="Arial" pitchFamily="34" charset="0"/>
+                <a:cs typeface="Arial" pitchFamily="34" charset="0"/>
+              </a:rPr>
+              <a:t>. </a:t>
+            </a:r>
+            <a:endParaRPr lang="en-US" sz="1600" dirty="0">
+              <a:latin typeface="Arial" pitchFamily="34" charset="0"/>
+              <a:cs typeface="Arial" pitchFamily="34" charset="0"/>
+            </a:endParaRPr>
+          </a:p>
+        </p:txBody>
+      </p:sp>
+      <p:sp>
+        <p:nvSpPr>
+          <p:cNvPr id="7" name="Rectangle 6"/>
+          <p:cNvSpPr/>
+          <p:nvPr/>
+        </p:nvSpPr>
+        <p:spPr>
+          <a:xfrm>
+            <a:off x="2583678" y="3648706"/>
+            <a:ext cx="2880660" cy="369332"/>
+          </a:xfrm>
+          <a:prstGeom prst="rect">
+            <a:avLst/>
+          </a:prstGeom>
+        </p:spPr>
+        <p:txBody>
+          <a:bodyPr wrap="none">
+            <a:spAutoFit/>
+          </a:bodyPr>
+          <a:lstStyle/>
+          <a:p>
+            <a:pPr algn="just"/>
+            <a:r>
+              <a:rPr lang="bg-BG" dirty="0">
+                <a:latin typeface="Arial" pitchFamily="34" charset="0"/>
+                <a:cs typeface="Arial" pitchFamily="34" charset="0"/>
+              </a:rPr>
+              <a:t>Пример от </a:t>
+            </a:r>
+            <a:r>
+              <a:rPr lang="en-US" dirty="0" err="1" smtClean="0">
+                <a:latin typeface="Arial" pitchFamily="34" charset="0"/>
+                <a:cs typeface="Arial" pitchFamily="34" charset="0"/>
+              </a:rPr>
+              <a:t>api</a:t>
+            </a:r>
+            <a:r>
+              <a:rPr lang="en-US" dirty="0" smtClean="0">
+                <a:latin typeface="Arial" pitchFamily="34" charset="0"/>
+                <a:cs typeface="Arial" pitchFamily="34" charset="0"/>
+              </a:rPr>
+              <a:t>/</a:t>
+            </a:r>
+            <a:r>
+              <a:rPr lang="en-US" dirty="0" err="1" smtClean="0">
+                <a:latin typeface="Arial" pitchFamily="34" charset="0"/>
+                <a:cs typeface="Arial" pitchFamily="34" charset="0"/>
+              </a:rPr>
+              <a:t>auth</a:t>
+            </a:r>
+            <a:r>
+              <a:rPr lang="en-US" dirty="0" smtClean="0">
+                <a:latin typeface="Arial" pitchFamily="34" charset="0"/>
+                <a:cs typeface="Arial" pitchFamily="34" charset="0"/>
+              </a:rPr>
+              <a:t>/login</a:t>
+            </a:r>
+            <a:r>
+              <a:rPr lang="en-US" dirty="0">
+                <a:latin typeface="Arial" pitchFamily="34" charset="0"/>
+                <a:cs typeface="Arial" pitchFamily="34" charset="0"/>
+              </a:rPr>
+              <a:t>: </a:t>
+            </a:r>
+            <a:endParaRPr lang="en-US" dirty="0">
+              <a:latin typeface="Arial" pitchFamily="34" charset="0"/>
+              <a:cs typeface="Arial" pitchFamily="34" charset="0"/>
+            </a:endParaRPr>
+          </a:p>
+        </p:txBody>
+      </p:sp>
+    </p:spTree>
+    <p:extLst>
+      <p:ext uri="{BB962C8B-B14F-4D97-AF65-F5344CB8AC3E}">
+        <p14:creationId xmlns:p14="http://schemas.microsoft.com/office/powerpoint/2010/main" val="3514273470"/>
+      </p:ext>
+    </p:extLst>
+  </p:cSld>
+  <p:clrMapOvr>
+    <a:masterClrMapping/>
+  </p:clrMapOvr>
+  <p:timing>
+    <p:tnLst>
+      <p:par>
+        <p:cTn id="1" dur="indefinite" restart="never" nodeType="tmRoot"/>
+      </p:par>
+    </p:tnLst>
+  </p:timing>
 </p:sld>
 </file>
 
@@ -3414,7 +4393,7 @@
         <p:spPr>
           <a:xfrm>
             <a:off x="882650" y="241300"/>
-            <a:ext cx="5335270" cy="925194"/>
+            <a:ext cx="5335270" cy="452688"/>
           </a:xfrm>
           <a:prstGeom prst="rect">
             <a:avLst/>
@@ -3449,106 +4428,184 @@
               <a:cs typeface="Trebuchet MS"/>
             </a:endParaRPr>
           </a:p>
-          <a:p>
-            <a:pPr marL="12700" marR="5080">
-              <a:lnSpc>
-                <a:spcPct val="117300"/>
-              </a:lnSpc>
-              <a:spcBef>
-                <a:spcPts val="555"/>
-              </a:spcBef>
-            </a:pPr>
-            <a:r>
-              <a:rPr sz="1100" spc="-75" dirty="0">
-                <a:latin typeface="Arial"/>
-                <a:cs typeface="Arial"/>
-              </a:rPr>
-              <a:t>Силно </a:t>
-            </a:r>
-            <a:r>
-              <a:rPr sz="1100" spc="-50" dirty="0">
-                <a:latin typeface="Arial"/>
-                <a:cs typeface="Arial"/>
-              </a:rPr>
-              <a:t>препоръчително </a:t>
-            </a:r>
-            <a:r>
-              <a:rPr sz="1100" spc="-65" dirty="0">
-                <a:latin typeface="Arial"/>
-                <a:cs typeface="Arial"/>
-              </a:rPr>
-              <a:t>е </a:t>
-            </a:r>
-            <a:r>
-              <a:rPr sz="1100" spc="-60" dirty="0">
-                <a:latin typeface="Arial"/>
-                <a:cs typeface="Arial"/>
-              </a:rPr>
-              <a:t>да </a:t>
-            </a:r>
-            <a:r>
-              <a:rPr sz="1100" spc="-40" dirty="0">
-                <a:latin typeface="Arial"/>
-                <a:cs typeface="Arial"/>
-              </a:rPr>
-              <a:t>приложите </a:t>
-            </a:r>
-            <a:r>
-              <a:rPr sz="1100" spc="-50" dirty="0">
-                <a:latin typeface="Arial"/>
-                <a:cs typeface="Arial"/>
-              </a:rPr>
-              <a:t>подходящи </a:t>
-            </a:r>
-            <a:r>
-              <a:rPr sz="1100" b="1" spc="-65" dirty="0">
-                <a:latin typeface="Trebuchet MS"/>
-                <a:cs typeface="Trebuchet MS"/>
-              </a:rPr>
-              <a:t>screenshots </a:t>
-            </a:r>
-            <a:r>
-              <a:rPr sz="1100" spc="-55" dirty="0">
-                <a:latin typeface="Arial"/>
-                <a:cs typeface="Arial"/>
-              </a:rPr>
-              <a:t>от </a:t>
-            </a:r>
-            <a:r>
-              <a:rPr sz="1100" spc="-70" dirty="0">
-                <a:latin typeface="Arial"/>
-                <a:cs typeface="Arial"/>
-              </a:rPr>
-              <a:t>вашето </a:t>
-            </a:r>
-            <a:r>
-              <a:rPr sz="1100" spc="-35" dirty="0">
-                <a:latin typeface="Arial"/>
-                <a:cs typeface="Arial"/>
-              </a:rPr>
-              <a:t>приложение </a:t>
-            </a:r>
-            <a:r>
-              <a:rPr sz="1100" spc="-60" dirty="0">
-                <a:latin typeface="Arial"/>
-                <a:cs typeface="Arial"/>
-              </a:rPr>
-              <a:t>в  </a:t>
-            </a:r>
-            <a:r>
-              <a:rPr sz="1100" spc="-50" dirty="0">
-                <a:latin typeface="Arial"/>
-                <a:cs typeface="Arial"/>
-              </a:rPr>
-              <a:t>действие.</a:t>
-            </a:r>
-            <a:endParaRPr sz="1100" dirty="0">
-              <a:latin typeface="Arial"/>
-              <a:cs typeface="Arial"/>
-            </a:endParaRPr>
-          </a:p>
         </p:txBody>
       </p:sp>
+      <p:pic>
+        <p:nvPicPr>
+          <p:cNvPr id="2050" name="Picture 2" descr="C:\Users\Jordan\Pictures\Capture.JPG"/>
+          <p:cNvPicPr>
+            <a:picLocks noChangeAspect="1" noChangeArrowheads="1"/>
+          </p:cNvPicPr>
+          <p:nvPr/>
+        </p:nvPicPr>
+        <p:blipFill>
+          <a:blip r:embed="rId2">
+            <a:extLst>
+              <a:ext uri="{28A0092B-C50C-407E-A947-70E740481C1C}">
+                <a14:useLocalDpi xmlns:a14="http://schemas.microsoft.com/office/drawing/2010/main" val="0"/>
+              </a:ext>
+            </a:extLst>
+          </a:blip>
+          <a:srcRect/>
+          <a:stretch>
+            <a:fillRect/>
+          </a:stretch>
+        </p:blipFill>
+        <p:spPr bwMode="auto">
+          <a:xfrm>
+            <a:off x="425450" y="693988"/>
+            <a:ext cx="6612098" cy="2844910"/>
+          </a:xfrm>
+          <a:prstGeom prst="rect">
+            <a:avLst/>
+          </a:prstGeom>
+          <a:ln>
+            <a:noFill/>
+          </a:ln>
+          <a:effectLst>
+            <a:softEdge rad="112500"/>
+          </a:effectLst>
+          <a:extLst>
+            <a:ext uri="{909E8E84-426E-40DD-AFC4-6F175D3DCCD1}">
+              <a14:hiddenFill xmlns:a14="http://schemas.microsoft.com/office/drawing/2010/main">
+                <a:solidFill>
+                  <a:srgbClr val="FFFFFF"/>
+                </a:solidFill>
+              </a14:hiddenFill>
+            </a:ext>
+          </a:extLst>
+        </p:spPr>
+      </p:pic>
+      <p:pic>
+        <p:nvPicPr>
+          <p:cNvPr id="2051" name="Picture 3"/>
+          <p:cNvPicPr>
+            <a:picLocks noChangeAspect="1" noChangeArrowheads="1"/>
+          </p:cNvPicPr>
+          <p:nvPr/>
+        </p:nvPicPr>
+        <p:blipFill>
+          <a:blip r:embed="rId3">
+            <a:extLst>
+              <a:ext uri="{28A0092B-C50C-407E-A947-70E740481C1C}">
+                <a14:useLocalDpi xmlns:a14="http://schemas.microsoft.com/office/drawing/2010/main" val="0"/>
+              </a:ext>
+            </a:extLst>
+          </a:blip>
+          <a:srcRect/>
+          <a:stretch>
+            <a:fillRect/>
+          </a:stretch>
+        </p:blipFill>
+        <p:spPr bwMode="auto">
+          <a:xfrm>
+            <a:off x="425451" y="3365500"/>
+            <a:ext cx="6591234" cy="2900363"/>
+          </a:xfrm>
+          <a:prstGeom prst="rect">
+            <a:avLst/>
+          </a:prstGeom>
+          <a:ln>
+            <a:noFill/>
+          </a:ln>
+          <a:effectLst>
+            <a:softEdge rad="112500"/>
+          </a:effectLst>
+          <a:extLst>
+            <a:ext uri="{909E8E84-426E-40DD-AFC4-6F175D3DCCD1}">
+              <a14:hiddenFill xmlns:a14="http://schemas.microsoft.com/office/drawing/2010/main">
+                <a:solidFill>
+                  <a:schemeClr val="accent1"/>
+                </a:solidFill>
+              </a14:hiddenFill>
+            </a:ext>
+            <a:ext uri="{91240B29-F687-4F45-9708-019B960494DF}">
+              <a14:hiddenLine xmlns:a14="http://schemas.microsoft.com/office/drawing/2010/main" w="9525">
+                <a:solidFill>
+                  <a:schemeClr val="tx1"/>
+                </a:solidFill>
+                <a:miter lim="800000"/>
+                <a:headEnd/>
+                <a:tailEnd/>
+              </a14:hiddenLine>
+            </a:ext>
+            <a:ext uri="{AF507438-7753-43E0-B8FC-AC1667EBCBE1}">
+              <a14:hiddenEffects xmlns:a14="http://schemas.microsoft.com/office/drawing/2010/main">
+                <a:effectLst>
+                  <a:outerShdw dist="35921" dir="2700000" algn="ctr" rotWithShape="0">
+                    <a:schemeClr val="bg2"/>
+                  </a:outerShdw>
+                </a:effectLst>
+              </a14:hiddenEffects>
+            </a:ext>
+          </a:extLst>
+        </p:spPr>
+      </p:pic>
+      <p:pic>
+        <p:nvPicPr>
+          <p:cNvPr id="2052" name="Picture 4"/>
+          <p:cNvPicPr>
+            <a:picLocks noChangeAspect="1" noChangeArrowheads="1"/>
+          </p:cNvPicPr>
+          <p:nvPr/>
+        </p:nvPicPr>
+        <p:blipFill>
+          <a:blip r:embed="rId4">
+            <a:extLst>
+              <a:ext uri="{28A0092B-C50C-407E-A947-70E740481C1C}">
+                <a14:useLocalDpi xmlns:a14="http://schemas.microsoft.com/office/drawing/2010/main" val="0"/>
+              </a:ext>
+            </a:extLst>
+          </a:blip>
+          <a:srcRect/>
+          <a:stretch>
+            <a:fillRect/>
+          </a:stretch>
+        </p:blipFill>
+        <p:spPr bwMode="auto">
+          <a:xfrm>
+            <a:off x="425449" y="5956300"/>
+            <a:ext cx="6591235" cy="2667000"/>
+          </a:xfrm>
+          <a:prstGeom prst="rect">
+            <a:avLst/>
+          </a:prstGeom>
+          <a:ln>
+            <a:noFill/>
+          </a:ln>
+          <a:effectLst>
+            <a:softEdge rad="112500"/>
+          </a:effectLst>
+          <a:extLst>
+            <a:ext uri="{909E8E84-426E-40DD-AFC4-6F175D3DCCD1}">
+              <a14:hiddenFill xmlns:a14="http://schemas.microsoft.com/office/drawing/2010/main">
+                <a:solidFill>
+                  <a:schemeClr val="accent1"/>
+                </a:solidFill>
+              </a14:hiddenFill>
+            </a:ext>
+            <a:ext uri="{91240B29-F687-4F45-9708-019B960494DF}">
+              <a14:hiddenLine xmlns:a14="http://schemas.microsoft.com/office/drawing/2010/main" w="9525">
+                <a:solidFill>
+                  <a:schemeClr val="tx1"/>
+                </a:solidFill>
+                <a:miter lim="800000"/>
+                <a:headEnd/>
+                <a:tailEnd/>
+              </a14:hiddenLine>
+            </a:ext>
+            <a:ext uri="{AF507438-7753-43E0-B8FC-AC1667EBCBE1}">
+              <a14:hiddenEffects xmlns:a14="http://schemas.microsoft.com/office/drawing/2010/main">
+                <a:effectLst>
+                  <a:outerShdw dist="35921" dir="2700000" algn="ctr" rotWithShape="0">
+                    <a:schemeClr val="bg2"/>
+                  </a:outerShdw>
+                </a:effectLst>
+              </a14:hiddenEffects>
+            </a:ext>
+          </a:extLst>
+        </p:spPr>
+      </p:pic>
     </p:spTree>
     <p:extLst>
       <p:ext uri="{BB962C8B-B14F-4D97-AF65-F5344CB8AC3E}">
@@ -3559,10 +4616,872 @@
   <p:clrMapOvr>
     <a:masterClrMapping/>
   </p:clrMapOvr>
+  <p:timing>
+    <p:tnLst>
+      <p:par>
+        <p:cTn id="1" dur="indefinite" restart="never" nodeType="tmRoot"/>
+      </p:par>
+    </p:tnLst>
+  </p:timing>
 </p:sld>
 </file>
 
 <file path=ppt/slides/slide3.xml><?xml version="1.0" encoding="utf-8"?>
+<p:sld xmlns:a="http://schemas.openxmlformats.org/drawingml/2006/main" xmlns:r="http://schemas.openxmlformats.org/officeDocument/2006/relationships" xmlns:p="http://schemas.openxmlformats.org/presentationml/2006/main">
+  <p:cSld>
+    <p:spTree>
+      <p:nvGrpSpPr>
+        <p:cNvPr id="1" name=""/>
+        <p:cNvGrpSpPr/>
+        <p:nvPr/>
+      </p:nvGrpSpPr>
+      <p:grpSpPr>
+        <a:xfrm>
+          <a:off x="0" y="0"/>
+          <a:ext cx="0" cy="0"/>
+          <a:chOff x="0" y="0"/>
+          <a:chExt cx="0" cy="0"/>
+        </a:xfrm>
+      </p:grpSpPr>
+      <p:pic>
+        <p:nvPicPr>
+          <p:cNvPr id="3074" name="Picture 2" descr="C:\Users\Jordan\Pictures\Capture.JPG"/>
+          <p:cNvPicPr>
+            <a:picLocks noChangeAspect="1" noChangeArrowheads="1"/>
+          </p:cNvPicPr>
+          <p:nvPr/>
+        </p:nvPicPr>
+        <p:blipFill>
+          <a:blip r:embed="rId2">
+            <a:extLst>
+              <a:ext uri="{28A0092B-C50C-407E-A947-70E740481C1C}">
+                <a14:useLocalDpi xmlns:a14="http://schemas.microsoft.com/office/drawing/2010/main" val="0"/>
+              </a:ext>
+            </a:extLst>
+          </a:blip>
+          <a:srcRect/>
+          <a:stretch>
+            <a:fillRect/>
+          </a:stretch>
+        </p:blipFill>
+        <p:spPr bwMode="auto">
+          <a:xfrm>
+            <a:off x="1035050" y="165100"/>
+            <a:ext cx="5711498" cy="2628900"/>
+          </a:xfrm>
+          <a:prstGeom prst="rect">
+            <a:avLst/>
+          </a:prstGeom>
+          <a:ln>
+            <a:noFill/>
+          </a:ln>
+          <a:effectLst>
+            <a:softEdge rad="112500"/>
+          </a:effectLst>
+          <a:extLst>
+            <a:ext uri="{909E8E84-426E-40DD-AFC4-6F175D3DCCD1}">
+              <a14:hiddenFill xmlns:a14="http://schemas.microsoft.com/office/drawing/2010/main">
+                <a:solidFill>
+                  <a:srgbClr val="FFFFFF"/>
+                </a:solidFill>
+              </a14:hiddenFill>
+            </a:ext>
+          </a:extLst>
+        </p:spPr>
+      </p:pic>
+      <p:pic>
+        <p:nvPicPr>
+          <p:cNvPr id="3075" name="Picture 3"/>
+          <p:cNvPicPr>
+            <a:picLocks noChangeAspect="1" noChangeArrowheads="1"/>
+          </p:cNvPicPr>
+          <p:nvPr/>
+        </p:nvPicPr>
+        <p:blipFill>
+          <a:blip r:embed="rId3">
+            <a:extLst>
+              <a:ext uri="{28A0092B-C50C-407E-A947-70E740481C1C}">
+                <a14:useLocalDpi xmlns:a14="http://schemas.microsoft.com/office/drawing/2010/main" val="0"/>
+              </a:ext>
+            </a:extLst>
+          </a:blip>
+          <a:srcRect/>
+          <a:stretch>
+            <a:fillRect/>
+          </a:stretch>
+        </p:blipFill>
+        <p:spPr bwMode="auto">
+          <a:xfrm>
+            <a:off x="1035050" y="2763630"/>
+            <a:ext cx="5711498" cy="2611381"/>
+          </a:xfrm>
+          <a:prstGeom prst="rect">
+            <a:avLst/>
+          </a:prstGeom>
+          <a:ln>
+            <a:noFill/>
+          </a:ln>
+          <a:effectLst>
+            <a:softEdge rad="112500"/>
+          </a:effectLst>
+          <a:extLst>
+            <a:ext uri="{909E8E84-426E-40DD-AFC4-6F175D3DCCD1}">
+              <a14:hiddenFill xmlns:a14="http://schemas.microsoft.com/office/drawing/2010/main">
+                <a:solidFill>
+                  <a:schemeClr val="accent1"/>
+                </a:solidFill>
+              </a14:hiddenFill>
+            </a:ext>
+            <a:ext uri="{91240B29-F687-4F45-9708-019B960494DF}">
+              <a14:hiddenLine xmlns:a14="http://schemas.microsoft.com/office/drawing/2010/main" w="9525">
+                <a:solidFill>
+                  <a:schemeClr val="tx1"/>
+                </a:solidFill>
+                <a:miter lim="800000"/>
+                <a:headEnd/>
+                <a:tailEnd/>
+              </a14:hiddenLine>
+            </a:ext>
+            <a:ext uri="{AF507438-7753-43E0-B8FC-AC1667EBCBE1}">
+              <a14:hiddenEffects xmlns:a14="http://schemas.microsoft.com/office/drawing/2010/main">
+                <a:effectLst>
+                  <a:outerShdw dist="35921" dir="2700000" algn="ctr" rotWithShape="0">
+                    <a:schemeClr val="bg2"/>
+                  </a:outerShdw>
+                </a:effectLst>
+              </a14:hiddenEffects>
+            </a:ext>
+          </a:extLst>
+        </p:spPr>
+      </p:pic>
+      <p:pic>
+        <p:nvPicPr>
+          <p:cNvPr id="3077" name="Picture 5"/>
+          <p:cNvPicPr>
+            <a:picLocks noChangeAspect="1" noChangeArrowheads="1"/>
+          </p:cNvPicPr>
+          <p:nvPr/>
+        </p:nvPicPr>
+        <p:blipFill>
+          <a:blip r:embed="rId4">
+            <a:extLst>
+              <a:ext uri="{28A0092B-C50C-407E-A947-70E740481C1C}">
+                <a14:useLocalDpi xmlns:a14="http://schemas.microsoft.com/office/drawing/2010/main" val="0"/>
+              </a:ext>
+            </a:extLst>
+          </a:blip>
+          <a:srcRect/>
+          <a:stretch>
+            <a:fillRect/>
+          </a:stretch>
+        </p:blipFill>
+        <p:spPr bwMode="auto">
+          <a:xfrm>
+            <a:off x="1035050" y="5377772"/>
+            <a:ext cx="5711498" cy="1790894"/>
+          </a:xfrm>
+          <a:prstGeom prst="rect">
+            <a:avLst/>
+          </a:prstGeom>
+          <a:ln>
+            <a:noFill/>
+          </a:ln>
+          <a:effectLst>
+            <a:softEdge rad="112500"/>
+          </a:effectLst>
+          <a:extLst>
+            <a:ext uri="{909E8E84-426E-40DD-AFC4-6F175D3DCCD1}">
+              <a14:hiddenFill xmlns:a14="http://schemas.microsoft.com/office/drawing/2010/main">
+                <a:solidFill>
+                  <a:schemeClr val="accent1"/>
+                </a:solidFill>
+              </a14:hiddenFill>
+            </a:ext>
+            <a:ext uri="{91240B29-F687-4F45-9708-019B960494DF}">
+              <a14:hiddenLine xmlns:a14="http://schemas.microsoft.com/office/drawing/2010/main" w="9525">
+                <a:solidFill>
+                  <a:schemeClr val="tx1"/>
+                </a:solidFill>
+                <a:miter lim="800000"/>
+                <a:headEnd/>
+                <a:tailEnd/>
+              </a14:hiddenLine>
+            </a:ext>
+            <a:ext uri="{AF507438-7753-43E0-B8FC-AC1667EBCBE1}">
+              <a14:hiddenEffects xmlns:a14="http://schemas.microsoft.com/office/drawing/2010/main">
+                <a:effectLst>
+                  <a:outerShdw dist="35921" dir="2700000" algn="ctr" rotWithShape="0">
+                    <a:schemeClr val="bg2"/>
+                  </a:outerShdw>
+                </a:effectLst>
+              </a14:hiddenEffects>
+            </a:ext>
+          </a:extLst>
+        </p:spPr>
+      </p:pic>
+      <p:pic>
+        <p:nvPicPr>
+          <p:cNvPr id="3078" name="Picture 6"/>
+          <p:cNvPicPr>
+            <a:picLocks noChangeAspect="1" noChangeArrowheads="1"/>
+          </p:cNvPicPr>
+          <p:nvPr/>
+        </p:nvPicPr>
+        <p:blipFill>
+          <a:blip r:embed="rId5">
+            <a:extLst>
+              <a:ext uri="{28A0092B-C50C-407E-A947-70E740481C1C}">
+                <a14:useLocalDpi xmlns:a14="http://schemas.microsoft.com/office/drawing/2010/main" val="0"/>
+              </a:ext>
+            </a:extLst>
+          </a:blip>
+          <a:srcRect/>
+          <a:stretch>
+            <a:fillRect/>
+          </a:stretch>
+        </p:blipFill>
+        <p:spPr bwMode="auto">
+          <a:xfrm>
+            <a:off x="1035050" y="7023100"/>
+            <a:ext cx="5711498" cy="2574437"/>
+          </a:xfrm>
+          <a:prstGeom prst="rect">
+            <a:avLst/>
+          </a:prstGeom>
+          <a:ln>
+            <a:noFill/>
+          </a:ln>
+          <a:effectLst>
+            <a:softEdge rad="112500"/>
+          </a:effectLst>
+          <a:extLst>
+            <a:ext uri="{909E8E84-426E-40DD-AFC4-6F175D3DCCD1}">
+              <a14:hiddenFill xmlns:a14="http://schemas.microsoft.com/office/drawing/2010/main">
+                <a:solidFill>
+                  <a:schemeClr val="accent1"/>
+                </a:solidFill>
+              </a14:hiddenFill>
+            </a:ext>
+            <a:ext uri="{91240B29-F687-4F45-9708-019B960494DF}">
+              <a14:hiddenLine xmlns:a14="http://schemas.microsoft.com/office/drawing/2010/main" w="9525">
+                <a:solidFill>
+                  <a:schemeClr val="tx1"/>
+                </a:solidFill>
+                <a:miter lim="800000"/>
+                <a:headEnd/>
+                <a:tailEnd/>
+              </a14:hiddenLine>
+            </a:ext>
+            <a:ext uri="{AF507438-7753-43E0-B8FC-AC1667EBCBE1}">
+              <a14:hiddenEffects xmlns:a14="http://schemas.microsoft.com/office/drawing/2010/main">
+                <a:effectLst>
+                  <a:outerShdw dist="35921" dir="2700000" algn="ctr" rotWithShape="0">
+                    <a:schemeClr val="bg2"/>
+                  </a:outerShdw>
+                </a:effectLst>
+              </a14:hiddenEffects>
+            </a:ext>
+          </a:extLst>
+        </p:spPr>
+      </p:pic>
+    </p:spTree>
+    <p:extLst>
+      <p:ext uri="{BB962C8B-B14F-4D97-AF65-F5344CB8AC3E}">
+        <p14:creationId xmlns:p14="http://schemas.microsoft.com/office/powerpoint/2010/main" val="1054320100"/>
+      </p:ext>
+    </p:extLst>
+  </p:cSld>
+  <p:clrMapOvr>
+    <a:masterClrMapping/>
+  </p:clrMapOvr>
+  <p:timing>
+    <p:tnLst>
+      <p:par>
+        <p:cTn id="1" dur="indefinite" restart="never" nodeType="tmRoot"/>
+      </p:par>
+    </p:tnLst>
+  </p:timing>
+</p:sld>
+</file>
+
+<file path=ppt/slides/slide4.xml><?xml version="1.0" encoding="utf-8"?>
+<p:sld xmlns:a="http://schemas.openxmlformats.org/drawingml/2006/main" xmlns:r="http://schemas.openxmlformats.org/officeDocument/2006/relationships" xmlns:p="http://schemas.openxmlformats.org/presentationml/2006/main">
+  <p:cSld>
+    <p:spTree>
+      <p:nvGrpSpPr>
+        <p:cNvPr id="1" name=""/>
+        <p:cNvGrpSpPr/>
+        <p:nvPr/>
+      </p:nvGrpSpPr>
+      <p:grpSpPr>
+        <a:xfrm>
+          <a:off x="0" y="0"/>
+          <a:ext cx="0" cy="0"/>
+          <a:chOff x="0" y="0"/>
+          <a:chExt cx="0" cy="0"/>
+        </a:xfrm>
+      </p:grpSpPr>
+      <p:pic>
+        <p:nvPicPr>
+          <p:cNvPr id="4098" name="Picture 2"/>
+          <p:cNvPicPr>
+            <a:picLocks noChangeAspect="1" noChangeArrowheads="1"/>
+          </p:cNvPicPr>
+          <p:nvPr/>
+        </p:nvPicPr>
+        <p:blipFill>
+          <a:blip r:embed="rId2">
+            <a:extLst>
+              <a:ext uri="{28A0092B-C50C-407E-A947-70E740481C1C}">
+                <a14:useLocalDpi xmlns:a14="http://schemas.microsoft.com/office/drawing/2010/main" val="0"/>
+              </a:ext>
+            </a:extLst>
+          </a:blip>
+          <a:srcRect/>
+          <a:stretch>
+            <a:fillRect/>
+          </a:stretch>
+        </p:blipFill>
+        <p:spPr bwMode="auto">
+          <a:xfrm>
+            <a:off x="654184" y="317500"/>
+            <a:ext cx="6322977" cy="3081338"/>
+          </a:xfrm>
+          <a:prstGeom prst="rect">
+            <a:avLst/>
+          </a:prstGeom>
+          <a:ln>
+            <a:noFill/>
+          </a:ln>
+          <a:effectLst>
+            <a:softEdge rad="112500"/>
+          </a:effectLst>
+          <a:extLst>
+            <a:ext uri="{909E8E84-426E-40DD-AFC4-6F175D3DCCD1}">
+              <a14:hiddenFill xmlns:a14="http://schemas.microsoft.com/office/drawing/2010/main">
+                <a:solidFill>
+                  <a:schemeClr val="accent1"/>
+                </a:solidFill>
+              </a14:hiddenFill>
+            </a:ext>
+            <a:ext uri="{91240B29-F687-4F45-9708-019B960494DF}">
+              <a14:hiddenLine xmlns:a14="http://schemas.microsoft.com/office/drawing/2010/main" w="9525">
+                <a:solidFill>
+                  <a:schemeClr val="tx1"/>
+                </a:solidFill>
+                <a:miter lim="800000"/>
+                <a:headEnd/>
+                <a:tailEnd/>
+              </a14:hiddenLine>
+            </a:ext>
+            <a:ext uri="{AF507438-7753-43E0-B8FC-AC1667EBCBE1}">
+              <a14:hiddenEffects xmlns:a14="http://schemas.microsoft.com/office/drawing/2010/main">
+                <a:effectLst>
+                  <a:outerShdw dist="35921" dir="2700000" algn="ctr" rotWithShape="0">
+                    <a:schemeClr val="bg2"/>
+                  </a:outerShdw>
+                </a:effectLst>
+              </a14:hiddenEffects>
+            </a:ext>
+          </a:extLst>
+        </p:spPr>
+      </p:pic>
+      <p:pic>
+        <p:nvPicPr>
+          <p:cNvPr id="4099" name="Picture 3"/>
+          <p:cNvPicPr>
+            <a:picLocks noChangeAspect="1" noChangeArrowheads="1"/>
+          </p:cNvPicPr>
+          <p:nvPr/>
+        </p:nvPicPr>
+        <p:blipFill>
+          <a:blip r:embed="rId3">
+            <a:extLst>
+              <a:ext uri="{28A0092B-C50C-407E-A947-70E740481C1C}">
+                <a14:useLocalDpi xmlns:a14="http://schemas.microsoft.com/office/drawing/2010/main" val="0"/>
+              </a:ext>
+            </a:extLst>
+          </a:blip>
+          <a:srcRect/>
+          <a:stretch>
+            <a:fillRect/>
+          </a:stretch>
+        </p:blipFill>
+        <p:spPr bwMode="auto">
+          <a:xfrm>
+            <a:off x="613094" y="3398837"/>
+            <a:ext cx="6322977" cy="2704463"/>
+          </a:xfrm>
+          <a:prstGeom prst="rect">
+            <a:avLst/>
+          </a:prstGeom>
+          <a:ln>
+            <a:noFill/>
+          </a:ln>
+          <a:effectLst>
+            <a:softEdge rad="112500"/>
+          </a:effectLst>
+          <a:extLst>
+            <a:ext uri="{909E8E84-426E-40DD-AFC4-6F175D3DCCD1}">
+              <a14:hiddenFill xmlns:a14="http://schemas.microsoft.com/office/drawing/2010/main">
+                <a:solidFill>
+                  <a:schemeClr val="accent1"/>
+                </a:solidFill>
+              </a14:hiddenFill>
+            </a:ext>
+            <a:ext uri="{91240B29-F687-4F45-9708-019B960494DF}">
+              <a14:hiddenLine xmlns:a14="http://schemas.microsoft.com/office/drawing/2010/main" w="9525">
+                <a:solidFill>
+                  <a:schemeClr val="tx1"/>
+                </a:solidFill>
+                <a:miter lim="800000"/>
+                <a:headEnd/>
+                <a:tailEnd/>
+              </a14:hiddenLine>
+            </a:ext>
+            <a:ext uri="{AF507438-7753-43E0-B8FC-AC1667EBCBE1}">
+              <a14:hiddenEffects xmlns:a14="http://schemas.microsoft.com/office/drawing/2010/main">
+                <a:effectLst>
+                  <a:outerShdw dist="35921" dir="2700000" algn="ctr" rotWithShape="0">
+                    <a:schemeClr val="bg2"/>
+                  </a:outerShdw>
+                </a:effectLst>
+              </a14:hiddenEffects>
+            </a:ext>
+          </a:extLst>
+        </p:spPr>
+      </p:pic>
+      <p:pic>
+        <p:nvPicPr>
+          <p:cNvPr id="4100" name="Picture 4"/>
+          <p:cNvPicPr>
+            <a:picLocks noChangeAspect="1" noChangeArrowheads="1"/>
+          </p:cNvPicPr>
+          <p:nvPr/>
+        </p:nvPicPr>
+        <p:blipFill>
+          <a:blip r:embed="rId4">
+            <a:extLst>
+              <a:ext uri="{28A0092B-C50C-407E-A947-70E740481C1C}">
+                <a14:useLocalDpi xmlns:a14="http://schemas.microsoft.com/office/drawing/2010/main" val="0"/>
+              </a:ext>
+            </a:extLst>
+          </a:blip>
+          <a:srcRect/>
+          <a:stretch>
+            <a:fillRect/>
+          </a:stretch>
+        </p:blipFill>
+        <p:spPr bwMode="auto">
+          <a:xfrm>
+            <a:off x="644845" y="5956300"/>
+            <a:ext cx="6291225" cy="2631592"/>
+          </a:xfrm>
+          <a:prstGeom prst="rect">
+            <a:avLst/>
+          </a:prstGeom>
+          <a:ln>
+            <a:noFill/>
+          </a:ln>
+          <a:effectLst>
+            <a:softEdge rad="112500"/>
+          </a:effectLst>
+          <a:extLst>
+            <a:ext uri="{909E8E84-426E-40DD-AFC4-6F175D3DCCD1}">
+              <a14:hiddenFill xmlns:a14="http://schemas.microsoft.com/office/drawing/2010/main">
+                <a:solidFill>
+                  <a:schemeClr val="accent1"/>
+                </a:solidFill>
+              </a14:hiddenFill>
+            </a:ext>
+            <a:ext uri="{91240B29-F687-4F45-9708-019B960494DF}">
+              <a14:hiddenLine xmlns:a14="http://schemas.microsoft.com/office/drawing/2010/main" w="9525">
+                <a:solidFill>
+                  <a:schemeClr val="tx1"/>
+                </a:solidFill>
+                <a:miter lim="800000"/>
+                <a:headEnd/>
+                <a:tailEnd/>
+              </a14:hiddenLine>
+            </a:ext>
+            <a:ext uri="{AF507438-7753-43E0-B8FC-AC1667EBCBE1}">
+              <a14:hiddenEffects xmlns:a14="http://schemas.microsoft.com/office/drawing/2010/main">
+                <a:effectLst>
+                  <a:outerShdw dist="35921" dir="2700000" algn="ctr" rotWithShape="0">
+                    <a:schemeClr val="bg2"/>
+                  </a:outerShdw>
+                </a:effectLst>
+              </a14:hiddenEffects>
+            </a:ext>
+          </a:extLst>
+        </p:spPr>
+      </p:pic>
+    </p:spTree>
+    <p:extLst>
+      <p:ext uri="{BB962C8B-B14F-4D97-AF65-F5344CB8AC3E}">
+        <p14:creationId xmlns:p14="http://schemas.microsoft.com/office/powerpoint/2010/main" val="421885285"/>
+      </p:ext>
+    </p:extLst>
+  </p:cSld>
+  <p:clrMapOvr>
+    <a:masterClrMapping/>
+  </p:clrMapOvr>
+  <p:timing>
+    <p:tnLst>
+      <p:par>
+        <p:cTn id="1" dur="indefinite" restart="never" nodeType="tmRoot"/>
+      </p:par>
+    </p:tnLst>
+  </p:timing>
+</p:sld>
+</file>
+
+<file path=ppt/slides/slide5.xml><?xml version="1.0" encoding="utf-8"?>
+<p:sld xmlns:a="http://schemas.openxmlformats.org/drawingml/2006/main" xmlns:r="http://schemas.openxmlformats.org/officeDocument/2006/relationships" xmlns:p="http://schemas.openxmlformats.org/presentationml/2006/main">
+  <p:cSld>
+    <p:spTree>
+      <p:nvGrpSpPr>
+        <p:cNvPr id="1" name=""/>
+        <p:cNvGrpSpPr/>
+        <p:nvPr/>
+      </p:nvGrpSpPr>
+      <p:grpSpPr>
+        <a:xfrm>
+          <a:off x="0" y="0"/>
+          <a:ext cx="0" cy="0"/>
+          <a:chOff x="0" y="0"/>
+          <a:chExt cx="0" cy="0"/>
+        </a:xfrm>
+      </p:grpSpPr>
+      <p:pic>
+        <p:nvPicPr>
+          <p:cNvPr id="5122" name="Picture 2"/>
+          <p:cNvPicPr>
+            <a:picLocks noChangeAspect="1" noChangeArrowheads="1"/>
+          </p:cNvPicPr>
+          <p:nvPr/>
+        </p:nvPicPr>
+        <p:blipFill>
+          <a:blip r:embed="rId2">
+            <a:extLst>
+              <a:ext uri="{28A0092B-C50C-407E-A947-70E740481C1C}">
+                <a14:useLocalDpi xmlns:a14="http://schemas.microsoft.com/office/drawing/2010/main" val="0"/>
+              </a:ext>
+            </a:extLst>
+          </a:blip>
+          <a:srcRect/>
+          <a:stretch>
+            <a:fillRect/>
+          </a:stretch>
+        </p:blipFill>
+        <p:spPr bwMode="auto">
+          <a:xfrm>
+            <a:off x="577850" y="241300"/>
+            <a:ext cx="6401697" cy="2819400"/>
+          </a:xfrm>
+          <a:prstGeom prst="rect">
+            <a:avLst/>
+          </a:prstGeom>
+          <a:ln>
+            <a:noFill/>
+          </a:ln>
+          <a:effectLst>
+            <a:softEdge rad="112500"/>
+          </a:effectLst>
+          <a:extLst>
+            <a:ext uri="{909E8E84-426E-40DD-AFC4-6F175D3DCCD1}">
+              <a14:hiddenFill xmlns:a14="http://schemas.microsoft.com/office/drawing/2010/main">
+                <a:solidFill>
+                  <a:schemeClr val="accent1"/>
+                </a:solidFill>
+              </a14:hiddenFill>
+            </a:ext>
+            <a:ext uri="{91240B29-F687-4F45-9708-019B960494DF}">
+              <a14:hiddenLine xmlns:a14="http://schemas.microsoft.com/office/drawing/2010/main" w="9525">
+                <a:solidFill>
+                  <a:schemeClr val="tx1"/>
+                </a:solidFill>
+                <a:miter lim="800000"/>
+                <a:headEnd/>
+                <a:tailEnd/>
+              </a14:hiddenLine>
+            </a:ext>
+            <a:ext uri="{AF507438-7753-43E0-B8FC-AC1667EBCBE1}">
+              <a14:hiddenEffects xmlns:a14="http://schemas.microsoft.com/office/drawing/2010/main">
+                <a:effectLst>
+                  <a:outerShdw dist="35921" dir="2700000" algn="ctr" rotWithShape="0">
+                    <a:schemeClr val="bg2"/>
+                  </a:outerShdw>
+                </a:effectLst>
+              </a14:hiddenEffects>
+            </a:ext>
+          </a:extLst>
+        </p:spPr>
+      </p:pic>
+      <p:pic>
+        <p:nvPicPr>
+          <p:cNvPr id="5123" name="Picture 3"/>
+          <p:cNvPicPr>
+            <a:picLocks noChangeAspect="1" noChangeArrowheads="1"/>
+          </p:cNvPicPr>
+          <p:nvPr/>
+        </p:nvPicPr>
+        <p:blipFill>
+          <a:blip r:embed="rId3">
+            <a:extLst>
+              <a:ext uri="{28A0092B-C50C-407E-A947-70E740481C1C}">
+                <a14:useLocalDpi xmlns:a14="http://schemas.microsoft.com/office/drawing/2010/main" val="0"/>
+              </a:ext>
+            </a:extLst>
+          </a:blip>
+          <a:srcRect/>
+          <a:stretch>
+            <a:fillRect/>
+          </a:stretch>
+        </p:blipFill>
+        <p:spPr bwMode="auto">
+          <a:xfrm>
+            <a:off x="565434" y="2755900"/>
+            <a:ext cx="6401697" cy="2871787"/>
+          </a:xfrm>
+          <a:prstGeom prst="rect">
+            <a:avLst/>
+          </a:prstGeom>
+          <a:ln>
+            <a:noFill/>
+          </a:ln>
+          <a:effectLst>
+            <a:softEdge rad="112500"/>
+          </a:effectLst>
+          <a:extLst>
+            <a:ext uri="{909E8E84-426E-40DD-AFC4-6F175D3DCCD1}">
+              <a14:hiddenFill xmlns:a14="http://schemas.microsoft.com/office/drawing/2010/main">
+                <a:solidFill>
+                  <a:schemeClr val="accent1"/>
+                </a:solidFill>
+              </a14:hiddenFill>
+            </a:ext>
+            <a:ext uri="{91240B29-F687-4F45-9708-019B960494DF}">
+              <a14:hiddenLine xmlns:a14="http://schemas.microsoft.com/office/drawing/2010/main" w="9525">
+                <a:solidFill>
+                  <a:schemeClr val="tx1"/>
+                </a:solidFill>
+                <a:miter lim="800000"/>
+                <a:headEnd/>
+                <a:tailEnd/>
+              </a14:hiddenLine>
+            </a:ext>
+            <a:ext uri="{AF507438-7753-43E0-B8FC-AC1667EBCBE1}">
+              <a14:hiddenEffects xmlns:a14="http://schemas.microsoft.com/office/drawing/2010/main">
+                <a:effectLst>
+                  <a:outerShdw dist="35921" dir="2700000" algn="ctr" rotWithShape="0">
+                    <a:schemeClr val="bg2"/>
+                  </a:outerShdw>
+                </a:effectLst>
+              </a14:hiddenEffects>
+            </a:ext>
+          </a:extLst>
+        </p:spPr>
+      </p:pic>
+      <p:pic>
+        <p:nvPicPr>
+          <p:cNvPr id="5124" name="Picture 4"/>
+          <p:cNvPicPr>
+            <a:picLocks noChangeAspect="1" noChangeArrowheads="1"/>
+          </p:cNvPicPr>
+          <p:nvPr/>
+        </p:nvPicPr>
+        <p:blipFill>
+          <a:blip r:embed="rId4">
+            <a:extLst>
+              <a:ext uri="{28A0092B-C50C-407E-A947-70E740481C1C}">
+                <a14:useLocalDpi xmlns:a14="http://schemas.microsoft.com/office/drawing/2010/main" val="0"/>
+              </a:ext>
+            </a:extLst>
+          </a:blip>
+          <a:srcRect/>
+          <a:stretch>
+            <a:fillRect/>
+          </a:stretch>
+        </p:blipFill>
+        <p:spPr bwMode="auto">
+          <a:xfrm>
+            <a:off x="577850" y="5186925"/>
+            <a:ext cx="6389281" cy="2593873"/>
+          </a:xfrm>
+          <a:prstGeom prst="rect">
+            <a:avLst/>
+          </a:prstGeom>
+          <a:ln>
+            <a:noFill/>
+          </a:ln>
+          <a:effectLst>
+            <a:softEdge rad="112500"/>
+          </a:effectLst>
+          <a:extLst>
+            <a:ext uri="{909E8E84-426E-40DD-AFC4-6F175D3DCCD1}">
+              <a14:hiddenFill xmlns:a14="http://schemas.microsoft.com/office/drawing/2010/main">
+                <a:solidFill>
+                  <a:schemeClr val="accent1"/>
+                </a:solidFill>
+              </a14:hiddenFill>
+            </a:ext>
+            <a:ext uri="{91240B29-F687-4F45-9708-019B960494DF}">
+              <a14:hiddenLine xmlns:a14="http://schemas.microsoft.com/office/drawing/2010/main" w="9525">
+                <a:solidFill>
+                  <a:schemeClr val="tx1"/>
+                </a:solidFill>
+                <a:miter lim="800000"/>
+                <a:headEnd/>
+                <a:tailEnd/>
+              </a14:hiddenLine>
+            </a:ext>
+            <a:ext uri="{AF507438-7753-43E0-B8FC-AC1667EBCBE1}">
+              <a14:hiddenEffects xmlns:a14="http://schemas.microsoft.com/office/drawing/2010/main">
+                <a:effectLst>
+                  <a:outerShdw dist="35921" dir="2700000" algn="ctr" rotWithShape="0">
+                    <a:schemeClr val="bg2"/>
+                  </a:outerShdw>
+                </a:effectLst>
+              </a14:hiddenEffects>
+            </a:ext>
+          </a:extLst>
+        </p:spPr>
+      </p:pic>
+      <p:pic>
+        <p:nvPicPr>
+          <p:cNvPr id="5125" name="Picture 5"/>
+          <p:cNvPicPr>
+            <a:picLocks noChangeAspect="1" noChangeArrowheads="1"/>
+          </p:cNvPicPr>
+          <p:nvPr/>
+        </p:nvPicPr>
+        <p:blipFill>
+          <a:blip r:embed="rId5">
+            <a:extLst>
+              <a:ext uri="{28A0092B-C50C-407E-A947-70E740481C1C}">
+                <a14:useLocalDpi xmlns:a14="http://schemas.microsoft.com/office/drawing/2010/main" val="0"/>
+              </a:ext>
+            </a:extLst>
+          </a:blip>
+          <a:srcRect/>
+          <a:stretch>
+            <a:fillRect/>
+          </a:stretch>
+        </p:blipFill>
+        <p:spPr bwMode="auto">
+          <a:xfrm>
+            <a:off x="559748" y="7766202"/>
+            <a:ext cx="6401697" cy="2875960"/>
+          </a:xfrm>
+          <a:prstGeom prst="rect">
+            <a:avLst/>
+          </a:prstGeom>
+          <a:ln>
+            <a:noFill/>
+          </a:ln>
+          <a:effectLst>
+            <a:softEdge rad="112500"/>
+          </a:effectLst>
+          <a:extLst>
+            <a:ext uri="{909E8E84-426E-40DD-AFC4-6F175D3DCCD1}">
+              <a14:hiddenFill xmlns:a14="http://schemas.microsoft.com/office/drawing/2010/main">
+                <a:solidFill>
+                  <a:schemeClr val="accent1"/>
+                </a:solidFill>
+              </a14:hiddenFill>
+            </a:ext>
+            <a:ext uri="{91240B29-F687-4F45-9708-019B960494DF}">
+              <a14:hiddenLine xmlns:a14="http://schemas.microsoft.com/office/drawing/2010/main" w="9525">
+                <a:solidFill>
+                  <a:schemeClr val="tx1"/>
+                </a:solidFill>
+                <a:miter lim="800000"/>
+                <a:headEnd/>
+                <a:tailEnd/>
+              </a14:hiddenLine>
+            </a:ext>
+            <a:ext uri="{AF507438-7753-43E0-B8FC-AC1667EBCBE1}">
+              <a14:hiddenEffects xmlns:a14="http://schemas.microsoft.com/office/drawing/2010/main">
+                <a:effectLst>
+                  <a:outerShdw dist="35921" dir="2700000" algn="ctr" rotWithShape="0">
+                    <a:schemeClr val="bg2"/>
+                  </a:outerShdw>
+                </a:effectLst>
+              </a14:hiddenEffects>
+            </a:ext>
+          </a:extLst>
+        </p:spPr>
+      </p:pic>
+      <p:sp>
+        <p:nvSpPr>
+          <p:cNvPr id="3" name="Rectangle 2"/>
+          <p:cNvSpPr/>
+          <p:nvPr/>
+        </p:nvSpPr>
+        <p:spPr>
+          <a:xfrm>
+            <a:off x="196850" y="10071100"/>
+            <a:ext cx="7162800" cy="457200"/>
+          </a:xfrm>
+          <a:prstGeom prst="rect">
+            <a:avLst/>
+          </a:prstGeom>
+          <a:solidFill>
+            <a:schemeClr val="bg1"/>
+          </a:solidFill>
+          <a:ln>
+            <a:solidFill>
+              <a:schemeClr val="bg1"/>
+            </a:solidFill>
+          </a:ln>
+        </p:spPr>
+        <p:style>
+          <a:lnRef idx="2">
+            <a:schemeClr val="accent1">
+              <a:shade val="50000"/>
+            </a:schemeClr>
+          </a:lnRef>
+          <a:fillRef idx="1">
+            <a:schemeClr val="accent1"/>
+          </a:fillRef>
+          <a:effectRef idx="0">
+            <a:schemeClr val="accent1"/>
+          </a:effectRef>
+          <a:fontRef idx="minor">
+            <a:schemeClr val="lt1"/>
+          </a:fontRef>
+        </p:style>
+        <p:txBody>
+          <a:bodyPr rtlCol="0" anchor="ctr"/>
+          <a:lstStyle/>
+          <a:p>
+            <a:pPr algn="ctr"/>
+            <a:endParaRPr lang="en-US"/>
+          </a:p>
+        </p:txBody>
+      </p:sp>
+    </p:spTree>
+    <p:extLst>
+      <p:ext uri="{BB962C8B-B14F-4D97-AF65-F5344CB8AC3E}">
+        <p14:creationId xmlns:p14="http://schemas.microsoft.com/office/powerpoint/2010/main" val="3286477516"/>
+      </p:ext>
+    </p:extLst>
+  </p:cSld>
+  <p:clrMapOvr>
+    <a:masterClrMapping/>
+  </p:clrMapOvr>
+  <p:timing>
+    <p:tnLst>
+      <p:par>
+        <p:cTn id="1" dur="indefinite" restart="never" nodeType="tmRoot"/>
+      </p:par>
+    </p:tnLst>
+  </p:timing>
+</p:sld>
+</file>
+
+<file path=ppt/slides/slide6.xml><?xml version="1.0" encoding="utf-8"?>
 <p:sld xmlns:a="http://schemas.openxmlformats.org/drawingml/2006/main" xmlns:r="http://schemas.openxmlformats.org/officeDocument/2006/relationships" xmlns:p="http://schemas.openxmlformats.org/presentationml/2006/main">
   <p:cSld>
     <p:spTree>
@@ -3869,15 +5788,63 @@
           </a:p>
         </p:txBody>
       </p:sp>
+      <p:pic>
+        <p:nvPicPr>
+          <p:cNvPr id="1026" name="Picture 2" descr="D:\Code\AspReactDddCqrsEventSourcingHateoas\resources\architecture_overview_portr.png"/>
+          <p:cNvPicPr>
+            <a:picLocks noChangeAspect="1" noChangeArrowheads="1"/>
+          </p:cNvPicPr>
+          <p:nvPr/>
+        </p:nvPicPr>
+        <p:blipFill>
+          <a:blip r:embed="rId2">
+            <a:extLst>
+              <a:ext uri="{28A0092B-C50C-407E-A947-70E740481C1C}">
+                <a14:useLocalDpi xmlns:a14="http://schemas.microsoft.com/office/drawing/2010/main" val="0"/>
+              </a:ext>
+            </a:extLst>
+          </a:blip>
+          <a:srcRect/>
+          <a:stretch>
+            <a:fillRect/>
+          </a:stretch>
+        </p:blipFill>
+        <p:spPr bwMode="auto">
+          <a:xfrm>
+            <a:off x="303992" y="3289300"/>
+            <a:ext cx="6599237" cy="5010150"/>
+          </a:xfrm>
+          <a:prstGeom prst="rect">
+            <a:avLst/>
+          </a:prstGeom>
+          <a:noFill/>
+          <a:extLst>
+            <a:ext uri="{909E8E84-426E-40DD-AFC4-6F175D3DCCD1}">
+              <a14:hiddenFill xmlns:a14="http://schemas.microsoft.com/office/drawing/2010/main">
+                <a:solidFill>
+                  <a:srgbClr val="FFFFFF"/>
+                </a:solidFill>
+              </a14:hiddenFill>
+            </a:ext>
+          </a:extLst>
+        </p:spPr>
+      </p:pic>
     </p:spTree>
   </p:cSld>
   <p:clrMapOvr>
     <a:masterClrMapping/>
   </p:clrMapOvr>
+  <p:timing>
+    <p:tnLst>
+      <p:par>
+        <p:cTn id="1" dur="indefinite" restart="never" nodeType="tmRoot"/>
+      </p:par>
+    </p:tnLst>
+  </p:timing>
 </p:sld>
 </file>
 
-<file path=ppt/slides/slide4.xml><?xml version="1.0" encoding="utf-8"?>
+<file path=ppt/slides/slide7.xml><?xml version="1.0" encoding="utf-8"?>
 <p:sld xmlns:a="http://schemas.openxmlformats.org/drawingml/2006/main" xmlns:r="http://schemas.openxmlformats.org/officeDocument/2006/relationships" xmlns:p="http://schemas.openxmlformats.org/presentationml/2006/main">
   <p:cSld>
     <p:spTree>
@@ -4051,10 +6018,17 @@
   <p:clrMapOvr>
     <a:masterClrMapping/>
   </p:clrMapOvr>
+  <p:timing>
+    <p:tnLst>
+      <p:par>
+        <p:cTn id="1" dur="indefinite" restart="never" nodeType="tmRoot"/>
+      </p:par>
+    </p:tnLst>
+  </p:timing>
 </p:sld>
 </file>
 
-<file path=ppt/slides/slide5.xml><?xml version="1.0" encoding="utf-8"?>
+<file path=ppt/slides/slide8.xml><?xml version="1.0" encoding="utf-8"?>
 <p:sld xmlns:a="http://schemas.openxmlformats.org/drawingml/2006/main" xmlns:r="http://schemas.openxmlformats.org/officeDocument/2006/relationships" xmlns:p="http://schemas.openxmlformats.org/presentationml/2006/main">
   <p:cSld>
     <p:spTree>
@@ -4105,10 +6079,17 @@
   <p:clrMapOvr>
     <a:masterClrMapping/>
   </p:clrMapOvr>
+  <p:timing>
+    <p:tnLst>
+      <p:par>
+        <p:cTn id="1" dur="indefinite" restart="never" nodeType="tmRoot"/>
+      </p:par>
+    </p:tnLst>
+  </p:timing>
 </p:sld>
 </file>
 
-<file path=ppt/slides/slide6.xml><?xml version="1.0" encoding="utf-8"?>
+<file path=ppt/slides/slide9.xml><?xml version="1.0" encoding="utf-8"?>
 <p:sld xmlns:a="http://schemas.openxmlformats.org/drawingml/2006/main" xmlns:r="http://schemas.openxmlformats.org/officeDocument/2006/relationships" xmlns:p="http://schemas.openxmlformats.org/presentationml/2006/main">
   <p:cSld>
     <p:spTree>
@@ -4688,545 +6669,13 @@
   <p:clrMapOvr>
     <a:masterClrMapping/>
   </p:clrMapOvr>
-</p:sld>
-</file>
-
-<file path=ppt/slides/slide7.xml><?xml version="1.0" encoding="utf-8"?>
-<p:sld xmlns:a="http://schemas.openxmlformats.org/drawingml/2006/main" xmlns:r="http://schemas.openxmlformats.org/officeDocument/2006/relationships" xmlns:p="http://schemas.openxmlformats.org/presentationml/2006/main">
-  <p:cSld>
-    <p:spTree>
-      <p:nvGrpSpPr>
-        <p:cNvPr id="1" name=""/>
-        <p:cNvGrpSpPr/>
-        <p:nvPr/>
-      </p:nvGrpSpPr>
-      <p:grpSpPr>
-        <a:xfrm>
-          <a:off x="0" y="0"/>
-          <a:ext cx="0" cy="0"/>
-          <a:chOff x="0" y="0"/>
-          <a:chExt cx="0" cy="0"/>
-        </a:xfrm>
-      </p:grpSpPr>
-      <p:pic>
-        <p:nvPicPr>
-          <p:cNvPr id="11" name="Picture 10"/>
-          <p:cNvPicPr>
-            <a:picLocks noChangeAspect="1"/>
-          </p:cNvPicPr>
-          <p:nvPr/>
-        </p:nvPicPr>
-        <p:blipFill>
-          <a:blip r:embed="rId2">
-            <a:extLst>
-              <a:ext uri="{28A0092B-C50C-407E-A947-70E740481C1C}">
-                <a14:useLocalDpi xmlns:a14="http://schemas.microsoft.com/office/drawing/2010/main" val="0"/>
-              </a:ext>
-            </a:extLst>
-          </a:blip>
-          <a:stretch>
-            <a:fillRect/>
-          </a:stretch>
-        </p:blipFill>
-        <p:spPr>
-          <a:xfrm rot="5400000">
-            <a:off x="-1648794" y="1627807"/>
-            <a:ext cx="10854088" cy="7556502"/>
-          </a:xfrm>
-          <a:prstGeom prst="rect">
-            <a:avLst/>
-          </a:prstGeom>
-        </p:spPr>
-      </p:pic>
-      <p:sp>
-        <p:nvSpPr>
-          <p:cNvPr id="12" name="Rectangle 11"/>
-          <p:cNvSpPr/>
-          <p:nvPr/>
-        </p:nvSpPr>
-        <p:spPr>
-          <a:xfrm>
-            <a:off x="44450" y="1308100"/>
-            <a:ext cx="7467600" cy="707886"/>
-          </a:xfrm>
-          <a:prstGeom prst="rect">
-            <a:avLst/>
-          </a:prstGeom>
-        </p:spPr>
-        <p:txBody>
-          <a:bodyPr wrap="square">
-            <a:spAutoFit/>
-          </a:bodyPr>
-          <a:lstStyle/>
-          <a:p>
-            <a:pPr algn="ctr"/>
-            <a:r>
-              <a:rPr lang="en-US" sz="4000" b="1" dirty="0">
-                <a:ln w="12700">
-                  <a:solidFill>
-                    <a:schemeClr val="tx2">
-                      <a:lumMod val="75000"/>
-                    </a:schemeClr>
-                  </a:solidFill>
-                  <a:prstDash val="solid"/>
-                </a:ln>
-                <a:pattFill prst="dkUpDiag">
-                  <a:fgClr>
-                    <a:schemeClr val="tx2"/>
-                  </a:fgClr>
-                  <a:bgClr>
-                    <a:schemeClr val="tx2">
-                      <a:lumMod val="20000"/>
-                      <a:lumOff val="80000"/>
-                    </a:schemeClr>
-                  </a:bgClr>
-                </a:pattFill>
-                <a:effectLst>
-                  <a:outerShdw dist="38100" dir="2640000" algn="bl" rotWithShape="0">
-                    <a:schemeClr val="tx2">
-                      <a:lumMod val="75000"/>
-                    </a:schemeClr>
-                  </a:outerShdw>
-                </a:effectLst>
-              </a:rPr>
-              <a:t>Functional Programming</a:t>
-            </a:r>
-          </a:p>
-        </p:txBody>
-      </p:sp>
-      <p:pic>
-        <p:nvPicPr>
-          <p:cNvPr id="6" name="Picture 5" descr="https://devadventures.net/wp-content/uploads/2018/09/lambda-c-sharp.png"/>
-          <p:cNvPicPr>
-            <a:picLocks noChangeAspect="1" noChangeArrowheads="1"/>
-          </p:cNvPicPr>
-          <p:nvPr/>
-        </p:nvPicPr>
-        <p:blipFill>
-          <a:blip r:embed="rId3">
-            <a:extLst>
-              <a:ext uri="{28A0092B-C50C-407E-A947-70E740481C1C}">
-                <a14:useLocalDpi xmlns:a14="http://schemas.microsoft.com/office/drawing/2010/main" val="0"/>
-              </a:ext>
-            </a:extLst>
-          </a:blip>
-          <a:srcRect/>
-          <a:stretch>
-            <a:fillRect/>
-          </a:stretch>
-        </p:blipFill>
-        <p:spPr bwMode="auto">
-          <a:xfrm>
-            <a:off x="-404195" y="7556500"/>
-            <a:ext cx="6943725" cy="3905846"/>
-          </a:xfrm>
-          <a:prstGeom prst="rect">
-            <a:avLst/>
-          </a:prstGeom>
-          <a:noFill/>
-          <a:extLst>
-            <a:ext uri="{909E8E84-426E-40DD-AFC4-6F175D3DCCD1}">
-              <a14:hiddenFill xmlns:a14="http://schemas.microsoft.com/office/drawing/2010/main">
-                <a:solidFill>
-                  <a:srgbClr val="FFFFFF"/>
-                </a:solidFill>
-              </a14:hiddenFill>
-            </a:ext>
-          </a:extLst>
-        </p:spPr>
-      </p:pic>
-      <p:pic>
-        <p:nvPicPr>
-          <p:cNvPr id="7" name="Picture 2" descr="https://devadventures.net/wp-content/uploads/2018/09/lambda-c-sharp.png"/>
-          <p:cNvPicPr>
-            <a:picLocks noChangeAspect="1" noChangeArrowheads="1"/>
-          </p:cNvPicPr>
-          <p:nvPr/>
-        </p:nvPicPr>
-        <p:blipFill>
-          <a:blip r:embed="rId4">
-            <a:extLst>
-              <a:ext uri="{28A0092B-C50C-407E-A947-70E740481C1C}">
-                <a14:useLocalDpi xmlns:a14="http://schemas.microsoft.com/office/drawing/2010/main" val="0"/>
-              </a:ext>
-            </a:extLst>
-          </a:blip>
-          <a:srcRect/>
-          <a:stretch>
-            <a:fillRect/>
-          </a:stretch>
-        </p:blipFill>
-        <p:spPr bwMode="auto">
-          <a:xfrm>
-            <a:off x="-1623217" y="7556500"/>
-            <a:ext cx="6943725" cy="3905846"/>
-          </a:xfrm>
-          <a:prstGeom prst="rect">
-            <a:avLst/>
-          </a:prstGeom>
-          <a:noFill/>
-          <a:extLst>
-            <a:ext uri="{909E8E84-426E-40DD-AFC4-6F175D3DCCD1}">
-              <a14:hiddenFill xmlns:a14="http://schemas.microsoft.com/office/drawing/2010/main">
-                <a:solidFill>
-                  <a:srgbClr val="FFFFFF"/>
-                </a:solidFill>
-              </a14:hiddenFill>
-            </a:ext>
-          </a:extLst>
-        </p:spPr>
-      </p:pic>
-      <p:pic>
-        <p:nvPicPr>
-          <p:cNvPr id="8" name="Picture 2" descr="https://devadventures.net/wp-content/uploads/2018/09/lambda-c-sharp.png"/>
-          <p:cNvPicPr>
-            <a:picLocks noChangeAspect="1" noChangeArrowheads="1"/>
-          </p:cNvPicPr>
-          <p:nvPr/>
-        </p:nvPicPr>
-        <p:blipFill>
-          <a:blip r:embed="rId5">
-            <a:extLst>
-              <a:ext uri="{28A0092B-C50C-407E-A947-70E740481C1C}">
-                <a14:useLocalDpi xmlns:a14="http://schemas.microsoft.com/office/drawing/2010/main" val="0"/>
-              </a:ext>
-            </a:extLst>
-          </a:blip>
-          <a:srcRect/>
-          <a:stretch>
-            <a:fillRect/>
-          </a:stretch>
-        </p:blipFill>
-        <p:spPr bwMode="auto">
-          <a:xfrm>
-            <a:off x="-1565062" y="7556500"/>
-            <a:ext cx="6943725" cy="3905846"/>
-          </a:xfrm>
-          <a:prstGeom prst="rect">
-            <a:avLst/>
-          </a:prstGeom>
-          <a:noFill/>
-          <a:extLst>
-            <a:ext uri="{909E8E84-426E-40DD-AFC4-6F175D3DCCD1}">
-              <a14:hiddenFill xmlns:a14="http://schemas.microsoft.com/office/drawing/2010/main">
-                <a:solidFill>
-                  <a:srgbClr val="FFFFFF"/>
-                </a:solidFill>
-              </a14:hiddenFill>
-            </a:ext>
-          </a:extLst>
-        </p:spPr>
-      </p:pic>
-      <p:pic>
-        <p:nvPicPr>
-          <p:cNvPr id="9" name="Picture 2" descr="https://devadventures.net/wp-content/uploads/2018/09/lambda-c-sharp.png"/>
-          <p:cNvPicPr>
-            <a:picLocks noChangeAspect="1" noChangeArrowheads="1"/>
-          </p:cNvPicPr>
-          <p:nvPr/>
-        </p:nvPicPr>
-        <p:blipFill>
-          <a:blip r:embed="rId6">
-            <a:extLst>
-              <a:ext uri="{28A0092B-C50C-407E-A947-70E740481C1C}">
-                <a14:useLocalDpi xmlns:a14="http://schemas.microsoft.com/office/drawing/2010/main" val="0"/>
-              </a:ext>
-            </a:extLst>
-          </a:blip>
-          <a:srcRect/>
-          <a:stretch>
-            <a:fillRect/>
-          </a:stretch>
-        </p:blipFill>
-        <p:spPr bwMode="auto">
-          <a:xfrm>
-            <a:off x="-1098550" y="7556500"/>
-            <a:ext cx="6943725" cy="3905846"/>
-          </a:xfrm>
-          <a:prstGeom prst="rect">
-            <a:avLst/>
-          </a:prstGeom>
-          <a:noFill/>
-          <a:extLst>
-            <a:ext uri="{909E8E84-426E-40DD-AFC4-6F175D3DCCD1}">
-              <a14:hiddenFill xmlns:a14="http://schemas.microsoft.com/office/drawing/2010/main">
-                <a:solidFill>
-                  <a:srgbClr val="FFFFFF"/>
-                </a:solidFill>
-              </a14:hiddenFill>
-            </a:ext>
-          </a:extLst>
-        </p:spPr>
-      </p:pic>
-      <p:pic>
-        <p:nvPicPr>
-          <p:cNvPr id="2" name="Picture 1"/>
-          <p:cNvPicPr>
-            <a:picLocks noChangeAspect="1"/>
-          </p:cNvPicPr>
-          <p:nvPr/>
-        </p:nvPicPr>
-        <p:blipFill>
-          <a:blip r:embed="rId7"/>
-          <a:stretch>
-            <a:fillRect/>
-          </a:stretch>
-        </p:blipFill>
-        <p:spPr>
-          <a:xfrm>
-            <a:off x="342899" y="6032500"/>
-            <a:ext cx="6296025" cy="1800225"/>
-          </a:xfrm>
-          <a:prstGeom prst="rect">
-            <a:avLst/>
-          </a:prstGeom>
-        </p:spPr>
-      </p:pic>
-    </p:spTree>
-    <p:extLst>
-      <p:ext uri="{BB962C8B-B14F-4D97-AF65-F5344CB8AC3E}">
-        <p14:creationId xmlns:p14="http://schemas.microsoft.com/office/powerpoint/2010/main" val="1971946551"/>
-      </p:ext>
-    </p:extLst>
-  </p:cSld>
-  <p:clrMapOvr>
-    <a:masterClrMapping/>
-  </p:clrMapOvr>
-</p:sld>
-</file>
-
-<file path=ppt/slides/slide8.xml><?xml version="1.0" encoding="utf-8"?>
-<p:sld xmlns:a="http://schemas.openxmlformats.org/drawingml/2006/main" xmlns:r="http://schemas.openxmlformats.org/officeDocument/2006/relationships" xmlns:p="http://schemas.openxmlformats.org/presentationml/2006/main">
-  <p:cSld>
-    <p:spTree>
-      <p:nvGrpSpPr>
-        <p:cNvPr id="1" name=""/>
-        <p:cNvGrpSpPr/>
-        <p:nvPr/>
-      </p:nvGrpSpPr>
-      <p:grpSpPr>
-        <a:xfrm>
-          <a:off x="0" y="0"/>
-          <a:ext cx="0" cy="0"/>
-          <a:chOff x="0" y="0"/>
-          <a:chExt cx="0" cy="0"/>
-        </a:xfrm>
-      </p:grpSpPr>
-      <p:pic>
-        <p:nvPicPr>
-          <p:cNvPr id="2" name="Picture 1"/>
-          <p:cNvPicPr>
-            <a:picLocks noChangeAspect="1"/>
-          </p:cNvPicPr>
-          <p:nvPr/>
-        </p:nvPicPr>
-        <p:blipFill>
-          <a:blip r:embed="rId2">
-            <a:extLst>
-              <a:ext uri="{28A0092B-C50C-407E-A947-70E740481C1C}">
-                <a14:useLocalDpi xmlns:a14="http://schemas.microsoft.com/office/drawing/2010/main" val="0"/>
-              </a:ext>
-            </a:extLst>
-          </a:blip>
-          <a:stretch>
-            <a:fillRect/>
-          </a:stretch>
-        </p:blipFill>
-        <p:spPr>
-          <a:xfrm rot="16200000">
-            <a:off x="-1648795" y="1628607"/>
-            <a:ext cx="10854088" cy="7556502"/>
-          </a:xfrm>
-          <a:prstGeom prst="rect">
-            <a:avLst/>
-          </a:prstGeom>
-        </p:spPr>
-      </p:pic>
-      <p:sp>
-        <p:nvSpPr>
-          <p:cNvPr id="3" name="Content Placeholder 2"/>
-          <p:cNvSpPr txBox="1">
-            <a:spLocks/>
-          </p:cNvSpPr>
-          <p:nvPr/>
-        </p:nvSpPr>
-        <p:spPr>
-          <a:xfrm>
-            <a:off x="767896" y="1612900"/>
-            <a:ext cx="6020705" cy="772051"/>
-          </a:xfrm>
-          <a:prstGeom prst="rect">
-            <a:avLst/>
-          </a:prstGeom>
-        </p:spPr>
-        <p:txBody>
-          <a:bodyPr>
-            <a:noAutofit/>
-          </a:bodyPr>
-          <a:lstStyle>
-            <a:lvl1pPr marL="0">
-              <a:defRPr>
-                <a:latin typeface="+mn-lt"/>
-                <a:ea typeface="+mn-ea"/>
-                <a:cs typeface="+mn-cs"/>
-              </a:defRPr>
-            </a:lvl1pPr>
-            <a:lvl2pPr marL="457200">
-              <a:defRPr>
-                <a:latin typeface="+mn-lt"/>
-                <a:ea typeface="+mn-ea"/>
-                <a:cs typeface="+mn-cs"/>
-              </a:defRPr>
-            </a:lvl2pPr>
-            <a:lvl3pPr marL="914400">
-              <a:defRPr>
-                <a:latin typeface="+mn-lt"/>
-                <a:ea typeface="+mn-ea"/>
-                <a:cs typeface="+mn-cs"/>
-              </a:defRPr>
-            </a:lvl3pPr>
-            <a:lvl4pPr marL="1371600">
-              <a:defRPr>
-                <a:latin typeface="+mn-lt"/>
-                <a:ea typeface="+mn-ea"/>
-                <a:cs typeface="+mn-cs"/>
-              </a:defRPr>
-            </a:lvl4pPr>
-            <a:lvl5pPr marL="1828800">
-              <a:defRPr>
-                <a:latin typeface="+mn-lt"/>
-                <a:ea typeface="+mn-ea"/>
-                <a:cs typeface="+mn-cs"/>
-              </a:defRPr>
-            </a:lvl5pPr>
-            <a:lvl6pPr marL="2286000">
-              <a:defRPr>
-                <a:latin typeface="+mn-lt"/>
-                <a:ea typeface="+mn-ea"/>
-                <a:cs typeface="+mn-cs"/>
-              </a:defRPr>
-            </a:lvl6pPr>
-            <a:lvl7pPr marL="2743200">
-              <a:defRPr>
-                <a:latin typeface="+mn-lt"/>
-                <a:ea typeface="+mn-ea"/>
-                <a:cs typeface="+mn-cs"/>
-              </a:defRPr>
-            </a:lvl7pPr>
-            <a:lvl8pPr marL="3200400">
-              <a:defRPr>
-                <a:latin typeface="+mn-lt"/>
-                <a:ea typeface="+mn-ea"/>
-                <a:cs typeface="+mn-cs"/>
-              </a:defRPr>
-            </a:lvl8pPr>
-            <a:lvl9pPr marL="3657600">
-              <a:defRPr>
-                <a:latin typeface="+mn-lt"/>
-                <a:ea typeface="+mn-ea"/>
-                <a:cs typeface="+mn-cs"/>
-              </a:defRPr>
-            </a:lvl9pPr>
-          </a:lstStyle>
-          <a:p>
-            <a:pPr algn="ctr"/>
-            <a:r>
-              <a:rPr lang="en-US" sz="4000" b="1" kern="0" dirty="0" smtClean="0">
-                <a:ln w="12700">
-                  <a:solidFill>
-                    <a:schemeClr val="tx2">
-                      <a:lumMod val="75000"/>
-                    </a:schemeClr>
-                  </a:solidFill>
-                  <a:prstDash val="solid"/>
-                </a:ln>
-                <a:pattFill prst="dkUpDiag">
-                  <a:fgClr>
-                    <a:schemeClr val="tx2"/>
-                  </a:fgClr>
-                  <a:bgClr>
-                    <a:schemeClr val="tx2">
-                      <a:lumMod val="20000"/>
-                      <a:lumOff val="80000"/>
-                    </a:schemeClr>
-                  </a:bgClr>
-                </a:pattFill>
-                <a:effectLst>
-                  <a:outerShdw dist="38100" dir="2640000" algn="bl" rotWithShape="0">
-                    <a:schemeClr val="tx2">
-                      <a:lumMod val="75000"/>
-                    </a:schemeClr>
-                  </a:outerShdw>
-                </a:effectLst>
-              </a:rPr>
-              <a:t>Hypermedia as the Engine of Application State</a:t>
-            </a:r>
-            <a:endParaRPr lang="en-US" sz="4000" kern="0" dirty="0">
-              <a:solidFill>
-                <a:sysClr val="windowText" lastClr="000000"/>
-              </a:solidFill>
-            </a:endParaRPr>
-          </a:p>
-        </p:txBody>
-      </p:sp>
-      <p:pic>
-        <p:nvPicPr>
-          <p:cNvPr id="4" name="Picture 3"/>
-          <p:cNvPicPr>
-            <a:picLocks noChangeAspect="1"/>
-          </p:cNvPicPr>
-          <p:nvPr/>
-        </p:nvPicPr>
-        <p:blipFill>
-          <a:blip r:embed="rId3"/>
-          <a:stretch>
-            <a:fillRect/>
-          </a:stretch>
-        </p:blipFill>
-        <p:spPr>
-          <a:xfrm>
-            <a:off x="652461" y="8775700"/>
-            <a:ext cx="6251574" cy="1348522"/>
-          </a:xfrm>
-          <a:prstGeom prst="rect">
-            <a:avLst/>
-          </a:prstGeom>
-        </p:spPr>
-      </p:pic>
-      <p:pic>
-        <p:nvPicPr>
-          <p:cNvPr id="5" name="Picture 4"/>
-          <p:cNvPicPr>
-            <a:picLocks noChangeAspect="1"/>
-          </p:cNvPicPr>
-          <p:nvPr/>
-        </p:nvPicPr>
-        <p:blipFill>
-          <a:blip r:embed="rId4"/>
-          <a:stretch>
-            <a:fillRect/>
-          </a:stretch>
-        </p:blipFill>
-        <p:spPr>
-          <a:xfrm>
-            <a:off x="1477960" y="4018038"/>
-            <a:ext cx="4600575" cy="4448175"/>
-          </a:xfrm>
-          <a:prstGeom prst="rect">
-            <a:avLst/>
-          </a:prstGeom>
-        </p:spPr>
-      </p:pic>
-    </p:spTree>
-    <p:extLst>
-      <p:ext uri="{BB962C8B-B14F-4D97-AF65-F5344CB8AC3E}">
-        <p14:creationId xmlns:p14="http://schemas.microsoft.com/office/powerpoint/2010/main" val="3514273470"/>
-      </p:ext>
-    </p:extLst>
-  </p:cSld>
-  <p:clrMapOvr>
-    <a:masterClrMapping/>
-  </p:clrMapOvr>
+  <p:timing>
+    <p:tnLst>
+      <p:par>
+        <p:cTn id="1" dur="indefinite" restart="never" nodeType="tmRoot"/>
+      </p:par>
+    </p:tnLst>
+  </p:timing>
 </p:sld>
 </file>
 

--- a/resources/softuniada/Softuniada-Project-Documentation.pptx
+++ b/resources/softuniada/Softuniada-Project-Documentation.pptx
@@ -116,7 +116,7 @@
   </p:defaultTextStyle>
   <p:extLst>
     <p:ext uri="{EFAFB233-063F-42B5-8137-9DF3F51BA10A}">
-      <p15:sldGuideLst xmlns="" xmlns:p15="http://schemas.microsoft.com/office/powerpoint/2012/main">
+      <p15:sldGuideLst xmlns:p15="http://schemas.microsoft.com/office/powerpoint/2012/main">
         <p15:guide id="1" orient="horz" pos="2880">
           <p15:clr>
             <a:srgbClr val="A4A3A4"/>
@@ -272,7 +272,7 @@
           <a:p>
             <a:fld id="{1D8BD707-D9CF-40AE-B4C6-C98DA3205C09}" type="datetimeFigureOut">
               <a:rPr lang="en-US"/>
-              <a:t>12/3/2019</a:t>
+              <a:t>12/4/2019</a:t>
             </a:fld>
             <a:endParaRPr lang="en-US"/>
           </a:p>
@@ -437,7 +437,7 @@
           <a:p>
             <a:fld id="{1D8BD707-D9CF-40AE-B4C6-C98DA3205C09}" type="datetimeFigureOut">
               <a:rPr lang="en-US"/>
-              <a:t>12/3/2019</a:t>
+              <a:t>12/4/2019</a:t>
             </a:fld>
             <a:endParaRPr lang="en-US"/>
           </a:p>
@@ -645,7 +645,7 @@
           <a:p>
             <a:fld id="{1D8BD707-D9CF-40AE-B4C6-C98DA3205C09}" type="datetimeFigureOut">
               <a:rPr lang="en-US"/>
-              <a:t>12/3/2019</a:t>
+              <a:t>12/4/2019</a:t>
             </a:fld>
             <a:endParaRPr lang="en-US"/>
           </a:p>
@@ -787,7 +787,7 @@
           <a:p>
             <a:fld id="{1D8BD707-D9CF-40AE-B4C6-C98DA3205C09}" type="datetimeFigureOut">
               <a:rPr lang="en-US"/>
-              <a:t>12/3/2019</a:t>
+              <a:t>12/4/2019</a:t>
             </a:fld>
             <a:endParaRPr lang="en-US"/>
           </a:p>
@@ -906,7 +906,7 @@
           <a:p>
             <a:fld id="{1D8BD707-D9CF-40AE-B4C6-C98DA3205C09}" type="datetimeFigureOut">
               <a:rPr lang="en-US"/>
-              <a:t>12/3/2019</a:t>
+              <a:t>12/4/2019</a:t>
             </a:fld>
             <a:endParaRPr lang="en-US"/>
           </a:p>
@@ -1440,7 +1440,7 @@
           <a:p>
             <a:fld id="{1D8BD707-D9CF-40AE-B4C6-C98DA3205C09}" type="datetimeFigureOut">
               <a:rPr lang="en-US"/>
-              <a:t>12/3/2019</a:t>
+              <a:t>12/4/2019</a:t>
             </a:fld>
             <a:endParaRPr lang="en-US"/>
           </a:p>
@@ -4340,10 +4340,6 @@
               </a:rPr>
               <a:t>: </a:t>
             </a:r>
-            <a:endParaRPr lang="en-US" dirty="0">
-              <a:latin typeface="Arial" pitchFamily="34" charset="0"/>
-              <a:cs typeface="Arial" pitchFamily="34" charset="0"/>
-            </a:endParaRPr>
           </a:p>
         </p:txBody>
       </p:sp>
@@ -6061,7 +6057,7 @@
         </p:blipFill>
         <p:spPr>
           <a:xfrm>
-            <a:off x="1111250" y="165100"/>
+            <a:off x="1111250" y="156392"/>
             <a:ext cx="5248275" cy="4800600"/>
           </a:xfrm>
           <a:prstGeom prst="rect">
@@ -6069,6 +6065,488 @@
           </a:prstGeom>
         </p:spPr>
       </p:pic>
+      <p:sp>
+        <p:nvSpPr>
+          <p:cNvPr id="14" name="Rectangle 13"/>
+          <p:cNvSpPr/>
+          <p:nvPr/>
+        </p:nvSpPr>
+        <p:spPr>
+          <a:xfrm>
+            <a:off x="0" y="5438338"/>
+            <a:ext cx="7512050" cy="3139321"/>
+          </a:xfrm>
+          <a:prstGeom prst="rect">
+            <a:avLst/>
+          </a:prstGeom>
+        </p:spPr>
+        <p:txBody>
+          <a:bodyPr wrap="square">
+            <a:spAutoFit/>
+          </a:bodyPr>
+          <a:lstStyle/>
+          <a:p>
+            <a:pPr marL="342900" indent="-342900" algn="just">
+              <a:buFont typeface="Wingdings" panose="05000000000000000000" pitchFamily="2" charset="2"/>
+              <a:buChar char="Ø"/>
+            </a:pPr>
+            <a:r>
+              <a:rPr lang="en-US" b="1" dirty="0">
+                <a:latin typeface="Arial" panose="020B0604020202020204" pitchFamily="34" charset="0"/>
+                <a:cs typeface="Arial" panose="020B0604020202020204" pitchFamily="34" charset="0"/>
+              </a:rPr>
+              <a:t>Bounded </a:t>
+            </a:r>
+            <a:r>
+              <a:rPr lang="en-US" b="1" dirty="0" smtClean="0">
+                <a:latin typeface="Arial" panose="020B0604020202020204" pitchFamily="34" charset="0"/>
+                <a:cs typeface="Arial" panose="020B0604020202020204" pitchFamily="34" charset="0"/>
+              </a:rPr>
+              <a:t>Context </a:t>
+            </a:r>
+            <a:r>
+              <a:rPr lang="bg-BG" dirty="0" smtClean="0">
+                <a:latin typeface="Arial" panose="020B0604020202020204" pitchFamily="34" charset="0"/>
+                <a:cs typeface="Arial" panose="020B0604020202020204" pitchFamily="34" charset="0"/>
+              </a:rPr>
+              <a:t>е</a:t>
+            </a:r>
+            <a:r>
+              <a:rPr lang="en-US" dirty="0" smtClean="0">
+                <a:latin typeface="Arial" panose="020B0604020202020204" pitchFamily="34" charset="0"/>
+                <a:cs typeface="Arial" panose="020B0604020202020204" pitchFamily="34" charset="0"/>
+              </a:rPr>
+              <a:t> </a:t>
+            </a:r>
+            <a:r>
+              <a:rPr lang="bg-BG" dirty="0" smtClean="0">
+                <a:latin typeface="Arial" panose="020B0604020202020204" pitchFamily="34" charset="0"/>
+                <a:cs typeface="Arial" panose="020B0604020202020204" pitchFamily="34" charset="0"/>
+              </a:rPr>
+              <a:t>основен</a:t>
+            </a:r>
+            <a:r>
+              <a:rPr lang="en-US" dirty="0" smtClean="0">
+                <a:latin typeface="Arial" panose="020B0604020202020204" pitchFamily="34" charset="0"/>
+                <a:cs typeface="Arial" panose="020B0604020202020204" pitchFamily="34" charset="0"/>
+              </a:rPr>
+              <a:t> </a:t>
+            </a:r>
+            <a:r>
+              <a:rPr lang="bg-BG" dirty="0" smtClean="0">
+                <a:latin typeface="Arial" panose="020B0604020202020204" pitchFamily="34" charset="0"/>
+                <a:cs typeface="Arial" panose="020B0604020202020204" pitchFamily="34" charset="0"/>
+              </a:rPr>
+              <a:t>шаблон в </a:t>
+            </a:r>
+            <a:r>
+              <a:rPr lang="en-US" dirty="0" smtClean="0">
+                <a:latin typeface="Arial" panose="020B0604020202020204" pitchFamily="34" charset="0"/>
+                <a:cs typeface="Arial" panose="020B0604020202020204" pitchFamily="34" charset="0"/>
+              </a:rPr>
+              <a:t>Domain-Driven Design</a:t>
+            </a:r>
+            <a:r>
+              <a:rPr lang="bg-BG" dirty="0" smtClean="0">
+                <a:latin typeface="Arial" panose="020B0604020202020204" pitchFamily="34" charset="0"/>
+                <a:cs typeface="Arial" panose="020B0604020202020204" pitchFamily="34" charset="0"/>
+              </a:rPr>
+              <a:t>.</a:t>
+            </a:r>
+          </a:p>
+          <a:p>
+            <a:pPr marL="342900" indent="-342900" algn="just">
+              <a:buFont typeface="Wingdings" panose="05000000000000000000" pitchFamily="2" charset="2"/>
+              <a:buChar char="Ø"/>
+            </a:pPr>
+            <a:r>
+              <a:rPr lang="en-US" b="1" dirty="0">
+                <a:latin typeface="Arial" panose="020B0604020202020204" pitchFamily="34" charset="0"/>
+                <a:cs typeface="Arial" panose="020B0604020202020204" pitchFamily="34" charset="0"/>
+              </a:rPr>
+              <a:t>Command handler</a:t>
+            </a:r>
+            <a:r>
+              <a:rPr lang="ru-RU" dirty="0">
+                <a:latin typeface="Arial" panose="020B0604020202020204" pitchFamily="34" charset="0"/>
+                <a:cs typeface="Arial" panose="020B0604020202020204" pitchFamily="34" charset="0"/>
+              </a:rPr>
+              <a:t>-а </a:t>
+            </a:r>
+            <a:r>
+              <a:rPr lang="ru-RU" dirty="0" smtClean="0">
+                <a:latin typeface="Arial" panose="020B0604020202020204" pitchFamily="34" charset="0"/>
+                <a:cs typeface="Arial" panose="020B0604020202020204" pitchFamily="34" charset="0"/>
+              </a:rPr>
+              <a:t>получава </a:t>
+            </a:r>
+            <a:r>
+              <a:rPr lang="ru-RU" dirty="0">
+                <a:latin typeface="Arial" panose="020B0604020202020204" pitchFamily="34" charset="0"/>
+                <a:cs typeface="Arial" panose="020B0604020202020204" pitchFamily="34" charset="0"/>
+              </a:rPr>
+              <a:t>команда и обработва резултат, който може да бъде    или успех       или грешка</a:t>
+            </a:r>
+            <a:r>
+              <a:rPr lang="ru-RU" dirty="0" smtClean="0">
+                <a:latin typeface="Arial" panose="020B0604020202020204" pitchFamily="34" charset="0"/>
+                <a:cs typeface="Arial" panose="020B0604020202020204" pitchFamily="34" charset="0"/>
+              </a:rPr>
+              <a:t>.</a:t>
+            </a:r>
+          </a:p>
+          <a:p>
+            <a:pPr marL="342900" indent="-342900" algn="just">
+              <a:buFont typeface="Wingdings" panose="05000000000000000000" pitchFamily="2" charset="2"/>
+              <a:buChar char="Ø"/>
+            </a:pPr>
+            <a:r>
+              <a:rPr lang="ru-RU" b="1" dirty="0">
+                <a:latin typeface="Arial" panose="020B0604020202020204" pitchFamily="34" charset="0"/>
+                <a:cs typeface="Arial" panose="020B0604020202020204" pitchFamily="34" charset="0"/>
+              </a:rPr>
+              <a:t>Командите</a:t>
+            </a:r>
+            <a:r>
+              <a:rPr lang="ru-RU" dirty="0">
+                <a:latin typeface="Arial" panose="020B0604020202020204" pitchFamily="34" charset="0"/>
+                <a:cs typeface="Arial" panose="020B0604020202020204" pitchFamily="34" charset="0"/>
+              </a:rPr>
+              <a:t> са отговорни за промяната </a:t>
+            </a:r>
+            <a:r>
+              <a:rPr lang="ru-RU" dirty="0" smtClean="0">
+                <a:latin typeface="Arial" panose="020B0604020202020204" pitchFamily="34" charset="0"/>
+                <a:cs typeface="Arial" panose="020B0604020202020204" pitchFamily="34" charset="0"/>
+              </a:rPr>
+              <a:t>на състояние </a:t>
+            </a:r>
+            <a:r>
+              <a:rPr lang="ru-RU" dirty="0">
+                <a:latin typeface="Arial" panose="020B0604020202020204" pitchFamily="34" charset="0"/>
+                <a:cs typeface="Arial" panose="020B0604020202020204" pitchFamily="34" charset="0"/>
+              </a:rPr>
+              <a:t>на приложението, т.е. създаване, актуализиране и изтриване на </a:t>
+            </a:r>
+            <a:r>
+              <a:rPr lang="bg-BG" dirty="0">
+                <a:latin typeface="Arial" panose="020B0604020202020204" pitchFamily="34" charset="0"/>
+                <a:cs typeface="Arial" panose="020B0604020202020204" pitchFamily="34" charset="0"/>
+              </a:rPr>
+              <a:t>единици обекти</a:t>
+            </a:r>
+            <a:r>
+              <a:rPr lang="ru-RU" dirty="0" smtClean="0">
+                <a:latin typeface="Arial" panose="020B0604020202020204" pitchFamily="34" charset="0"/>
+                <a:cs typeface="Arial" panose="020B0604020202020204" pitchFamily="34" charset="0"/>
+              </a:rPr>
+              <a:t>.</a:t>
+            </a:r>
+          </a:p>
+          <a:p>
+            <a:pPr marL="342900" indent="-342900" algn="just">
+              <a:buFont typeface="Wingdings" panose="05000000000000000000" pitchFamily="2" charset="2"/>
+              <a:buChar char="Ø"/>
+            </a:pPr>
+            <a:r>
+              <a:rPr lang="en-US" b="1" dirty="0" smtClean="0">
+                <a:solidFill>
+                  <a:srgbClr val="24292E"/>
+                </a:solidFill>
+              </a:rPr>
+              <a:t>Queries</a:t>
+            </a:r>
+            <a:r>
+              <a:rPr lang="bg-BG" b="1" dirty="0">
+                <a:solidFill>
+                  <a:srgbClr val="24292E"/>
+                </a:solidFill>
+              </a:rPr>
+              <a:t> </a:t>
+            </a:r>
+            <a:r>
+              <a:rPr lang="en-US" b="1" dirty="0" smtClean="0">
+                <a:solidFill>
+                  <a:srgbClr val="24292E"/>
+                </a:solidFill>
+              </a:rPr>
+              <a:t>&amp; </a:t>
+            </a:r>
+            <a:r>
+              <a:rPr lang="en-US" b="1" dirty="0" smtClean="0"/>
+              <a:t>Query </a:t>
+            </a:r>
+            <a:r>
+              <a:rPr lang="en-US" b="1" dirty="0"/>
+              <a:t>handler</a:t>
+            </a:r>
+            <a:r>
+              <a:rPr lang="en-US" b="1" dirty="0" smtClean="0">
+                <a:solidFill>
+                  <a:srgbClr val="24292E"/>
+                </a:solidFill>
+              </a:rPr>
+              <a:t> </a:t>
+            </a:r>
+            <a:r>
+              <a:rPr lang="ru-RU" dirty="0" smtClean="0">
+                <a:latin typeface="Arial" panose="020B0604020202020204" pitchFamily="34" charset="0"/>
+                <a:cs typeface="Arial" panose="020B0604020202020204" pitchFamily="34" charset="0"/>
+              </a:rPr>
+              <a:t>са отговорни за получаване на състоянието </a:t>
+            </a:r>
+            <a:r>
+              <a:rPr lang="ru-RU" dirty="0">
+                <a:latin typeface="Arial" panose="020B0604020202020204" pitchFamily="34" charset="0"/>
+                <a:cs typeface="Arial" panose="020B0604020202020204" pitchFamily="34" charset="0"/>
+              </a:rPr>
+              <a:t>на приложение, напр. за показване на информация на потребителя.</a:t>
+            </a:r>
+            <a:endParaRPr lang="en-US" dirty="0">
+              <a:latin typeface="Arial" panose="020B0604020202020204" pitchFamily="34" charset="0"/>
+              <a:cs typeface="Arial" panose="020B0604020202020204" pitchFamily="34" charset="0"/>
+            </a:endParaRPr>
+          </a:p>
+          <a:p>
+            <a:pPr marL="342900" indent="-342900" algn="just">
+              <a:buFont typeface="Wingdings" panose="05000000000000000000" pitchFamily="2" charset="2"/>
+              <a:buChar char="Ø"/>
+            </a:pPr>
+            <a:endParaRPr lang="en-US" dirty="0">
+              <a:latin typeface="Arial" panose="020B0604020202020204" pitchFamily="34" charset="0"/>
+              <a:cs typeface="Arial" panose="020B0604020202020204" pitchFamily="34" charset="0"/>
+            </a:endParaRPr>
+          </a:p>
+          <a:p>
+            <a:pPr marL="342900" indent="-342900" algn="just">
+              <a:buFont typeface="Wingdings" panose="05000000000000000000" pitchFamily="2" charset="2"/>
+              <a:buChar char="Ø"/>
+            </a:pPr>
+            <a:endParaRPr lang="en-US" dirty="0">
+              <a:latin typeface="Arial" panose="020B0604020202020204" pitchFamily="34" charset="0"/>
+              <a:cs typeface="Arial" panose="020B0604020202020204" pitchFamily="34" charset="0"/>
+            </a:endParaRPr>
+          </a:p>
+        </p:txBody>
+      </p:sp>
+      <p:pic>
+        <p:nvPicPr>
+          <p:cNvPr id="17" name="Picture 16" descr="Резултат с изображение за MEDIATR"/>
+          <p:cNvPicPr>
+            <a:picLocks noChangeAspect="1" noChangeArrowheads="1"/>
+          </p:cNvPicPr>
+          <p:nvPr/>
+        </p:nvPicPr>
+        <p:blipFill>
+          <a:blip r:embed="rId3">
+            <a:extLst>
+              <a:ext uri="{28A0092B-C50C-407E-A947-70E740481C1C}">
+                <a14:useLocalDpi xmlns:a14="http://schemas.microsoft.com/office/drawing/2010/main" val="0"/>
+              </a:ext>
+            </a:extLst>
+          </a:blip>
+          <a:srcRect/>
+          <a:stretch>
+            <a:fillRect/>
+          </a:stretch>
+        </p:blipFill>
+        <p:spPr bwMode="auto">
+          <a:xfrm>
+            <a:off x="4159250" y="8113565"/>
+            <a:ext cx="1057898" cy="1057899"/>
+          </a:xfrm>
+          <a:prstGeom prst="rect">
+            <a:avLst/>
+          </a:prstGeom>
+          <a:noFill/>
+          <a:extLst>
+            <a:ext uri="{909E8E84-426E-40DD-AFC4-6F175D3DCCD1}">
+              <a14:hiddenFill xmlns:a14="http://schemas.microsoft.com/office/drawing/2010/main">
+                <a:solidFill>
+                  <a:srgbClr val="FFFFFF"/>
+                </a:solidFill>
+              </a14:hiddenFill>
+            </a:ext>
+          </a:extLst>
+        </p:spPr>
+      </p:pic>
+      <p:sp>
+        <p:nvSpPr>
+          <p:cNvPr id="18" name="Rectangle 17"/>
+          <p:cNvSpPr/>
+          <p:nvPr/>
+        </p:nvSpPr>
+        <p:spPr>
+          <a:xfrm>
+            <a:off x="635350" y="8700779"/>
+            <a:ext cx="6096000" cy="523220"/>
+          </a:xfrm>
+          <a:prstGeom prst="rect">
+            <a:avLst/>
+          </a:prstGeom>
+        </p:spPr>
+        <p:txBody>
+          <a:bodyPr>
+            <a:spAutoFit/>
+          </a:bodyPr>
+          <a:lstStyle/>
+          <a:p>
+            <a:pPr algn="ctr"/>
+            <a:r>
+              <a:rPr lang="bg-BG" sz="2800" b="1" dirty="0">
+                <a:ln w="12700">
+                  <a:solidFill>
+                    <a:schemeClr val="tx2">
+                      <a:lumMod val="75000"/>
+                    </a:schemeClr>
+                  </a:solidFill>
+                  <a:prstDash val="solid"/>
+                </a:ln>
+                <a:pattFill prst="dkUpDiag">
+                  <a:fgClr>
+                    <a:schemeClr val="tx2"/>
+                  </a:fgClr>
+                  <a:bgClr>
+                    <a:schemeClr val="tx2">
+                      <a:lumMod val="20000"/>
+                      <a:lumOff val="80000"/>
+                    </a:schemeClr>
+                  </a:bgClr>
+                </a:pattFill>
+                <a:effectLst>
+                  <a:outerShdw dist="38100" dir="2640000" algn="bl" rotWithShape="0">
+                    <a:schemeClr val="tx2">
+                      <a:lumMod val="75000"/>
+                    </a:schemeClr>
+                  </a:outerShdw>
+                </a:effectLst>
+              </a:rPr>
+              <a:t>Осъществено чрез</a:t>
+            </a:r>
+            <a:r>
+              <a:rPr lang="en-US" sz="2800" b="1" cap="none" spc="0" dirty="0" smtClean="0">
+                <a:ln w="12700">
+                  <a:solidFill>
+                    <a:schemeClr val="tx2">
+                      <a:lumMod val="75000"/>
+                    </a:schemeClr>
+                  </a:solidFill>
+                  <a:prstDash val="solid"/>
+                </a:ln>
+                <a:pattFill prst="dkUpDiag">
+                  <a:fgClr>
+                    <a:schemeClr val="tx2"/>
+                  </a:fgClr>
+                  <a:bgClr>
+                    <a:schemeClr val="tx2">
+                      <a:lumMod val="20000"/>
+                      <a:lumOff val="80000"/>
+                    </a:schemeClr>
+                  </a:bgClr>
+                </a:pattFill>
+                <a:effectLst>
+                  <a:outerShdw dist="38100" dir="2640000" algn="bl" rotWithShape="0">
+                    <a:schemeClr val="tx2">
+                      <a:lumMod val="75000"/>
+                    </a:schemeClr>
+                  </a:outerShdw>
+                </a:effectLst>
+              </a:rPr>
+              <a:t>               </a:t>
+            </a:r>
+            <a:r>
+              <a:rPr lang="en-US" sz="2800" b="1" cap="none" spc="0" dirty="0" err="1" smtClean="0">
+                <a:ln w="12700">
+                  <a:solidFill>
+                    <a:schemeClr val="tx2">
+                      <a:lumMod val="75000"/>
+                    </a:schemeClr>
+                  </a:solidFill>
+                  <a:prstDash val="solid"/>
+                </a:ln>
+                <a:pattFill prst="dkUpDiag">
+                  <a:fgClr>
+                    <a:schemeClr val="tx2"/>
+                  </a:fgClr>
+                  <a:bgClr>
+                    <a:schemeClr val="tx2">
+                      <a:lumMod val="20000"/>
+                      <a:lumOff val="80000"/>
+                    </a:schemeClr>
+                  </a:bgClr>
+                </a:pattFill>
+                <a:effectLst>
+                  <a:outerShdw dist="38100" dir="2640000" algn="bl" rotWithShape="0">
+                    <a:schemeClr val="tx2">
+                      <a:lumMod val="75000"/>
+                    </a:schemeClr>
+                  </a:outerShdw>
+                </a:effectLst>
+              </a:rPr>
+              <a:t>ediatR</a:t>
+            </a:r>
+            <a:r>
+              <a:rPr lang="en-US" sz="2800" b="1" cap="none" spc="0" dirty="0" smtClean="0">
+                <a:ln w="12700">
+                  <a:solidFill>
+                    <a:schemeClr val="tx2">
+                      <a:lumMod val="75000"/>
+                    </a:schemeClr>
+                  </a:solidFill>
+                  <a:prstDash val="solid"/>
+                </a:ln>
+                <a:pattFill prst="dkUpDiag">
+                  <a:fgClr>
+                    <a:schemeClr val="tx2"/>
+                  </a:fgClr>
+                  <a:bgClr>
+                    <a:schemeClr val="tx2">
+                      <a:lumMod val="20000"/>
+                      <a:lumOff val="80000"/>
+                    </a:schemeClr>
+                  </a:bgClr>
+                </a:pattFill>
+                <a:effectLst>
+                  <a:outerShdw dist="38100" dir="2640000" algn="bl" rotWithShape="0">
+                    <a:schemeClr val="tx2">
+                      <a:lumMod val="75000"/>
+                    </a:schemeClr>
+                  </a:outerShdw>
+                </a:effectLst>
+              </a:rPr>
+              <a:t> </a:t>
+            </a:r>
+            <a:endParaRPr lang="en-US" sz="2800" b="1" cap="none" spc="0" dirty="0">
+              <a:ln w="12700">
+                <a:solidFill>
+                  <a:schemeClr val="tx2">
+                    <a:lumMod val="75000"/>
+                  </a:schemeClr>
+                </a:solidFill>
+                <a:prstDash val="solid"/>
+              </a:ln>
+              <a:pattFill prst="dkUpDiag">
+                <a:fgClr>
+                  <a:schemeClr val="tx2"/>
+                </a:fgClr>
+                <a:bgClr>
+                  <a:schemeClr val="tx2">
+                    <a:lumMod val="20000"/>
+                    <a:lumOff val="80000"/>
+                  </a:schemeClr>
+                </a:bgClr>
+              </a:pattFill>
+              <a:effectLst>
+                <a:outerShdw dist="38100" dir="2640000" algn="bl" rotWithShape="0">
+                  <a:schemeClr val="tx2">
+                    <a:lumMod val="75000"/>
+                  </a:schemeClr>
+                </a:outerShdw>
+              </a:effectLst>
+            </a:endParaRPr>
+          </a:p>
+        </p:txBody>
+      </p:sp>
     </p:spTree>
     <p:extLst>
       <p:ext uri="{BB962C8B-B14F-4D97-AF65-F5344CB8AC3E}">
